--- a/Blowfish.pptx
+++ b/Blowfish.pptx
@@ -5,17 +5,19 @@
     <p:sldMasterId id="2147483701" r:id="rId4"/>
   </p:sldMasterIdLst>
   <p:notesMasterIdLst>
-    <p:notesMasterId r:id="rId13"/>
+    <p:notesMasterId r:id="rId15"/>
   </p:notesMasterIdLst>
   <p:sldIdLst>
     <p:sldId id="257" r:id="rId5"/>
     <p:sldId id="277" r:id="rId6"/>
     <p:sldId id="279" r:id="rId7"/>
-    <p:sldId id="278" r:id="rId8"/>
-    <p:sldId id="280" r:id="rId9"/>
-    <p:sldId id="281" r:id="rId10"/>
-    <p:sldId id="282" r:id="rId11"/>
-    <p:sldId id="283" r:id="rId12"/>
+    <p:sldId id="284" r:id="rId8"/>
+    <p:sldId id="278" r:id="rId9"/>
+    <p:sldId id="280" r:id="rId10"/>
+    <p:sldId id="281" r:id="rId11"/>
+    <p:sldId id="282" r:id="rId12"/>
+    <p:sldId id="285" r:id="rId13"/>
+    <p:sldId id="283" r:id="rId14"/>
   </p:sldIdLst>
   <p:sldSz cx="12192000" cy="6858000"/>
   <p:notesSz cx="6858000" cy="9144000"/>
@@ -114,6 +116,11 @@
       </a:defRPr>
     </a:lvl9pPr>
   </p:defaultTextStyle>
+  <p:extLst>
+    <p:ext uri="{EFAFB233-063F-42B5-8137-9DF3F51BA10A}">
+      <p15:sldGuideLst xmlns:p15="http://schemas.microsoft.com/office/powerpoint/2012/main"/>
+    </p:ext>
+  </p:extLst>
 </p:presentation>
 </file>
 
@@ -207,7 +214,7 @@
           <a:p>
             <a:fld id="{5ADED4D3-2E32-4AE2-9355-559E747A8267}" type="datetimeFigureOut">
               <a:rPr lang="en-US" smtClean="0"/>
-              <a:t>5/6/2025</a:t>
+              <a:t>5/8/2025</a:t>
             </a:fld>
             <a:endParaRPr lang="en-US"/>
           </a:p>
@@ -566,6 +573,1153 @@
 </p:notes>
 </file>
 
+<file path=ppt/notesSlides/notesSlide2.xml><?xml version="1.0" encoding="utf-8"?>
+<p:notes xmlns:a="http://schemas.openxmlformats.org/drawingml/2006/main" xmlns:r="http://schemas.openxmlformats.org/officeDocument/2006/relationships" xmlns:p="http://schemas.openxmlformats.org/presentationml/2006/main">
+  <p:cSld>
+    <p:spTree>
+      <p:nvGrpSpPr>
+        <p:cNvPr id="1" name=""/>
+        <p:cNvGrpSpPr/>
+        <p:nvPr/>
+      </p:nvGrpSpPr>
+      <p:grpSpPr>
+        <a:xfrm>
+          <a:off x="0" y="0"/>
+          <a:ext cx="0" cy="0"/>
+          <a:chOff x="0" y="0"/>
+          <a:chExt cx="0" cy="0"/>
+        </a:xfrm>
+      </p:grpSpPr>
+      <p:sp>
+        <p:nvSpPr>
+          <p:cNvPr id="2" name="מציין מיקום של תמונת שקופית 1"/>
+          <p:cNvSpPr>
+            <a:spLocks noGrp="1" noRot="1" noChangeAspect="1"/>
+          </p:cNvSpPr>
+          <p:nvPr>
+            <p:ph type="sldImg"/>
+          </p:nvPr>
+        </p:nvSpPr>
+        <p:spPr/>
+      </p:sp>
+      <p:sp>
+        <p:nvSpPr>
+          <p:cNvPr id="3" name="מציין מיקום של הערות 2"/>
+          <p:cNvSpPr>
+            <a:spLocks noGrp="1"/>
+          </p:cNvSpPr>
+          <p:nvPr>
+            <p:ph type="body" idx="1"/>
+          </p:nvPr>
+        </p:nvSpPr>
+        <p:spPr/>
+        <p:txBody>
+          <a:bodyPr/>
+          <a:lstStyle/>
+          <a:p>
+            <a:pPr lvl="1">
+              <a:buFont typeface="Arial" panose="020B0604020202020204" pitchFamily="34" charset="0"/>
+              <a:buChar char="•"/>
+            </a:pPr>
+            <a:r>
+              <a:rPr lang="en-US" b="1" dirty="0"/>
+              <a:t> Blowfish</a:t>
+            </a:r>
+            <a:r>
+              <a:rPr lang="en-US" dirty="0"/>
+              <a:t> is a symmetric block cipher that encrypts data in </a:t>
+            </a:r>
+            <a:r>
+              <a:rPr lang="en-US" b="1" dirty="0"/>
+              <a:t>64-bit blocks</a:t>
+            </a:r>
+            <a:r>
+              <a:rPr lang="en-US" dirty="0"/>
+              <a:t> using a </a:t>
+            </a:r>
+            <a:r>
+              <a:rPr lang="en-US" b="1" dirty="0"/>
+              <a:t>variable-length key</a:t>
+            </a:r>
+            <a:r>
+              <a:rPr lang="en-US" dirty="0"/>
+              <a:t> (32 to 448 bits).</a:t>
+            </a:r>
+          </a:p>
+          <a:p>
+            <a:pPr lvl="1">
+              <a:buFont typeface="Arial" panose="020B0604020202020204" pitchFamily="34" charset="0"/>
+              <a:buChar char="•"/>
+            </a:pPr>
+            <a:r>
+              <a:rPr lang="en-US" dirty="0"/>
+              <a:t> Commonly used for fast, lightweight encryption.</a:t>
+            </a:r>
+          </a:p>
+          <a:p>
+            <a:pPr lvl="1">
+              <a:buFont typeface="Arial" panose="020B0604020202020204" pitchFamily="34" charset="0"/>
+              <a:buChar char="•"/>
+            </a:pPr>
+            <a:r>
+              <a:rPr lang="en-US" dirty="0"/>
+              <a:t>Operates in several modes (e.g., ECB, CBC). For email messages, CBC is more secure.</a:t>
+            </a:r>
+          </a:p>
+          <a:p>
+            <a:pPr lvl="1">
+              <a:buFont typeface="Arial" panose="020B0604020202020204" pitchFamily="34" charset="0"/>
+              <a:buChar char="•"/>
+            </a:pPr>
+            <a:r>
+              <a:rPr lang="en-US" dirty="0"/>
+              <a:t>Encryption and decryption use the </a:t>
+            </a:r>
+            <a:r>
+              <a:rPr lang="en-US" b="1" dirty="0"/>
+              <a:t>same key</a:t>
+            </a:r>
+            <a:r>
+              <a:rPr lang="en-US" dirty="0"/>
+              <a:t>, which must be shared securely.</a:t>
+            </a:r>
+          </a:p>
+          <a:p>
+            <a:endParaRPr lang="he-IL" dirty="0"/>
+          </a:p>
+        </p:txBody>
+      </p:sp>
+      <p:sp>
+        <p:nvSpPr>
+          <p:cNvPr id="4" name="מציין מיקום של מספר שקופית 3"/>
+          <p:cNvSpPr>
+            <a:spLocks noGrp="1"/>
+          </p:cNvSpPr>
+          <p:nvPr>
+            <p:ph type="sldNum" sz="quarter" idx="5"/>
+          </p:nvPr>
+        </p:nvSpPr>
+        <p:spPr/>
+        <p:txBody>
+          <a:bodyPr/>
+          <a:lstStyle/>
+          <a:p>
+            <a:fld id="{0050DDF3-CFC3-40C0-B288-2F43B4469CD4}" type="slidenum">
+              <a:rPr lang="en-US" smtClean="0"/>
+              <a:t>3</a:t>
+            </a:fld>
+            <a:endParaRPr lang="en-US"/>
+          </a:p>
+        </p:txBody>
+      </p:sp>
+    </p:spTree>
+    <p:extLst>
+      <p:ext uri="{BB962C8B-B14F-4D97-AF65-F5344CB8AC3E}">
+        <p14:creationId xmlns:p14="http://schemas.microsoft.com/office/powerpoint/2010/main" val="502466452"/>
+      </p:ext>
+    </p:extLst>
+  </p:cSld>
+  <p:clrMapOvr>
+    <a:masterClrMapping/>
+  </p:clrMapOvr>
+</p:notes>
+</file>
+
+<file path=ppt/notesSlides/notesSlide3.xml><?xml version="1.0" encoding="utf-8"?>
+<p:notes xmlns:a="http://schemas.openxmlformats.org/drawingml/2006/main" xmlns:r="http://schemas.openxmlformats.org/officeDocument/2006/relationships" xmlns:p="http://schemas.openxmlformats.org/presentationml/2006/main">
+  <p:cSld>
+    <p:spTree>
+      <p:nvGrpSpPr>
+        <p:cNvPr id="1" name=""/>
+        <p:cNvGrpSpPr/>
+        <p:nvPr/>
+      </p:nvGrpSpPr>
+      <p:grpSpPr>
+        <a:xfrm>
+          <a:off x="0" y="0"/>
+          <a:ext cx="0" cy="0"/>
+          <a:chOff x="0" y="0"/>
+          <a:chExt cx="0" cy="0"/>
+        </a:xfrm>
+      </p:grpSpPr>
+      <p:sp>
+        <p:nvSpPr>
+          <p:cNvPr id="2" name="מציין מיקום של תמונת שקופית 1"/>
+          <p:cNvSpPr>
+            <a:spLocks noGrp="1" noRot="1" noChangeAspect="1"/>
+          </p:cNvSpPr>
+          <p:nvPr>
+            <p:ph type="sldImg"/>
+          </p:nvPr>
+        </p:nvSpPr>
+        <p:spPr/>
+      </p:sp>
+      <p:sp>
+        <p:nvSpPr>
+          <p:cNvPr id="3" name="מציין מיקום של הערות 2"/>
+          <p:cNvSpPr>
+            <a:spLocks noGrp="1"/>
+          </p:cNvSpPr>
+          <p:nvPr>
+            <p:ph type="body" idx="1"/>
+          </p:nvPr>
+        </p:nvSpPr>
+        <p:spPr/>
+        <p:txBody>
+          <a:bodyPr/>
+          <a:lstStyle/>
+          <a:p>
+            <a:pPr lvl="1">
+              <a:buFont typeface="Arial" panose="020B0604020202020204" pitchFamily="34" charset="0"/>
+              <a:buChar char="•"/>
+            </a:pPr>
+            <a:r>
+              <a:rPr lang="en-US" b="1" dirty="0" err="1"/>
+              <a:t>McEliece</a:t>
+            </a:r>
+            <a:r>
+              <a:rPr lang="en-US" dirty="0"/>
+              <a:t> is a </a:t>
+            </a:r>
+            <a:r>
+              <a:rPr lang="en-US" b="1" dirty="0"/>
+              <a:t>public-key cryptosystem</a:t>
+            </a:r>
+            <a:r>
+              <a:rPr lang="en-US" dirty="0"/>
+              <a:t> based on </a:t>
+            </a:r>
+            <a:r>
+              <a:rPr lang="en-US" b="1" dirty="0"/>
+              <a:t>error-correcting codes</a:t>
+            </a:r>
+            <a:r>
+              <a:rPr lang="en-US" dirty="0"/>
+              <a:t>, not number theory — it's considered quantum-resistant.</a:t>
+            </a:r>
+          </a:p>
+          <a:p>
+            <a:pPr lvl="1">
+              <a:buFont typeface="Arial" panose="020B0604020202020204" pitchFamily="34" charset="0"/>
+              <a:buChar char="•"/>
+            </a:pPr>
+            <a:r>
+              <a:rPr lang="en-US" dirty="0"/>
+              <a:t>Used to </a:t>
+            </a:r>
+            <a:r>
+              <a:rPr lang="en-US" b="1" dirty="0"/>
+              <a:t>encrypt the symmetric Blowfish key</a:t>
+            </a:r>
+            <a:r>
+              <a:rPr lang="en-US" dirty="0"/>
+              <a:t>, so it can be sent securely.</a:t>
+            </a:r>
+          </a:p>
+          <a:p>
+            <a:pPr lvl="1">
+              <a:buFont typeface="Arial" panose="020B0604020202020204" pitchFamily="34" charset="0"/>
+              <a:buChar char="•"/>
+            </a:pPr>
+            <a:r>
+              <a:rPr lang="en-US" dirty="0"/>
+              <a:t>Only the recipient (Bob) can decrypt it using his private </a:t>
+            </a:r>
+            <a:r>
+              <a:rPr lang="en-US" dirty="0" err="1"/>
+              <a:t>McEliece</a:t>
+            </a:r>
+            <a:r>
+              <a:rPr lang="en-US" dirty="0"/>
+              <a:t> key.</a:t>
+            </a:r>
+          </a:p>
+          <a:p>
+            <a:endParaRPr lang="he-IL" dirty="0"/>
+          </a:p>
+        </p:txBody>
+      </p:sp>
+      <p:sp>
+        <p:nvSpPr>
+          <p:cNvPr id="4" name="מציין מיקום של מספר שקופית 3"/>
+          <p:cNvSpPr>
+            <a:spLocks noGrp="1"/>
+          </p:cNvSpPr>
+          <p:nvPr>
+            <p:ph type="sldNum" sz="quarter" idx="5"/>
+          </p:nvPr>
+        </p:nvSpPr>
+        <p:spPr/>
+        <p:txBody>
+          <a:bodyPr/>
+          <a:lstStyle/>
+          <a:p>
+            <a:fld id="{0050DDF3-CFC3-40C0-B288-2F43B4469CD4}" type="slidenum">
+              <a:rPr lang="en-US" smtClean="0"/>
+              <a:t>4</a:t>
+            </a:fld>
+            <a:endParaRPr lang="en-US"/>
+          </a:p>
+        </p:txBody>
+      </p:sp>
+    </p:spTree>
+    <p:extLst>
+      <p:ext uri="{BB962C8B-B14F-4D97-AF65-F5344CB8AC3E}">
+        <p14:creationId xmlns:p14="http://schemas.microsoft.com/office/powerpoint/2010/main" val="1317345622"/>
+      </p:ext>
+    </p:extLst>
+  </p:cSld>
+  <p:clrMapOvr>
+    <a:masterClrMapping/>
+  </p:clrMapOvr>
+</p:notes>
+</file>
+
+<file path=ppt/notesSlides/notesSlide4.xml><?xml version="1.0" encoding="utf-8"?>
+<p:notes xmlns:a="http://schemas.openxmlformats.org/drawingml/2006/main" xmlns:r="http://schemas.openxmlformats.org/officeDocument/2006/relationships" xmlns:p="http://schemas.openxmlformats.org/presentationml/2006/main">
+  <p:cSld>
+    <p:spTree>
+      <p:nvGrpSpPr>
+        <p:cNvPr id="1" name=""/>
+        <p:cNvGrpSpPr/>
+        <p:nvPr/>
+      </p:nvGrpSpPr>
+      <p:grpSpPr>
+        <a:xfrm>
+          <a:off x="0" y="0"/>
+          <a:ext cx="0" cy="0"/>
+          <a:chOff x="0" y="0"/>
+          <a:chExt cx="0" cy="0"/>
+        </a:xfrm>
+      </p:grpSpPr>
+      <p:sp>
+        <p:nvSpPr>
+          <p:cNvPr id="2" name="מציין מיקום של תמונת שקופית 1"/>
+          <p:cNvSpPr>
+            <a:spLocks noGrp="1" noRot="1" noChangeAspect="1"/>
+          </p:cNvSpPr>
+          <p:nvPr>
+            <p:ph type="sldImg"/>
+          </p:nvPr>
+        </p:nvSpPr>
+        <p:spPr/>
+      </p:sp>
+      <p:sp>
+        <p:nvSpPr>
+          <p:cNvPr id="3" name="מציין מיקום של הערות 2"/>
+          <p:cNvSpPr>
+            <a:spLocks noGrp="1"/>
+          </p:cNvSpPr>
+          <p:nvPr>
+            <p:ph type="body" idx="1"/>
+          </p:nvPr>
+        </p:nvSpPr>
+        <p:spPr/>
+        <p:txBody>
+          <a:bodyPr/>
+          <a:lstStyle/>
+          <a:p>
+            <a:pPr>
+              <a:buNone/>
+            </a:pPr>
+            <a:r>
+              <a:rPr lang="en-US" dirty="0"/>
+              <a:t>The original message is a plaintext string representing the content of an email. In real-world applications, this could be a subject line, a short paragraph, or any piece of text. For demonstration purposes, we use a simple text message to show how it is processed through encryption, key delivery, and digital signing.</a:t>
+            </a:r>
+          </a:p>
+          <a:p>
+            <a:r>
+              <a:rPr lang="en-US" dirty="0"/>
+              <a:t>The message must be encrypted to ensure </a:t>
+            </a:r>
+            <a:r>
+              <a:rPr lang="en-US" b="1" dirty="0"/>
+              <a:t>confidentiality</a:t>
+            </a:r>
+            <a:r>
+              <a:rPr lang="en-US" dirty="0"/>
+              <a:t>, and should be </a:t>
+            </a:r>
+            <a:r>
+              <a:rPr lang="en-US" b="1" dirty="0"/>
+              <a:t>digitally signed</a:t>
+            </a:r>
+            <a:r>
+              <a:rPr lang="en-US" dirty="0"/>
+              <a:t> to guarantee </a:t>
+            </a:r>
+            <a:r>
+              <a:rPr lang="en-US" b="1" dirty="0"/>
+              <a:t>authenticity and integrity</a:t>
+            </a:r>
+            <a:r>
+              <a:rPr lang="en-US" dirty="0"/>
+              <a:t>.</a:t>
+            </a:r>
+          </a:p>
+          <a:p>
+            <a:endParaRPr lang="he-IL" dirty="0"/>
+          </a:p>
+        </p:txBody>
+      </p:sp>
+      <p:sp>
+        <p:nvSpPr>
+          <p:cNvPr id="4" name="מציין מיקום של מספר שקופית 3"/>
+          <p:cNvSpPr>
+            <a:spLocks noGrp="1"/>
+          </p:cNvSpPr>
+          <p:nvPr>
+            <p:ph type="sldNum" sz="quarter" idx="5"/>
+          </p:nvPr>
+        </p:nvSpPr>
+        <p:spPr/>
+        <p:txBody>
+          <a:bodyPr/>
+          <a:lstStyle/>
+          <a:p>
+            <a:fld id="{0050DDF3-CFC3-40C0-B288-2F43B4469CD4}" type="slidenum">
+              <a:rPr lang="en-US" smtClean="0"/>
+              <a:t>5</a:t>
+            </a:fld>
+            <a:endParaRPr lang="en-US"/>
+          </a:p>
+        </p:txBody>
+      </p:sp>
+    </p:spTree>
+    <p:extLst>
+      <p:ext uri="{BB962C8B-B14F-4D97-AF65-F5344CB8AC3E}">
+        <p14:creationId xmlns:p14="http://schemas.microsoft.com/office/powerpoint/2010/main" val="3116880650"/>
+      </p:ext>
+    </p:extLst>
+  </p:cSld>
+  <p:clrMapOvr>
+    <a:masterClrMapping/>
+  </p:clrMapOvr>
+</p:notes>
+</file>
+
+<file path=ppt/notesSlides/notesSlide5.xml><?xml version="1.0" encoding="utf-8"?>
+<p:notes xmlns:a="http://schemas.openxmlformats.org/drawingml/2006/main" xmlns:r="http://schemas.openxmlformats.org/officeDocument/2006/relationships" xmlns:p="http://schemas.openxmlformats.org/presentationml/2006/main">
+  <p:cSld>
+    <p:spTree>
+      <p:nvGrpSpPr>
+        <p:cNvPr id="1" name=""/>
+        <p:cNvGrpSpPr/>
+        <p:nvPr/>
+      </p:nvGrpSpPr>
+      <p:grpSpPr>
+        <a:xfrm>
+          <a:off x="0" y="0"/>
+          <a:ext cx="0" cy="0"/>
+          <a:chOff x="0" y="0"/>
+          <a:chExt cx="0" cy="0"/>
+        </a:xfrm>
+      </p:grpSpPr>
+      <p:sp>
+        <p:nvSpPr>
+          <p:cNvPr id="2" name="מציין מיקום של תמונת שקופית 1"/>
+          <p:cNvSpPr>
+            <a:spLocks noGrp="1" noRot="1" noChangeAspect="1"/>
+          </p:cNvSpPr>
+          <p:nvPr>
+            <p:ph type="sldImg"/>
+          </p:nvPr>
+        </p:nvSpPr>
+        <p:spPr/>
+      </p:sp>
+      <p:sp>
+        <p:nvSpPr>
+          <p:cNvPr id="3" name="מציין מיקום של הערות 2"/>
+          <p:cNvSpPr>
+            <a:spLocks noGrp="1"/>
+          </p:cNvSpPr>
+          <p:nvPr>
+            <p:ph type="body" idx="1"/>
+          </p:nvPr>
+        </p:nvSpPr>
+        <p:spPr/>
+        <p:txBody>
+          <a:bodyPr/>
+          <a:lstStyle/>
+          <a:p>
+            <a:pPr>
+              <a:buNone/>
+            </a:pPr>
+            <a:r>
+              <a:rPr lang="en-US" dirty="0"/>
+              <a:t>Once the plaintext message is encrypted using the Blowfish symmetric cipher, the result is a </a:t>
+            </a:r>
+            <a:r>
+              <a:rPr lang="en-US" b="1" dirty="0"/>
+              <a:t>non-readable block of ciphertext</a:t>
+            </a:r>
+            <a:r>
+              <a:rPr lang="en-US" dirty="0"/>
+              <a:t>. This ciphertext appears as a random string of characters and symbols — not meaningful to anyone without the key.</a:t>
+            </a:r>
+          </a:p>
+          <a:p>
+            <a:pPr>
+              <a:buNone/>
+            </a:pPr>
+            <a:r>
+              <a:rPr lang="en-US" dirty="0"/>
+              <a:t>Encryption is done using a </a:t>
+            </a:r>
+            <a:r>
+              <a:rPr lang="en-US" b="1" dirty="0"/>
+              <a:t>randomly generated Blowfish key</a:t>
+            </a:r>
+            <a:r>
+              <a:rPr lang="en-US" dirty="0"/>
+              <a:t>, and the same key must later be used to decrypt the message. Since symmetric keys cannot be shared openly, the Blowfish key is encrypted using the </a:t>
+            </a:r>
+            <a:r>
+              <a:rPr lang="en-US" dirty="0" err="1"/>
+              <a:t>McEliece</a:t>
+            </a:r>
+            <a:r>
+              <a:rPr lang="en-US" dirty="0"/>
+              <a:t> public-key system.</a:t>
+            </a:r>
+          </a:p>
+          <a:p>
+            <a:r>
+              <a:rPr lang="en-US" dirty="0"/>
+              <a:t>This step ensures that even if someone intercepts the message, they cannot understand it without the Blowfish key — and they can't access the key unless they can break </a:t>
+            </a:r>
+            <a:r>
+              <a:rPr lang="en-US" dirty="0" err="1"/>
+              <a:t>McEliece</a:t>
+            </a:r>
+            <a:r>
+              <a:rPr lang="en-US" dirty="0"/>
+              <a:t> encryption (which is considered quantum-safe).</a:t>
+            </a:r>
+          </a:p>
+          <a:p>
+            <a:endParaRPr lang="he-IL" dirty="0"/>
+          </a:p>
+        </p:txBody>
+      </p:sp>
+      <p:sp>
+        <p:nvSpPr>
+          <p:cNvPr id="4" name="מציין מיקום של מספר שקופית 3"/>
+          <p:cNvSpPr>
+            <a:spLocks noGrp="1"/>
+          </p:cNvSpPr>
+          <p:nvPr>
+            <p:ph type="sldNum" sz="quarter" idx="5"/>
+          </p:nvPr>
+        </p:nvSpPr>
+        <p:spPr/>
+        <p:txBody>
+          <a:bodyPr/>
+          <a:lstStyle/>
+          <a:p>
+            <a:fld id="{0050DDF3-CFC3-40C0-B288-2F43B4469CD4}" type="slidenum">
+              <a:rPr lang="en-US" smtClean="0"/>
+              <a:t>6</a:t>
+            </a:fld>
+            <a:endParaRPr lang="en-US"/>
+          </a:p>
+        </p:txBody>
+      </p:sp>
+    </p:spTree>
+    <p:extLst>
+      <p:ext uri="{BB962C8B-B14F-4D97-AF65-F5344CB8AC3E}">
+        <p14:creationId xmlns:p14="http://schemas.microsoft.com/office/powerpoint/2010/main" val="550502804"/>
+      </p:ext>
+    </p:extLst>
+  </p:cSld>
+  <p:clrMapOvr>
+    <a:masterClrMapping/>
+  </p:clrMapOvr>
+</p:notes>
+</file>
+
+<file path=ppt/notesSlides/notesSlide6.xml><?xml version="1.0" encoding="utf-8"?>
+<p:notes xmlns:a="http://schemas.openxmlformats.org/drawingml/2006/main" xmlns:r="http://schemas.openxmlformats.org/officeDocument/2006/relationships" xmlns:p="http://schemas.openxmlformats.org/presentationml/2006/main">
+  <p:cSld>
+    <p:spTree>
+      <p:nvGrpSpPr>
+        <p:cNvPr id="1" name=""/>
+        <p:cNvGrpSpPr/>
+        <p:nvPr/>
+      </p:nvGrpSpPr>
+      <p:grpSpPr>
+        <a:xfrm>
+          <a:off x="0" y="0"/>
+          <a:ext cx="0" cy="0"/>
+          <a:chOff x="0" y="0"/>
+          <a:chExt cx="0" cy="0"/>
+        </a:xfrm>
+      </p:grpSpPr>
+      <p:sp>
+        <p:nvSpPr>
+          <p:cNvPr id="2" name="מציין מיקום של תמונת שקופית 1"/>
+          <p:cNvSpPr>
+            <a:spLocks noGrp="1" noRot="1" noChangeAspect="1"/>
+          </p:cNvSpPr>
+          <p:nvPr>
+            <p:ph type="sldImg"/>
+          </p:nvPr>
+        </p:nvSpPr>
+        <p:spPr/>
+      </p:sp>
+      <p:sp>
+        <p:nvSpPr>
+          <p:cNvPr id="3" name="מציין מיקום של הערות 2"/>
+          <p:cNvSpPr>
+            <a:spLocks noGrp="1"/>
+          </p:cNvSpPr>
+          <p:nvPr>
+            <p:ph type="body" idx="1"/>
+          </p:nvPr>
+        </p:nvSpPr>
+        <p:spPr/>
+        <p:txBody>
+          <a:bodyPr/>
+          <a:lstStyle/>
+          <a:p>
+            <a:pPr>
+              <a:buNone/>
+            </a:pPr>
+            <a:r>
+              <a:rPr lang="en-US" dirty="0"/>
+              <a:t>To decipher the message, the receiver (Bob) performs three critical steps:</a:t>
+            </a:r>
+          </a:p>
+          <a:p>
+            <a:pPr>
+              <a:buFont typeface="+mj-lt"/>
+              <a:buAutoNum type="arabicPeriod"/>
+            </a:pPr>
+            <a:r>
+              <a:rPr lang="en-US" b="1" dirty="0"/>
+              <a:t>Recover the Blowfish key</a:t>
+            </a:r>
+            <a:br>
+              <a:rPr lang="en-US" dirty="0"/>
+            </a:br>
+            <a:r>
+              <a:rPr lang="en-US" dirty="0"/>
+              <a:t>Using his </a:t>
+            </a:r>
+            <a:r>
+              <a:rPr lang="en-US" b="1" dirty="0"/>
+              <a:t>private </a:t>
+            </a:r>
+            <a:r>
+              <a:rPr lang="en-US" b="1" dirty="0" err="1"/>
+              <a:t>McEliece</a:t>
+            </a:r>
+            <a:r>
+              <a:rPr lang="en-US" b="1" dirty="0"/>
+              <a:t> key</a:t>
+            </a:r>
+            <a:r>
+              <a:rPr lang="en-US" dirty="0"/>
+              <a:t>, Bob decrypts the encrypted Blowfish key that was sent by Alice. Only Bob can perform this decryption, because only he possesses the correct private key.</a:t>
+            </a:r>
+          </a:p>
+          <a:p>
+            <a:pPr>
+              <a:buFont typeface="+mj-lt"/>
+              <a:buAutoNum type="arabicPeriod"/>
+            </a:pPr>
+            <a:r>
+              <a:rPr lang="en-US" b="1" dirty="0"/>
+              <a:t>Decrypt the message</a:t>
+            </a:r>
+            <a:br>
+              <a:rPr lang="en-US" dirty="0"/>
+            </a:br>
+            <a:r>
+              <a:rPr lang="en-US" dirty="0"/>
+              <a:t>With the recovered Blowfish key, Bob decrypts the ciphertext. Blowfish is symmetric, so the same key used for encryption is now used for decryption.</a:t>
+            </a:r>
+          </a:p>
+          <a:p>
+            <a:pPr>
+              <a:buFont typeface="+mj-lt"/>
+              <a:buAutoNum type="arabicPeriod"/>
+            </a:pPr>
+            <a:r>
+              <a:rPr lang="en-US" b="1" dirty="0"/>
+              <a:t>Verify the signature</a:t>
+            </a:r>
+            <a:br>
+              <a:rPr lang="en-US" dirty="0"/>
+            </a:br>
+            <a:r>
+              <a:rPr lang="en-US" dirty="0"/>
+              <a:t>Before trusting the decrypted content, Bob verifies the digital signature using Alice’s public ECDSA key. This ensures that:</a:t>
+            </a:r>
+          </a:p>
+          <a:p>
+            <a:pPr marL="742950" lvl="1" indent="-285750">
+              <a:buFont typeface="+mj-lt"/>
+              <a:buAutoNum type="arabicPeriod"/>
+            </a:pPr>
+            <a:r>
+              <a:rPr lang="en-US" dirty="0"/>
+              <a:t>The message truly came from Alice (authenticity)</a:t>
+            </a:r>
+          </a:p>
+          <a:p>
+            <a:pPr marL="742950" lvl="1" indent="-285750">
+              <a:buFont typeface="+mj-lt"/>
+              <a:buAutoNum type="arabicPeriod"/>
+            </a:pPr>
+            <a:r>
+              <a:rPr lang="en-US" dirty="0"/>
+              <a:t>The message has not been altered (integrity)</a:t>
+            </a:r>
+          </a:p>
+          <a:p>
+            <a:r>
+              <a:rPr lang="en-US" dirty="0"/>
+              <a:t>Only if the signature is valid does Bob consider the message trustworthy.</a:t>
+            </a:r>
+          </a:p>
+          <a:p>
+            <a:endParaRPr lang="he-IL" dirty="0"/>
+          </a:p>
+        </p:txBody>
+      </p:sp>
+      <p:sp>
+        <p:nvSpPr>
+          <p:cNvPr id="4" name="מציין מיקום של מספר שקופית 3"/>
+          <p:cNvSpPr>
+            <a:spLocks noGrp="1"/>
+          </p:cNvSpPr>
+          <p:nvPr>
+            <p:ph type="sldNum" sz="quarter" idx="5"/>
+          </p:nvPr>
+        </p:nvSpPr>
+        <p:spPr/>
+        <p:txBody>
+          <a:bodyPr/>
+          <a:lstStyle/>
+          <a:p>
+            <a:fld id="{0050DDF3-CFC3-40C0-B288-2F43B4469CD4}" type="slidenum">
+              <a:rPr lang="en-US" smtClean="0"/>
+              <a:t>7</a:t>
+            </a:fld>
+            <a:endParaRPr lang="en-US"/>
+          </a:p>
+        </p:txBody>
+      </p:sp>
+    </p:spTree>
+    <p:extLst>
+      <p:ext uri="{BB962C8B-B14F-4D97-AF65-F5344CB8AC3E}">
+        <p14:creationId xmlns:p14="http://schemas.microsoft.com/office/powerpoint/2010/main" val="58447891"/>
+      </p:ext>
+    </p:extLst>
+  </p:cSld>
+  <p:clrMapOvr>
+    <a:masterClrMapping/>
+  </p:clrMapOvr>
+</p:notes>
+</file>
+
+<file path=ppt/notesSlides/notesSlide7.xml><?xml version="1.0" encoding="utf-8"?>
+<p:notes xmlns:a="http://schemas.openxmlformats.org/drawingml/2006/main" xmlns:r="http://schemas.openxmlformats.org/officeDocument/2006/relationships" xmlns:p="http://schemas.openxmlformats.org/presentationml/2006/main">
+  <p:cSld>
+    <p:spTree>
+      <p:nvGrpSpPr>
+        <p:cNvPr id="1" name=""/>
+        <p:cNvGrpSpPr/>
+        <p:nvPr/>
+      </p:nvGrpSpPr>
+      <p:grpSpPr>
+        <a:xfrm>
+          <a:off x="0" y="0"/>
+          <a:ext cx="0" cy="0"/>
+          <a:chOff x="0" y="0"/>
+          <a:chExt cx="0" cy="0"/>
+        </a:xfrm>
+      </p:grpSpPr>
+      <p:sp>
+        <p:nvSpPr>
+          <p:cNvPr id="2" name="מציין מיקום של תמונת שקופית 1"/>
+          <p:cNvSpPr>
+            <a:spLocks noGrp="1" noRot="1" noChangeAspect="1"/>
+          </p:cNvSpPr>
+          <p:nvPr>
+            <p:ph type="sldImg"/>
+          </p:nvPr>
+        </p:nvSpPr>
+        <p:spPr/>
+      </p:sp>
+      <p:sp>
+        <p:nvSpPr>
+          <p:cNvPr id="3" name="מציין מיקום של הערות 2"/>
+          <p:cNvSpPr>
+            <a:spLocks noGrp="1"/>
+          </p:cNvSpPr>
+          <p:nvPr>
+            <p:ph type="body" idx="1"/>
+          </p:nvPr>
+        </p:nvSpPr>
+        <p:spPr/>
+        <p:txBody>
+          <a:bodyPr/>
+          <a:lstStyle/>
+          <a:p>
+            <a:pPr>
+              <a:buNone/>
+            </a:pPr>
+            <a:r>
+              <a:rPr lang="en-US" dirty="0"/>
+              <a:t>Digital signatures are used in our system to make sure that:</a:t>
+            </a:r>
+          </a:p>
+          <a:p>
+            <a:pPr>
+              <a:buFont typeface="Arial" panose="020B0604020202020204" pitchFamily="34" charset="0"/>
+              <a:buChar char="•"/>
+            </a:pPr>
+            <a:r>
+              <a:rPr lang="en-US" dirty="0"/>
+              <a:t>The message truly came from the sender (Alice)</a:t>
+            </a:r>
+          </a:p>
+          <a:p>
+            <a:pPr>
+              <a:buFont typeface="Arial" panose="020B0604020202020204" pitchFamily="34" charset="0"/>
+              <a:buChar char="•"/>
+            </a:pPr>
+            <a:r>
+              <a:rPr lang="en-US" dirty="0"/>
+              <a:t>The encrypted message has not been tampered with</a:t>
+            </a:r>
+          </a:p>
+          <a:p>
+            <a:r>
+              <a:rPr lang="en-US" dirty="0"/>
+              <a:t>The signature is added after encryption, and verified before decryption, using public-key cryptography.</a:t>
+            </a:r>
+            <a:br>
+              <a:rPr lang="en-US" dirty="0"/>
+            </a:br>
+            <a:r>
+              <a:rPr lang="en-US"/>
+              <a:t>Details of how the signing works will be covered in the next slide: </a:t>
+            </a:r>
+            <a:r>
+              <a:rPr lang="en-US" b="1"/>
+              <a:t>“How ECDSA Works.”</a:t>
+            </a:r>
+            <a:endParaRPr lang="en-US"/>
+          </a:p>
+        </p:txBody>
+      </p:sp>
+      <p:sp>
+        <p:nvSpPr>
+          <p:cNvPr id="4" name="מציין מיקום של מספר שקופית 3"/>
+          <p:cNvSpPr>
+            <a:spLocks noGrp="1"/>
+          </p:cNvSpPr>
+          <p:nvPr>
+            <p:ph type="sldNum" sz="quarter" idx="5"/>
+          </p:nvPr>
+        </p:nvSpPr>
+        <p:spPr/>
+        <p:txBody>
+          <a:bodyPr/>
+          <a:lstStyle/>
+          <a:p>
+            <a:fld id="{0050DDF3-CFC3-40C0-B288-2F43B4469CD4}" type="slidenum">
+              <a:rPr lang="en-US" smtClean="0"/>
+              <a:t>8</a:t>
+            </a:fld>
+            <a:endParaRPr lang="en-US"/>
+          </a:p>
+        </p:txBody>
+      </p:sp>
+    </p:spTree>
+    <p:extLst>
+      <p:ext uri="{BB962C8B-B14F-4D97-AF65-F5344CB8AC3E}">
+        <p14:creationId xmlns:p14="http://schemas.microsoft.com/office/powerpoint/2010/main" val="2598733232"/>
+      </p:ext>
+    </p:extLst>
+  </p:cSld>
+  <p:clrMapOvr>
+    <a:masterClrMapping/>
+  </p:clrMapOvr>
+</p:notes>
+</file>
+
+<file path=ppt/notesSlides/notesSlide8.xml><?xml version="1.0" encoding="utf-8"?>
+<p:notes xmlns:a="http://schemas.openxmlformats.org/drawingml/2006/main" xmlns:r="http://schemas.openxmlformats.org/officeDocument/2006/relationships" xmlns:p="http://schemas.openxmlformats.org/presentationml/2006/main">
+  <p:cSld>
+    <p:spTree>
+      <p:nvGrpSpPr>
+        <p:cNvPr id="1" name="">
+          <a:extLst>
+            <a:ext uri="{FF2B5EF4-FFF2-40B4-BE49-F238E27FC236}">
+              <a16:creationId xmlns:a16="http://schemas.microsoft.com/office/drawing/2014/main" id="{6FD23188-647C-1082-BE6C-BC25BE491884}"/>
+            </a:ext>
+          </a:extLst>
+        </p:cNvPr>
+        <p:cNvGrpSpPr/>
+        <p:nvPr/>
+      </p:nvGrpSpPr>
+      <p:grpSpPr>
+        <a:xfrm>
+          <a:off x="0" y="0"/>
+          <a:ext cx="0" cy="0"/>
+          <a:chOff x="0" y="0"/>
+          <a:chExt cx="0" cy="0"/>
+        </a:xfrm>
+      </p:grpSpPr>
+      <p:sp>
+        <p:nvSpPr>
+          <p:cNvPr id="2" name="מציין מיקום של תמונת שקופית 1">
+            <a:extLst>
+              <a:ext uri="{FF2B5EF4-FFF2-40B4-BE49-F238E27FC236}">
+                <a16:creationId xmlns:a16="http://schemas.microsoft.com/office/drawing/2014/main" id="{11720367-054E-7654-A388-0FFF1248E2D2}"/>
+              </a:ext>
+            </a:extLst>
+          </p:cNvPr>
+          <p:cNvSpPr>
+            <a:spLocks noGrp="1" noRot="1" noChangeAspect="1"/>
+          </p:cNvSpPr>
+          <p:nvPr>
+            <p:ph type="sldImg"/>
+          </p:nvPr>
+        </p:nvSpPr>
+        <p:spPr/>
+      </p:sp>
+      <p:sp>
+        <p:nvSpPr>
+          <p:cNvPr id="3" name="מציין מיקום של הערות 2">
+            <a:extLst>
+              <a:ext uri="{FF2B5EF4-FFF2-40B4-BE49-F238E27FC236}">
+                <a16:creationId xmlns:a16="http://schemas.microsoft.com/office/drawing/2014/main" id="{12BAD80A-5546-C50F-C527-A46064F7EDA1}"/>
+              </a:ext>
+            </a:extLst>
+          </p:cNvPr>
+          <p:cNvSpPr>
+            <a:spLocks noGrp="1"/>
+          </p:cNvSpPr>
+          <p:nvPr>
+            <p:ph type="body" idx="1"/>
+          </p:nvPr>
+        </p:nvSpPr>
+        <p:spPr/>
+        <p:txBody>
+          <a:bodyPr/>
+          <a:lstStyle/>
+          <a:p>
+            <a:pPr>
+              <a:buNone/>
+            </a:pPr>
+            <a:r>
+              <a:rPr lang="en-US" b="1" dirty="0"/>
+              <a:t>ECDSA (Elliptic Curve Digital Signature Algorithm)</a:t>
+            </a:r>
+            <a:r>
+              <a:rPr lang="en-US" dirty="0"/>
+              <a:t> is a digital signature scheme based on the mathematics of elliptic curves.</a:t>
+            </a:r>
+          </a:p>
+          <a:p>
+            <a:pPr>
+              <a:buNone/>
+            </a:pPr>
+            <a:r>
+              <a:rPr lang="en-US" b="1" dirty="0"/>
+              <a:t>Step 1: Signing (by Alice)</a:t>
+            </a:r>
+            <a:endParaRPr lang="en-US" dirty="0"/>
+          </a:p>
+          <a:p>
+            <a:pPr>
+              <a:buFont typeface="Arial" panose="020B0604020202020204" pitchFamily="34" charset="0"/>
+              <a:buChar char="•"/>
+            </a:pPr>
+            <a:r>
+              <a:rPr lang="en-US" dirty="0"/>
+              <a:t>Alice hashes the encrypted message (e.g., with SHA-256)</a:t>
+            </a:r>
+          </a:p>
+          <a:p>
+            <a:pPr>
+              <a:buFont typeface="Arial" panose="020B0604020202020204" pitchFamily="34" charset="0"/>
+              <a:buChar char="•"/>
+            </a:pPr>
+            <a:r>
+              <a:rPr lang="en-US" dirty="0"/>
+              <a:t>She uses her </a:t>
+            </a:r>
+            <a:r>
+              <a:rPr lang="en-US" b="1" dirty="0"/>
+              <a:t>private key</a:t>
+            </a:r>
+            <a:r>
+              <a:rPr lang="en-US" dirty="0"/>
+              <a:t> and the hash to generate a digital signature — typically a pair of numbers (r, s)</a:t>
+            </a:r>
+          </a:p>
+          <a:p>
+            <a:pPr>
+              <a:buFont typeface="Arial" panose="020B0604020202020204" pitchFamily="34" charset="0"/>
+              <a:buChar char="•"/>
+            </a:pPr>
+            <a:r>
+              <a:rPr lang="en-US" dirty="0"/>
+              <a:t>She sends the encrypted message, the signature (r, s), and her </a:t>
+            </a:r>
+            <a:r>
+              <a:rPr lang="en-US" b="1" dirty="0"/>
+              <a:t>public key</a:t>
+            </a:r>
+            <a:endParaRPr lang="en-US" dirty="0"/>
+          </a:p>
+          <a:p>
+            <a:pPr>
+              <a:buNone/>
+            </a:pPr>
+            <a:r>
+              <a:rPr lang="en-US" b="1" dirty="0"/>
+              <a:t>Step 2: Verification (by Bob)</a:t>
+            </a:r>
+            <a:endParaRPr lang="en-US" dirty="0"/>
+          </a:p>
+          <a:p>
+            <a:pPr>
+              <a:buFont typeface="Arial" panose="020B0604020202020204" pitchFamily="34" charset="0"/>
+              <a:buChar char="•"/>
+            </a:pPr>
+            <a:r>
+              <a:rPr lang="en-US" dirty="0"/>
+              <a:t>Bob receives the signature and message</a:t>
+            </a:r>
+          </a:p>
+          <a:p>
+            <a:pPr>
+              <a:buFont typeface="Arial" panose="020B0604020202020204" pitchFamily="34" charset="0"/>
+              <a:buChar char="•"/>
+            </a:pPr>
+            <a:r>
+              <a:rPr lang="en-US" dirty="0"/>
+              <a:t>He also hashes the received message</a:t>
+            </a:r>
+          </a:p>
+          <a:p>
+            <a:pPr>
+              <a:buFont typeface="Arial" panose="020B0604020202020204" pitchFamily="34" charset="0"/>
+              <a:buChar char="•"/>
+            </a:pPr>
+            <a:r>
+              <a:rPr lang="en-US" dirty="0"/>
+              <a:t>Using Alice’s </a:t>
+            </a:r>
+            <a:r>
+              <a:rPr lang="en-US" b="1" dirty="0"/>
+              <a:t>public key</a:t>
+            </a:r>
+            <a:r>
+              <a:rPr lang="en-US" dirty="0"/>
+              <a:t>, he verifies if the signature corresponds to that hash</a:t>
+            </a:r>
+          </a:p>
+          <a:p>
+            <a:pPr>
+              <a:buNone/>
+            </a:pPr>
+            <a:r>
+              <a:rPr lang="en-US" dirty="0"/>
+              <a:t>If it matches, Bob knows:</a:t>
+            </a:r>
+          </a:p>
+          <a:p>
+            <a:pPr>
+              <a:buFont typeface="Arial" panose="020B0604020202020204" pitchFamily="34" charset="0"/>
+              <a:buChar char="•"/>
+            </a:pPr>
+            <a:r>
+              <a:rPr lang="en-US" dirty="0"/>
+              <a:t>The message really came from Alice (authenticity)</a:t>
+            </a:r>
+          </a:p>
+          <a:p>
+            <a:pPr>
+              <a:buFont typeface="Arial" panose="020B0604020202020204" pitchFamily="34" charset="0"/>
+              <a:buChar char="•"/>
+            </a:pPr>
+            <a:r>
+              <a:rPr lang="en-US" dirty="0"/>
+              <a:t>The message was not altered in transit (integrity)</a:t>
+            </a:r>
+          </a:p>
+          <a:p>
+            <a:pPr>
+              <a:buNone/>
+            </a:pPr>
+            <a:r>
+              <a:rPr lang="en-US" b="1" dirty="0"/>
+              <a:t>Why elliptic curves?</a:t>
+            </a:r>
+            <a:endParaRPr lang="en-US" dirty="0"/>
+          </a:p>
+          <a:p>
+            <a:pPr>
+              <a:buFont typeface="Arial" panose="020B0604020202020204" pitchFamily="34" charset="0"/>
+              <a:buChar char="•"/>
+            </a:pPr>
+            <a:r>
+              <a:rPr lang="en-US" dirty="0"/>
+              <a:t>Strong security with smaller keys (e.g., 256-bit ECC key ≈ 3072-bit RSA key)</a:t>
+            </a:r>
+          </a:p>
+        </p:txBody>
+      </p:sp>
+      <p:sp>
+        <p:nvSpPr>
+          <p:cNvPr id="4" name="מציין מיקום של מספר שקופית 3">
+            <a:extLst>
+              <a:ext uri="{FF2B5EF4-FFF2-40B4-BE49-F238E27FC236}">
+                <a16:creationId xmlns:a16="http://schemas.microsoft.com/office/drawing/2014/main" id="{9F38BC72-247F-24CD-4B00-04C16FA26DBA}"/>
+              </a:ext>
+            </a:extLst>
+          </p:cNvPr>
+          <p:cNvSpPr>
+            <a:spLocks noGrp="1"/>
+          </p:cNvSpPr>
+          <p:nvPr>
+            <p:ph type="sldNum" sz="quarter" idx="5"/>
+          </p:nvPr>
+        </p:nvSpPr>
+        <p:spPr/>
+        <p:txBody>
+          <a:bodyPr/>
+          <a:lstStyle/>
+          <a:p>
+            <a:fld id="{0050DDF3-CFC3-40C0-B288-2F43B4469CD4}" type="slidenum">
+              <a:rPr lang="en-US" smtClean="0"/>
+              <a:t>9</a:t>
+            </a:fld>
+            <a:endParaRPr lang="en-US"/>
+          </a:p>
+        </p:txBody>
+      </p:sp>
+    </p:spTree>
+    <p:extLst>
+      <p:ext uri="{BB962C8B-B14F-4D97-AF65-F5344CB8AC3E}">
+        <p14:creationId xmlns:p14="http://schemas.microsoft.com/office/powerpoint/2010/main" val="4107322695"/>
+      </p:ext>
+    </p:extLst>
+  </p:cSld>
+  <p:clrMapOvr>
+    <a:masterClrMapping/>
+  </p:clrMapOvr>
+</p:notes>
+</file>
+
 <file path=ppt/slideLayouts/slideLayout1.xml><?xml version="1.0" encoding="utf-8"?>
 <p:sldLayout xmlns:a="http://schemas.openxmlformats.org/drawingml/2006/main" xmlns:r="http://schemas.openxmlformats.org/officeDocument/2006/relationships" xmlns:p="http://schemas.openxmlformats.org/presentationml/2006/main" showMasterSp="0" type="title" preserve="1">
   <p:cSld name="Title Slide">
@@ -794,7 +1948,7 @@
           <a:p>
             <a:fld id="{8AFF2A1E-1F13-4D95-B202-10B7563D4805}" type="datetimeFigureOut">
               <a:rPr lang="en-US" smtClean="0"/>
-              <a:t>5/6/2025</a:t>
+              <a:t>5/8/2025</a:t>
             </a:fld>
             <a:endParaRPr lang="en-US"/>
           </a:p>
@@ -1002,7 +2156,7 @@
           <a:p>
             <a:fld id="{8AFF2A1E-1F13-4D95-B202-10B7563D4805}" type="datetimeFigureOut">
               <a:rPr lang="en-US" smtClean="0"/>
-              <a:t>5/6/2025</a:t>
+              <a:t>5/8/2025</a:t>
             </a:fld>
             <a:endParaRPr lang="en-US"/>
           </a:p>
@@ -1260,7 +2414,7 @@
           <a:p>
             <a:fld id="{8AFF2A1E-1F13-4D95-B202-10B7563D4805}" type="datetimeFigureOut">
               <a:rPr lang="en-US" smtClean="0"/>
-              <a:t>5/6/2025</a:t>
+              <a:t>5/8/2025</a:t>
             </a:fld>
             <a:endParaRPr lang="en-US"/>
           </a:p>
@@ -1430,7 +2584,7 @@
           <a:p>
             <a:fld id="{8AFF2A1E-1F13-4D95-B202-10B7563D4805}" type="datetimeFigureOut">
               <a:rPr lang="en-US" smtClean="0"/>
-              <a:t>5/6/2025</a:t>
+              <a:t>5/8/2025</a:t>
             </a:fld>
             <a:endParaRPr lang="en-US"/>
           </a:p>
@@ -1767,7 +2921,7 @@
           <a:p>
             <a:fld id="{8AFF2A1E-1F13-4D95-B202-10B7563D4805}" type="datetimeFigureOut">
               <a:rPr lang="en-US" smtClean="0"/>
-              <a:t>5/6/2025</a:t>
+              <a:t>5/8/2025</a:t>
             </a:fld>
             <a:endParaRPr lang="en-US"/>
           </a:p>
@@ -2042,7 +3196,7 @@
           <a:p>
             <a:fld id="{8AFF2A1E-1F13-4D95-B202-10B7563D4805}" type="datetimeFigureOut">
               <a:rPr lang="en-US" smtClean="0"/>
-              <a:t>5/6/2025</a:t>
+              <a:t>5/8/2025</a:t>
             </a:fld>
             <a:endParaRPr lang="en-US"/>
           </a:p>
@@ -2421,7 +3575,7 @@
           <a:p>
             <a:fld id="{8AFF2A1E-1F13-4D95-B202-10B7563D4805}" type="datetimeFigureOut">
               <a:rPr lang="en-US" smtClean="0"/>
-              <a:t>5/6/2025</a:t>
+              <a:t>5/8/2025</a:t>
             </a:fld>
             <a:endParaRPr lang="en-US"/>
           </a:p>
@@ -2539,7 +3693,7 @@
           <a:p>
             <a:fld id="{8AFF2A1E-1F13-4D95-B202-10B7563D4805}" type="datetimeFigureOut">
               <a:rPr lang="en-US" smtClean="0"/>
-              <a:t>5/6/2025</a:t>
+              <a:t>5/8/2025</a:t>
             </a:fld>
             <a:endParaRPr lang="en-US"/>
           </a:p>
@@ -2712,7 +3866,7 @@
           <a:p>
             <a:fld id="{8AFF2A1E-1F13-4D95-B202-10B7563D4805}" type="datetimeFigureOut">
               <a:rPr lang="en-US" smtClean="0"/>
-              <a:t>5/6/2025</a:t>
+              <a:t>5/8/2025</a:t>
             </a:fld>
             <a:endParaRPr lang="en-US"/>
           </a:p>
@@ -3068,7 +4222,7 @@
           <a:p>
             <a:fld id="{8AFF2A1E-1F13-4D95-B202-10B7563D4805}" type="datetimeFigureOut">
               <a:rPr lang="en-US" smtClean="0"/>
-              <a:t>5/6/2025</a:t>
+              <a:t>5/8/2025</a:t>
             </a:fld>
             <a:endParaRPr lang="en-US"/>
           </a:p>
@@ -3447,7 +4601,7 @@
           <a:p>
             <a:fld id="{8AFF2A1E-1F13-4D95-B202-10B7563D4805}" type="datetimeFigureOut">
               <a:rPr lang="en-US" smtClean="0"/>
-              <a:t>5/6/2025</a:t>
+              <a:t>5/8/2025</a:t>
             </a:fld>
             <a:endParaRPr lang="en-US"/>
           </a:p>
@@ -3736,7 +4890,7 @@
           <a:p>
             <a:fld id="{8AFF2A1E-1F13-4D95-B202-10B7563D4805}" type="datetimeFigureOut">
               <a:rPr lang="en-US" smtClean="0"/>
-              <a:t>5/6/2025</a:t>
+              <a:t>5/8/2025</a:t>
             </a:fld>
             <a:endParaRPr lang="en-US"/>
           </a:p>
@@ -4392,6 +5546,89 @@
 </p:sld>
 </file>
 
+<file path=ppt/slides/slide10.xml><?xml version="1.0" encoding="utf-8"?>
+<p:sld xmlns:a="http://schemas.openxmlformats.org/drawingml/2006/main" xmlns:r="http://schemas.openxmlformats.org/officeDocument/2006/relationships" xmlns:p="http://schemas.openxmlformats.org/presentationml/2006/main">
+  <p:cSld>
+    <p:spTree>
+      <p:nvGrpSpPr>
+        <p:cNvPr id="1" name=""/>
+        <p:cNvGrpSpPr/>
+        <p:nvPr/>
+      </p:nvGrpSpPr>
+      <p:grpSpPr>
+        <a:xfrm>
+          <a:off x="0" y="0"/>
+          <a:ext cx="0" cy="0"/>
+          <a:chOff x="0" y="0"/>
+          <a:chExt cx="0" cy="0"/>
+        </a:xfrm>
+      </p:grpSpPr>
+      <p:sp>
+        <p:nvSpPr>
+          <p:cNvPr id="2" name="Title 1">
+            <a:extLst>
+              <a:ext uri="{FF2B5EF4-FFF2-40B4-BE49-F238E27FC236}">
+                <a16:creationId xmlns:a16="http://schemas.microsoft.com/office/drawing/2014/main" id="{47F36288-342E-EA10-AA37-F42658EB062E}"/>
+              </a:ext>
+            </a:extLst>
+          </p:cNvPr>
+          <p:cNvSpPr>
+            <a:spLocks noGrp="1"/>
+          </p:cNvSpPr>
+          <p:nvPr>
+            <p:ph type="title"/>
+          </p:nvPr>
+        </p:nvSpPr>
+        <p:spPr/>
+        <p:txBody>
+          <a:bodyPr/>
+          <a:lstStyle/>
+          <a:p>
+            <a:r>
+              <a:rPr lang="en-US" dirty="0"/>
+              <a:t>Hash Function</a:t>
+            </a:r>
+          </a:p>
+        </p:txBody>
+      </p:sp>
+      <p:sp>
+        <p:nvSpPr>
+          <p:cNvPr id="3" name="Content Placeholder 2">
+            <a:extLst>
+              <a:ext uri="{FF2B5EF4-FFF2-40B4-BE49-F238E27FC236}">
+                <a16:creationId xmlns:a16="http://schemas.microsoft.com/office/drawing/2014/main" id="{4A87D67E-2A13-CFBE-7FA0-777A7BA2D861}"/>
+              </a:ext>
+            </a:extLst>
+          </p:cNvPr>
+          <p:cNvSpPr>
+            <a:spLocks noGrp="1"/>
+          </p:cNvSpPr>
+          <p:nvPr>
+            <p:ph idx="1"/>
+          </p:nvPr>
+        </p:nvSpPr>
+        <p:spPr/>
+        <p:txBody>
+          <a:bodyPr/>
+          <a:lstStyle/>
+          <a:p>
+            <a:endParaRPr lang="en-US"/>
+          </a:p>
+        </p:txBody>
+      </p:sp>
+    </p:spTree>
+    <p:extLst>
+      <p:ext uri="{BB962C8B-B14F-4D97-AF65-F5344CB8AC3E}">
+        <p14:creationId xmlns:p14="http://schemas.microsoft.com/office/powerpoint/2010/main" val="2492103625"/>
+      </p:ext>
+    </p:extLst>
+  </p:cSld>
+  <p:clrMapOvr>
+    <a:masterClrMapping/>
+  </p:clrMapOvr>
+</p:sld>
+</file>
+
 <file path=ppt/slides/slide2.xml><?xml version="1.0" encoding="utf-8"?>
 <p:sld xmlns:a="http://schemas.openxmlformats.org/drawingml/2006/main" xmlns:r="http://schemas.openxmlformats.org/officeDocument/2006/relationships" xmlns:p="http://schemas.openxmlformats.org/presentationml/2006/main">
   <p:cSld>
@@ -5226,10 +6463,76 @@
         </p:nvSpPr>
         <p:spPr/>
         <p:txBody>
-          <a:bodyPr/>
+          <a:bodyPr>
+            <a:normAutofit/>
+          </a:bodyPr>
           <a:lstStyle/>
           <a:p>
-            <a:endParaRPr lang="en-US"/>
+            <a:r>
+              <a:rPr lang="en-US" dirty="0"/>
+              <a:t>Symmetric Encryption – Blowfish</a:t>
+            </a:r>
+          </a:p>
+          <a:p>
+            <a:endParaRPr lang="en-US" dirty="0"/>
+          </a:p>
+          <a:p>
+            <a:pPr lvl="1">
+              <a:buFont typeface="Arial" panose="020B0604020202020204" pitchFamily="34" charset="0"/>
+              <a:buChar char="•"/>
+            </a:pPr>
+            <a:r>
+              <a:rPr lang="en-US" dirty="0"/>
+              <a:t>Block cipher: 64-bit block size</a:t>
+            </a:r>
+          </a:p>
+          <a:p>
+            <a:pPr lvl="1">
+              <a:buFont typeface="Arial" panose="020B0604020202020204" pitchFamily="34" charset="0"/>
+              <a:buChar char="•"/>
+            </a:pPr>
+            <a:r>
+              <a:rPr lang="en-US" dirty="0"/>
+              <a:t>Key size: 32 to 448 bits (typically 128 or 256 bits)</a:t>
+            </a:r>
+          </a:p>
+          <a:p>
+            <a:pPr lvl="1">
+              <a:buFont typeface="Arial" panose="020B0604020202020204" pitchFamily="34" charset="0"/>
+              <a:buChar char="•"/>
+            </a:pPr>
+            <a:r>
+              <a:rPr lang="en-US" dirty="0"/>
+              <a:t>Fast and lightweight – suitable for message encryption</a:t>
+            </a:r>
+          </a:p>
+          <a:p>
+            <a:pPr lvl="1">
+              <a:buFont typeface="Arial" panose="020B0604020202020204" pitchFamily="34" charset="0"/>
+              <a:buChar char="•"/>
+            </a:pPr>
+            <a:r>
+              <a:rPr lang="en-US" dirty="0"/>
+              <a:t>Same key used for encryption and decryption (symmetric)</a:t>
+            </a:r>
+          </a:p>
+          <a:p>
+            <a:pPr lvl="1">
+              <a:buFont typeface="Arial" panose="020B0604020202020204" pitchFamily="34" charset="0"/>
+              <a:buChar char="•"/>
+            </a:pPr>
+            <a:r>
+              <a:rPr lang="en-US" dirty="0"/>
+              <a:t>Requires secure key exchange → handled by </a:t>
+            </a:r>
+            <a:r>
+              <a:rPr lang="en-US" dirty="0" err="1"/>
+              <a:t>McEliece</a:t>
+            </a:r>
+            <a:endParaRPr lang="en-US" dirty="0"/>
+          </a:p>
+          <a:p>
+            <a:endParaRPr lang="en-US" dirty="0"/>
           </a:p>
         </p:txBody>
       </p:sp>
@@ -5251,7 +6554,13 @@
   <p:cSld>
     <p:spTree>
       <p:nvGrpSpPr>
-        <p:cNvPr id="1" name=""/>
+        <p:cNvPr id="1" name="">
+          <a:extLst>
+            <a:ext uri="{FF2B5EF4-FFF2-40B4-BE49-F238E27FC236}">
+              <a16:creationId xmlns:a16="http://schemas.microsoft.com/office/drawing/2014/main" id="{3FBB8747-A118-41C8-62FD-D99BBF41F767}"/>
+            </a:ext>
+          </a:extLst>
+        </p:cNvPr>
         <p:cNvGrpSpPr/>
         <p:nvPr/>
       </p:nvGrpSpPr>
@@ -5268,7 +6577,7 @@
           <p:cNvPr id="2" name="Title 1">
             <a:extLst>
               <a:ext uri="{FF2B5EF4-FFF2-40B4-BE49-F238E27FC236}">
-                <a16:creationId xmlns:a16="http://schemas.microsoft.com/office/drawing/2014/main" id="{EBBF5FAD-5B93-F5FE-6EC3-B373A4031E21}"/>
+                <a16:creationId xmlns:a16="http://schemas.microsoft.com/office/drawing/2014/main" id="{C1EB44DA-AB91-4139-33D4-6FD46F8EAE64}"/>
               </a:ext>
             </a:extLst>
           </p:cNvPr>
@@ -5286,7 +6595,7 @@
           <a:p>
             <a:r>
               <a:rPr lang="en-US" dirty="0"/>
-              <a:t>Original Text</a:t>
+              <a:t>How the cipher works</a:t>
             </a:r>
           </a:p>
         </p:txBody>
@@ -5296,7 +6605,7 @@
           <p:cNvPr id="3" name="Content Placeholder 2">
             <a:extLst>
               <a:ext uri="{FF2B5EF4-FFF2-40B4-BE49-F238E27FC236}">
-                <a16:creationId xmlns:a16="http://schemas.microsoft.com/office/drawing/2014/main" id="{B3718846-F08B-00DF-068D-154D8B377D9A}"/>
+                <a16:creationId xmlns:a16="http://schemas.microsoft.com/office/drawing/2014/main" id="{09A3564C-FD32-0B42-19AC-2398EB01C143}"/>
               </a:ext>
             </a:extLst>
           </p:cNvPr>
@@ -5309,8 +6618,82 @@
         </p:nvSpPr>
         <p:spPr/>
         <p:txBody>
-          <a:bodyPr/>
+          <a:bodyPr>
+            <a:normAutofit/>
+          </a:bodyPr>
           <a:lstStyle/>
+          <a:p>
+            <a:r>
+              <a:rPr lang="en-US" dirty="0"/>
+              <a:t>Asymmetric Key Delivery – </a:t>
+            </a:r>
+            <a:r>
+              <a:rPr lang="en-US" dirty="0" err="1"/>
+              <a:t>McEliece</a:t>
+            </a:r>
+            <a:endParaRPr lang="en-US" dirty="0"/>
+          </a:p>
+          <a:p>
+            <a:endParaRPr lang="en-US" dirty="0"/>
+          </a:p>
+          <a:p>
+            <a:pPr lvl="1">
+              <a:buFont typeface="Arial" panose="020B0604020202020204" pitchFamily="34" charset="0"/>
+              <a:buChar char="•"/>
+            </a:pPr>
+            <a:r>
+              <a:rPr lang="en-US" dirty="0"/>
+              <a:t>Asymmetric encryption for key delivery</a:t>
+            </a:r>
+          </a:p>
+          <a:p>
+            <a:pPr lvl="1">
+              <a:buFont typeface="Arial" panose="020B0604020202020204" pitchFamily="34" charset="0"/>
+              <a:buChar char="•"/>
+            </a:pPr>
+            <a:r>
+              <a:rPr lang="en-US" dirty="0"/>
+              <a:t>Based on error-correcting codes (</a:t>
+            </a:r>
+            <a:r>
+              <a:rPr lang="en-US" dirty="0" err="1"/>
+              <a:t>Goppa</a:t>
+            </a:r>
+            <a:r>
+              <a:rPr lang="en-US" dirty="0"/>
+              <a:t> codes)</a:t>
+            </a:r>
+          </a:p>
+          <a:p>
+            <a:pPr lvl="1">
+              <a:buFont typeface="Arial" panose="020B0604020202020204" pitchFamily="34" charset="0"/>
+              <a:buChar char="•"/>
+            </a:pPr>
+            <a:r>
+              <a:rPr lang="en-US" dirty="0"/>
+              <a:t>Public key used to encrypt Blowfish key</a:t>
+            </a:r>
+          </a:p>
+          <a:p>
+            <a:pPr lvl="1">
+              <a:buFont typeface="Arial" panose="020B0604020202020204" pitchFamily="34" charset="0"/>
+              <a:buChar char="•"/>
+            </a:pPr>
+            <a:r>
+              <a:rPr lang="en-US" dirty="0"/>
+              <a:t>Private key used by recipient to recover Blowfish key</a:t>
+            </a:r>
+          </a:p>
+          <a:p>
+            <a:pPr lvl="1">
+              <a:buFont typeface="Arial" panose="020B0604020202020204" pitchFamily="34" charset="0"/>
+              <a:buChar char="•"/>
+            </a:pPr>
+            <a:r>
+              <a:rPr lang="en-US" dirty="0"/>
+              <a:t>Resistant to quantum attacks (unlike RSA)</a:t>
+            </a:r>
+          </a:p>
           <a:p>
             <a:endParaRPr lang="en-US" dirty="0"/>
           </a:p>
@@ -5319,7 +6702,7 @@
     </p:spTree>
     <p:extLst>
       <p:ext uri="{BB962C8B-B14F-4D97-AF65-F5344CB8AC3E}">
-        <p14:creationId xmlns:p14="http://schemas.microsoft.com/office/powerpoint/2010/main" val="324050415"/>
+        <p14:creationId xmlns:p14="http://schemas.microsoft.com/office/powerpoint/2010/main" val="3395196265"/>
       </p:ext>
     </p:extLst>
   </p:cSld>
@@ -5351,7 +6734,7 @@
           <p:cNvPr id="2" name="Title 1">
             <a:extLst>
               <a:ext uri="{FF2B5EF4-FFF2-40B4-BE49-F238E27FC236}">
-                <a16:creationId xmlns:a16="http://schemas.microsoft.com/office/drawing/2014/main" id="{064E537F-7CAC-9F01-3D6A-9B05421839AF}"/>
+                <a16:creationId xmlns:a16="http://schemas.microsoft.com/office/drawing/2014/main" id="{EBBF5FAD-5B93-F5FE-6EC3-B373A4031E21}"/>
               </a:ext>
             </a:extLst>
           </p:cNvPr>
@@ -5369,7 +6752,7 @@
           <a:p>
             <a:r>
               <a:rPr lang="en-US" dirty="0"/>
-              <a:t>Encrypted Text</a:t>
+              <a:t>Original Text</a:t>
             </a:r>
           </a:p>
         </p:txBody>
@@ -5379,7 +6762,7 @@
           <p:cNvPr id="3" name="Content Placeholder 2">
             <a:extLst>
               <a:ext uri="{FF2B5EF4-FFF2-40B4-BE49-F238E27FC236}">
-                <a16:creationId xmlns:a16="http://schemas.microsoft.com/office/drawing/2014/main" id="{9C346764-401B-5F17-A636-63CA8110CCBC}"/>
+                <a16:creationId xmlns:a16="http://schemas.microsoft.com/office/drawing/2014/main" id="{B3718846-F08B-00DF-068D-154D8B377D9A}"/>
               </a:ext>
             </a:extLst>
           </p:cNvPr>
@@ -5395,14 +6778,86 @@
           <a:bodyPr/>
           <a:lstStyle/>
           <a:p>
-            <a:endParaRPr lang="en-US"/>
+            <a:pPr>
+              <a:buFont typeface="Arial" panose="020B0604020202020204" pitchFamily="34" charset="0"/>
+              <a:buChar char="•"/>
+            </a:pPr>
+            <a:r>
+              <a:rPr lang="en-US" dirty="0"/>
+              <a:t>Example plaintext message:</a:t>
+            </a:r>
+            <a:br>
+              <a:rPr lang="en-US" dirty="0"/>
+            </a:br>
+            <a:r>
+              <a:rPr lang="en-US" dirty="0"/>
+              <a:t>	“Project X status: Launch delayed until Q3.”</a:t>
+            </a:r>
+          </a:p>
+          <a:p>
+            <a:pPr>
+              <a:buFont typeface="Arial" panose="020B0604020202020204" pitchFamily="34" charset="0"/>
+              <a:buChar char="•"/>
+            </a:pPr>
+            <a:r>
+              <a:rPr lang="en-US" dirty="0"/>
+              <a:t>Message is unprotected in its current form</a:t>
+            </a:r>
+            <a:br>
+              <a:rPr lang="en-US" dirty="0"/>
+            </a:br>
+            <a:r>
+              <a:rPr lang="en-US" dirty="0"/>
+              <a:t>Needs:</a:t>
+            </a:r>
+          </a:p>
+          <a:p>
+            <a:pPr lvl="1">
+              <a:buFont typeface="Arial" panose="020B0604020202020204" pitchFamily="34" charset="0"/>
+              <a:buChar char="•"/>
+            </a:pPr>
+            <a:r>
+              <a:rPr lang="en-US" dirty="0"/>
+              <a:t> Encryption for confidentiality</a:t>
+            </a:r>
+          </a:p>
+          <a:p>
+            <a:pPr lvl="1">
+              <a:buFont typeface="Arial" panose="020B0604020202020204" pitchFamily="34" charset="0"/>
+              <a:buChar char="•"/>
+            </a:pPr>
+            <a:r>
+              <a:rPr lang="en-US" dirty="0"/>
+              <a:t> Digital signature for authenticity</a:t>
+            </a:r>
+          </a:p>
+          <a:p>
+            <a:pPr>
+              <a:buFont typeface="Arial" panose="020B0604020202020204" pitchFamily="34" charset="0"/>
+              <a:buChar char="•"/>
+            </a:pPr>
+            <a:r>
+              <a:rPr lang="en-US" dirty="0"/>
+              <a:t>Processed next using Blowfish, </a:t>
+            </a:r>
+            <a:r>
+              <a:rPr lang="en-US" dirty="0" err="1"/>
+              <a:t>McEliece</a:t>
+            </a:r>
+            <a:r>
+              <a:rPr lang="en-US" dirty="0"/>
+              <a:t>, and ECDSA</a:t>
+            </a:r>
+          </a:p>
+          <a:p>
+            <a:endParaRPr lang="en-US" dirty="0"/>
           </a:p>
         </p:txBody>
       </p:sp>
     </p:spTree>
     <p:extLst>
       <p:ext uri="{BB962C8B-B14F-4D97-AF65-F5344CB8AC3E}">
-        <p14:creationId xmlns:p14="http://schemas.microsoft.com/office/powerpoint/2010/main" val="3549070684"/>
+        <p14:creationId xmlns:p14="http://schemas.microsoft.com/office/powerpoint/2010/main" val="324050415"/>
       </p:ext>
     </p:extLst>
   </p:cSld>
@@ -5434,7 +6889,7 @@
           <p:cNvPr id="2" name="Title 1">
             <a:extLst>
               <a:ext uri="{FF2B5EF4-FFF2-40B4-BE49-F238E27FC236}">
-                <a16:creationId xmlns:a16="http://schemas.microsoft.com/office/drawing/2014/main" id="{7C313ABA-0CD1-864A-C658-376BE54E099A}"/>
+                <a16:creationId xmlns:a16="http://schemas.microsoft.com/office/drawing/2014/main" id="{064E537F-7CAC-9F01-3D6A-9B05421839AF}"/>
               </a:ext>
             </a:extLst>
           </p:cNvPr>
@@ -5452,7 +6907,7 @@
           <a:p>
             <a:r>
               <a:rPr lang="en-US" dirty="0"/>
-              <a:t>How to decipher with the key</a:t>
+              <a:t>Encrypted Text</a:t>
             </a:r>
           </a:p>
         </p:txBody>
@@ -5462,7 +6917,7 @@
           <p:cNvPr id="3" name="Content Placeholder 2">
             <a:extLst>
               <a:ext uri="{FF2B5EF4-FFF2-40B4-BE49-F238E27FC236}">
-                <a16:creationId xmlns:a16="http://schemas.microsoft.com/office/drawing/2014/main" id="{4441DE8B-3BFF-25A7-C22F-17EA37DCE609}"/>
+                <a16:creationId xmlns:a16="http://schemas.microsoft.com/office/drawing/2014/main" id="{9C346764-401B-5F17-A636-63CA8110CCBC}"/>
               </a:ext>
             </a:extLst>
           </p:cNvPr>
@@ -5478,14 +6933,113 @@
           <a:bodyPr/>
           <a:lstStyle/>
           <a:p>
-            <a:endParaRPr lang="en-US"/>
+            <a:pPr>
+              <a:buFont typeface="Arial" panose="020B0604020202020204" pitchFamily="34" charset="0"/>
+              <a:buChar char="•"/>
+            </a:pPr>
+            <a:r>
+              <a:rPr lang="he-IL" dirty="0"/>
+              <a:t> </a:t>
+            </a:r>
+            <a:r>
+              <a:rPr lang="en-US" b="1" dirty="0"/>
+              <a:t>Message encrypted using Blowfish cipher</a:t>
+            </a:r>
+            <a:endParaRPr lang="en-US" dirty="0"/>
+          </a:p>
+          <a:p>
+            <a:pPr>
+              <a:buFont typeface="Arial" panose="020B0604020202020204" pitchFamily="34" charset="0"/>
+              <a:buChar char="•"/>
+            </a:pPr>
+            <a:r>
+              <a:rPr lang="he-IL" dirty="0"/>
+              <a:t> </a:t>
+            </a:r>
+            <a:r>
+              <a:rPr lang="en-US" dirty="0"/>
+              <a:t>Uses a </a:t>
+            </a:r>
+            <a:r>
+              <a:rPr lang="en-US" b="1" dirty="0"/>
+              <a:t>randomly generated symmetric key</a:t>
+            </a:r>
+            <a:endParaRPr lang="en-US" dirty="0"/>
+          </a:p>
+          <a:p>
+            <a:pPr>
+              <a:buFont typeface="Arial" panose="020B0604020202020204" pitchFamily="34" charset="0"/>
+              <a:buChar char="•"/>
+            </a:pPr>
+            <a:r>
+              <a:rPr lang="he-IL" dirty="0"/>
+              <a:t> </a:t>
+            </a:r>
+            <a:r>
+              <a:rPr lang="en-US" b="1" dirty="0"/>
+              <a:t>Output is ciphertext</a:t>
+            </a:r>
+            <a:r>
+              <a:rPr lang="en-US" dirty="0"/>
+              <a:t>: unreadable without the correct key</a:t>
+            </a:r>
+          </a:p>
+          <a:p>
+            <a:pPr>
+              <a:buFont typeface="Arial" panose="020B0604020202020204" pitchFamily="34" charset="0"/>
+              <a:buChar char="•"/>
+            </a:pPr>
+            <a:r>
+              <a:rPr lang="he-IL" dirty="0"/>
+              <a:t> </a:t>
+            </a:r>
+            <a:r>
+              <a:rPr lang="en-US" dirty="0"/>
+              <a:t>Appears as random data (e.g., hexadecimal or base64)</a:t>
+            </a:r>
+          </a:p>
+          <a:p>
+            <a:pPr>
+              <a:buFont typeface="Arial" panose="020B0604020202020204" pitchFamily="34" charset="0"/>
+              <a:buChar char="•"/>
+            </a:pPr>
+            <a:r>
+              <a:rPr lang="he-IL" dirty="0"/>
+              <a:t> </a:t>
+            </a:r>
+            <a:r>
+              <a:rPr lang="en-US" dirty="0"/>
+              <a:t>Blowfish key will be securely sent using </a:t>
+            </a:r>
+            <a:r>
+              <a:rPr lang="en-US" b="1" dirty="0" err="1"/>
+              <a:t>McEliece</a:t>
+            </a:r>
+            <a:endParaRPr lang="en-US" dirty="0"/>
+          </a:p>
+          <a:p>
+            <a:pPr>
+              <a:buFont typeface="Arial" panose="020B0604020202020204" pitchFamily="34" charset="0"/>
+              <a:buChar char="•"/>
+            </a:pPr>
+            <a:r>
+              <a:rPr lang="he-IL" dirty="0"/>
+              <a:t> </a:t>
+            </a:r>
+            <a:r>
+              <a:rPr lang="en-US" dirty="0"/>
+              <a:t>Protects message confidentiality in transit</a:t>
+            </a:r>
+          </a:p>
+          <a:p>
+            <a:endParaRPr lang="en-US" dirty="0"/>
           </a:p>
         </p:txBody>
       </p:sp>
     </p:spTree>
     <p:extLst>
       <p:ext uri="{BB962C8B-B14F-4D97-AF65-F5344CB8AC3E}">
-        <p14:creationId xmlns:p14="http://schemas.microsoft.com/office/powerpoint/2010/main" val="351153011"/>
+        <p14:creationId xmlns:p14="http://schemas.microsoft.com/office/powerpoint/2010/main" val="3549070684"/>
       </p:ext>
     </p:extLst>
   </p:cSld>
@@ -5517,7 +7071,7 @@
           <p:cNvPr id="2" name="Title 1">
             <a:extLst>
               <a:ext uri="{FF2B5EF4-FFF2-40B4-BE49-F238E27FC236}">
-                <a16:creationId xmlns:a16="http://schemas.microsoft.com/office/drawing/2014/main" id="{0A8D517A-27A8-A120-4438-2C1E3CD6C6B4}"/>
+                <a16:creationId xmlns:a16="http://schemas.microsoft.com/office/drawing/2014/main" id="{7C313ABA-0CD1-864A-C658-376BE54E099A}"/>
               </a:ext>
             </a:extLst>
           </p:cNvPr>
@@ -5535,7 +7089,7 @@
           <a:p>
             <a:r>
               <a:rPr lang="en-US" dirty="0"/>
-              <a:t>Digital Signature</a:t>
+              <a:t>How to decipher with the key</a:t>
             </a:r>
           </a:p>
         </p:txBody>
@@ -5545,7 +7099,7 @@
           <p:cNvPr id="3" name="Content Placeholder 2">
             <a:extLst>
               <a:ext uri="{FF2B5EF4-FFF2-40B4-BE49-F238E27FC236}">
-                <a16:creationId xmlns:a16="http://schemas.microsoft.com/office/drawing/2014/main" id="{2DB43414-874A-CEEC-633F-C905E23E4C10}"/>
+                <a16:creationId xmlns:a16="http://schemas.microsoft.com/office/drawing/2014/main" id="{4441DE8B-3BFF-25A7-C22F-17EA37DCE609}"/>
               </a:ext>
             </a:extLst>
           </p:cNvPr>
@@ -5558,17 +7112,178 @@
         </p:nvSpPr>
         <p:spPr/>
         <p:txBody>
-          <a:bodyPr/>
+          <a:bodyPr>
+            <a:normAutofit fontScale="92500" lnSpcReduction="10000"/>
+          </a:bodyPr>
           <a:lstStyle/>
           <a:p>
-            <a:endParaRPr lang="en-US"/>
+            <a:pPr>
+              <a:buFont typeface="Arial" panose="020B0604020202020204" pitchFamily="34" charset="0"/>
+              <a:buChar char="•"/>
+            </a:pPr>
+            <a:r>
+              <a:rPr lang="he-IL" dirty="0"/>
+              <a:t> </a:t>
+            </a:r>
+            <a:r>
+              <a:rPr lang="en-US" dirty="0"/>
+              <a:t>Receiver (Bob) receives:</a:t>
+            </a:r>
+          </a:p>
+          <a:p>
+            <a:pPr marL="742950" lvl="1" indent="-285750">
+              <a:buFont typeface="Arial" panose="020B0604020202020204" pitchFamily="34" charset="0"/>
+              <a:buChar char="•"/>
+            </a:pPr>
+            <a:r>
+              <a:rPr lang="en-US" dirty="0"/>
+              <a:t>Encrypted message (ciphertext)</a:t>
+            </a:r>
+          </a:p>
+          <a:p>
+            <a:pPr marL="742950" lvl="1" indent="-285750">
+              <a:buFont typeface="Arial" panose="020B0604020202020204" pitchFamily="34" charset="0"/>
+              <a:buChar char="•"/>
+            </a:pPr>
+            <a:r>
+              <a:rPr lang="en-US" dirty="0"/>
+              <a:t>Encrypted Blowfish key</a:t>
+            </a:r>
+          </a:p>
+          <a:p>
+            <a:pPr marL="742950" lvl="1" indent="-285750">
+              <a:buFont typeface="Arial" panose="020B0604020202020204" pitchFamily="34" charset="0"/>
+              <a:buChar char="•"/>
+            </a:pPr>
+            <a:r>
+              <a:rPr lang="en-US" dirty="0"/>
+              <a:t>Digital signature</a:t>
+            </a:r>
+          </a:p>
+          <a:p>
+            <a:pPr marL="742950" lvl="1" indent="-285750">
+              <a:buFont typeface="Arial" panose="020B0604020202020204" pitchFamily="34" charset="0"/>
+              <a:buChar char="•"/>
+            </a:pPr>
+            <a:r>
+              <a:rPr lang="en-US" dirty="0"/>
+              <a:t>Sender’s public ECDSA key</a:t>
+            </a:r>
+          </a:p>
+          <a:p>
+            <a:pPr>
+              <a:buFont typeface="Arial" panose="020B0604020202020204" pitchFamily="34" charset="0"/>
+              <a:buChar char="•"/>
+            </a:pPr>
+            <a:r>
+              <a:rPr lang="he-IL" dirty="0"/>
+              <a:t> </a:t>
+            </a:r>
+            <a:r>
+              <a:rPr lang="en-US" b="1" dirty="0"/>
+              <a:t>Step 1: Decrypt Blowfish key</a:t>
+            </a:r>
+            <a:endParaRPr lang="en-US" dirty="0"/>
+          </a:p>
+          <a:p>
+            <a:pPr marL="742950" lvl="1" indent="-285750">
+              <a:buFont typeface="Arial" panose="020B0604020202020204" pitchFamily="34" charset="0"/>
+              <a:buChar char="•"/>
+            </a:pPr>
+            <a:r>
+              <a:rPr lang="en-US" dirty="0"/>
+              <a:t>Use </a:t>
+            </a:r>
+            <a:r>
+              <a:rPr lang="en-US" dirty="0" err="1"/>
+              <a:t>McEliece</a:t>
+            </a:r>
+            <a:r>
+              <a:rPr lang="en-US" dirty="0"/>
+              <a:t> </a:t>
+            </a:r>
+            <a:r>
+              <a:rPr lang="en-US" b="1" dirty="0"/>
+              <a:t>private key</a:t>
+            </a:r>
+            <a:r>
+              <a:rPr lang="en-US" dirty="0"/>
+              <a:t> to recover the symmetric Blowfish key</a:t>
+            </a:r>
+          </a:p>
+          <a:p>
+            <a:pPr>
+              <a:buFont typeface="Arial" panose="020B0604020202020204" pitchFamily="34" charset="0"/>
+              <a:buChar char="•"/>
+            </a:pPr>
+            <a:r>
+              <a:rPr lang="he-IL" dirty="0"/>
+              <a:t> </a:t>
+            </a:r>
+            <a:r>
+              <a:rPr lang="en-US" b="1" dirty="0"/>
+              <a:t>Step 2: Decrypt the message</a:t>
+            </a:r>
+            <a:endParaRPr lang="en-US" dirty="0"/>
+          </a:p>
+          <a:p>
+            <a:pPr marL="742950" lvl="1" indent="-285750">
+              <a:buFont typeface="Arial" panose="020B0604020202020204" pitchFamily="34" charset="0"/>
+              <a:buChar char="•"/>
+            </a:pPr>
+            <a:r>
+              <a:rPr lang="en-US" dirty="0"/>
+              <a:t>Use the recovered Blowfish key to decrypt the message</a:t>
+            </a:r>
+          </a:p>
+          <a:p>
+            <a:pPr>
+              <a:buFont typeface="Arial" panose="020B0604020202020204" pitchFamily="34" charset="0"/>
+              <a:buChar char="•"/>
+            </a:pPr>
+            <a:r>
+              <a:rPr lang="he-IL" dirty="0"/>
+              <a:t> </a:t>
+            </a:r>
+            <a:r>
+              <a:rPr lang="en-US" b="1" dirty="0"/>
+              <a:t>Step 3: Verify the signature</a:t>
+            </a:r>
+            <a:endParaRPr lang="en-US" dirty="0"/>
+          </a:p>
+          <a:p>
+            <a:pPr marL="742950" lvl="1" indent="-285750">
+              <a:buFont typeface="Arial" panose="020B0604020202020204" pitchFamily="34" charset="0"/>
+              <a:buChar char="•"/>
+            </a:pPr>
+            <a:r>
+              <a:rPr lang="en-US" dirty="0"/>
+              <a:t>Use sender’s public ECDSA key to confirm message authenticity</a:t>
+            </a:r>
+          </a:p>
+          <a:p>
+            <a:pPr>
+              <a:buFont typeface="Arial" panose="020B0604020202020204" pitchFamily="34" charset="0"/>
+              <a:buChar char="•"/>
+            </a:pPr>
+            <a:r>
+              <a:rPr lang="he-IL" dirty="0"/>
+              <a:t> </a:t>
+            </a:r>
+            <a:r>
+              <a:rPr lang="en-US" dirty="0"/>
+              <a:t>Message is only accepted if signature is valid</a:t>
+            </a:r>
+          </a:p>
+          <a:p>
+            <a:endParaRPr lang="en-US" dirty="0"/>
           </a:p>
         </p:txBody>
       </p:sp>
     </p:spTree>
     <p:extLst>
       <p:ext uri="{BB962C8B-B14F-4D97-AF65-F5344CB8AC3E}">
-        <p14:creationId xmlns:p14="http://schemas.microsoft.com/office/powerpoint/2010/main" val="486978243"/>
+        <p14:creationId xmlns:p14="http://schemas.microsoft.com/office/powerpoint/2010/main" val="351153011"/>
       </p:ext>
     </p:extLst>
   </p:cSld>
@@ -5600,7 +7315,7 @@
           <p:cNvPr id="2" name="Title 1">
             <a:extLst>
               <a:ext uri="{FF2B5EF4-FFF2-40B4-BE49-F238E27FC236}">
-                <a16:creationId xmlns:a16="http://schemas.microsoft.com/office/drawing/2014/main" id="{47F36288-342E-EA10-AA37-F42658EB062E}"/>
+                <a16:creationId xmlns:a16="http://schemas.microsoft.com/office/drawing/2014/main" id="{0A8D517A-27A8-A120-4438-2C1E3CD6C6B4}"/>
               </a:ext>
             </a:extLst>
           </p:cNvPr>
@@ -5618,7 +7333,7 @@
           <a:p>
             <a:r>
               <a:rPr lang="en-US" dirty="0"/>
-              <a:t>Hash Function</a:t>
+              <a:t>Digital Signature</a:t>
             </a:r>
           </a:p>
         </p:txBody>
@@ -5628,7 +7343,7 @@
           <p:cNvPr id="3" name="Content Placeholder 2">
             <a:extLst>
               <a:ext uri="{FF2B5EF4-FFF2-40B4-BE49-F238E27FC236}">
-                <a16:creationId xmlns:a16="http://schemas.microsoft.com/office/drawing/2014/main" id="{4A87D67E-2A13-CFBE-7FA0-777A7BA2D861}"/>
+                <a16:creationId xmlns:a16="http://schemas.microsoft.com/office/drawing/2014/main" id="{2DB43414-874A-CEEC-633F-C905E23E4C10}"/>
               </a:ext>
             </a:extLst>
           </p:cNvPr>
@@ -5644,14 +7359,273 @@
           <a:bodyPr/>
           <a:lstStyle/>
           <a:p>
-            <a:endParaRPr lang="en-US"/>
+            <a:pPr>
+              <a:buNone/>
+            </a:pPr>
+            <a:r>
+              <a:rPr lang="en-US" b="1" dirty="0"/>
+              <a:t>Bullet Points (for slide content)</a:t>
+            </a:r>
+          </a:p>
+          <a:p>
+            <a:pPr>
+              <a:buFont typeface="Arial" panose="020B0604020202020204" pitchFamily="34" charset="0"/>
+              <a:buChar char="•"/>
+            </a:pPr>
+            <a:r>
+              <a:rPr lang="en-US" dirty="0"/>
+              <a:t> Ensures the message came from the claimed sender</a:t>
+            </a:r>
+          </a:p>
+          <a:p>
+            <a:pPr>
+              <a:buFont typeface="Arial" panose="020B0604020202020204" pitchFamily="34" charset="0"/>
+              <a:buChar char="•"/>
+            </a:pPr>
+            <a:r>
+              <a:rPr lang="en-US" dirty="0"/>
+              <a:t> Confirms the message hasn’t been altered</a:t>
+            </a:r>
+          </a:p>
+          <a:p>
+            <a:pPr>
+              <a:buFont typeface="Arial" panose="020B0604020202020204" pitchFamily="34" charset="0"/>
+              <a:buChar char="•"/>
+            </a:pPr>
+            <a:r>
+              <a:rPr lang="en-US" dirty="0"/>
+              <a:t> Signature is created with sender’s private key</a:t>
+            </a:r>
+          </a:p>
+          <a:p>
+            <a:pPr>
+              <a:buFont typeface="Arial" panose="020B0604020202020204" pitchFamily="34" charset="0"/>
+              <a:buChar char="•"/>
+            </a:pPr>
+            <a:r>
+              <a:rPr lang="en-US" dirty="0"/>
+              <a:t> Verified using sender’s public key</a:t>
+            </a:r>
+          </a:p>
+          <a:p>
+            <a:pPr>
+              <a:buFont typeface="Arial" panose="020B0604020202020204" pitchFamily="34" charset="0"/>
+              <a:buChar char="•"/>
+            </a:pPr>
+            <a:r>
+              <a:rPr lang="en-US" dirty="0"/>
+              <a:t> Applied to the </a:t>
+            </a:r>
+            <a:r>
+              <a:rPr lang="en-US" b="1" dirty="0"/>
+              <a:t>encrypted message</a:t>
+            </a:r>
+            <a:r>
+              <a:rPr lang="en-US" dirty="0"/>
+              <a:t>, not the plaintext</a:t>
+            </a:r>
           </a:p>
         </p:txBody>
       </p:sp>
     </p:spTree>
     <p:extLst>
       <p:ext uri="{BB962C8B-B14F-4D97-AF65-F5344CB8AC3E}">
-        <p14:creationId xmlns:p14="http://schemas.microsoft.com/office/powerpoint/2010/main" val="2492103625"/>
+        <p14:creationId xmlns:p14="http://schemas.microsoft.com/office/powerpoint/2010/main" val="486978243"/>
+      </p:ext>
+    </p:extLst>
+  </p:cSld>
+  <p:clrMapOvr>
+    <a:masterClrMapping/>
+  </p:clrMapOvr>
+</p:sld>
+</file>
+
+<file path=ppt/slides/slide9.xml><?xml version="1.0" encoding="utf-8"?>
+<p:sld xmlns:a="http://schemas.openxmlformats.org/drawingml/2006/main" xmlns:r="http://schemas.openxmlformats.org/officeDocument/2006/relationships" xmlns:p="http://schemas.openxmlformats.org/presentationml/2006/main">
+  <p:cSld>
+    <p:spTree>
+      <p:nvGrpSpPr>
+        <p:cNvPr id="1" name="">
+          <a:extLst>
+            <a:ext uri="{FF2B5EF4-FFF2-40B4-BE49-F238E27FC236}">
+              <a16:creationId xmlns:a16="http://schemas.microsoft.com/office/drawing/2014/main" id="{1580CB9A-FD1D-7F96-ED77-A6A6E06550CF}"/>
+            </a:ext>
+          </a:extLst>
+        </p:cNvPr>
+        <p:cNvGrpSpPr/>
+        <p:nvPr/>
+      </p:nvGrpSpPr>
+      <p:grpSpPr>
+        <a:xfrm>
+          <a:off x="0" y="0"/>
+          <a:ext cx="0" cy="0"/>
+          <a:chOff x="0" y="0"/>
+          <a:chExt cx="0" cy="0"/>
+        </a:xfrm>
+      </p:grpSpPr>
+      <p:sp>
+        <p:nvSpPr>
+          <p:cNvPr id="2" name="Title 1">
+            <a:extLst>
+              <a:ext uri="{FF2B5EF4-FFF2-40B4-BE49-F238E27FC236}">
+                <a16:creationId xmlns:a16="http://schemas.microsoft.com/office/drawing/2014/main" id="{9FB7E976-1C44-96A6-F1EC-23C4865A0A5E}"/>
+              </a:ext>
+            </a:extLst>
+          </p:cNvPr>
+          <p:cNvSpPr>
+            <a:spLocks noGrp="1"/>
+          </p:cNvSpPr>
+          <p:nvPr>
+            <p:ph type="title"/>
+          </p:nvPr>
+        </p:nvSpPr>
+        <p:spPr/>
+        <p:txBody>
+          <a:bodyPr/>
+          <a:lstStyle/>
+          <a:p>
+            <a:r>
+              <a:rPr lang="en-US" dirty="0"/>
+              <a:t>Digital Signature</a:t>
+            </a:r>
+          </a:p>
+        </p:txBody>
+      </p:sp>
+      <p:sp>
+        <p:nvSpPr>
+          <p:cNvPr id="3" name="Content Placeholder 2">
+            <a:extLst>
+              <a:ext uri="{FF2B5EF4-FFF2-40B4-BE49-F238E27FC236}">
+                <a16:creationId xmlns:a16="http://schemas.microsoft.com/office/drawing/2014/main" id="{B4A2BB60-7138-F637-CE31-61A73404F1A8}"/>
+              </a:ext>
+            </a:extLst>
+          </p:cNvPr>
+          <p:cNvSpPr>
+            <a:spLocks noGrp="1"/>
+          </p:cNvSpPr>
+          <p:nvPr>
+            <p:ph idx="1"/>
+          </p:nvPr>
+        </p:nvSpPr>
+        <p:spPr/>
+        <p:txBody>
+          <a:bodyPr/>
+          <a:lstStyle/>
+          <a:p>
+            <a:pPr>
+              <a:buFont typeface="Arial" panose="020B0604020202020204" pitchFamily="34" charset="0"/>
+              <a:buChar char="•"/>
+            </a:pPr>
+            <a:r>
+              <a:rPr lang="en-US" dirty="0"/>
+              <a:t> </a:t>
+            </a:r>
+            <a:r>
+              <a:rPr lang="en-US" b="1" dirty="0"/>
+              <a:t>Based on elliptic curve cryptography</a:t>
+            </a:r>
+            <a:endParaRPr lang="en-US" dirty="0"/>
+          </a:p>
+          <a:p>
+            <a:pPr>
+              <a:buFont typeface="Arial" panose="020B0604020202020204" pitchFamily="34" charset="0"/>
+              <a:buChar char="•"/>
+            </a:pPr>
+            <a:r>
+              <a:rPr lang="en-US" dirty="0"/>
+              <a:t> Uses a </a:t>
+            </a:r>
+            <a:r>
+              <a:rPr lang="en-US" b="1" dirty="0"/>
+              <a:t>private key</a:t>
+            </a:r>
+            <a:r>
+              <a:rPr lang="en-US" dirty="0"/>
+              <a:t> to create a signature</a:t>
+            </a:r>
+          </a:p>
+          <a:p>
+            <a:pPr>
+              <a:buFont typeface="Arial" panose="020B0604020202020204" pitchFamily="34" charset="0"/>
+              <a:buChar char="•"/>
+            </a:pPr>
+            <a:r>
+              <a:rPr lang="en-US" dirty="0"/>
+              <a:t> Uses the </a:t>
+            </a:r>
+            <a:r>
+              <a:rPr lang="en-US" b="1" dirty="0"/>
+              <a:t>corresponding public key</a:t>
+            </a:r>
+            <a:r>
+              <a:rPr lang="en-US" dirty="0"/>
+              <a:t> to verify it</a:t>
+            </a:r>
+          </a:p>
+          <a:p>
+            <a:pPr>
+              <a:buFont typeface="Arial" panose="020B0604020202020204" pitchFamily="34" charset="0"/>
+              <a:buChar char="•"/>
+            </a:pPr>
+            <a:r>
+              <a:rPr lang="en-US" dirty="0"/>
+              <a:t> Two main steps:</a:t>
+            </a:r>
+          </a:p>
+          <a:p>
+            <a:pPr marL="742950" lvl="1" indent="-285750">
+              <a:buFont typeface="Arial" panose="020B0604020202020204" pitchFamily="34" charset="0"/>
+              <a:buChar char="•"/>
+            </a:pPr>
+            <a:r>
+              <a:rPr lang="en-US" b="1" dirty="0"/>
+              <a:t>Signing</a:t>
+            </a:r>
+            <a:r>
+              <a:rPr lang="en-US" dirty="0"/>
+              <a:t>: Hash the message + generate signature using private key</a:t>
+            </a:r>
+          </a:p>
+          <a:p>
+            <a:pPr marL="742950" lvl="1" indent="-285750">
+              <a:buFont typeface="Arial" panose="020B0604020202020204" pitchFamily="34" charset="0"/>
+              <a:buChar char="•"/>
+            </a:pPr>
+            <a:r>
+              <a:rPr lang="en-US" b="1" dirty="0"/>
+              <a:t>Verification</a:t>
+            </a:r>
+            <a:r>
+              <a:rPr lang="en-US" dirty="0"/>
+              <a:t>: Use public key to verify that signature matches hash</a:t>
+            </a:r>
+          </a:p>
+          <a:p>
+            <a:pPr>
+              <a:buFont typeface="Arial" panose="020B0604020202020204" pitchFamily="34" charset="0"/>
+              <a:buChar char="•"/>
+            </a:pPr>
+            <a:r>
+              <a:rPr lang="en-US" dirty="0"/>
+              <a:t> If matched: signature is valid → message is authentic</a:t>
+            </a:r>
+          </a:p>
+          <a:p>
+            <a:pPr>
+              <a:buFont typeface="Arial" panose="020B0604020202020204" pitchFamily="34" charset="0"/>
+              <a:buChar char="•"/>
+            </a:pPr>
+            <a:r>
+              <a:rPr lang="en-US" dirty="0"/>
+              <a:t> If mismatch: reject message → possible tampering</a:t>
+            </a:r>
+          </a:p>
+        </p:txBody>
+      </p:sp>
+    </p:spTree>
+    <p:extLst>
+      <p:ext uri="{BB962C8B-B14F-4D97-AF65-F5344CB8AC3E}">
+        <p14:creationId xmlns:p14="http://schemas.microsoft.com/office/powerpoint/2010/main" val="97106039"/>
       </p:ext>
     </p:extLst>
   </p:cSld>

--- a/Blowfish.pptx
+++ b/Blowfish.pptx
@@ -5,19 +5,21 @@
     <p:sldMasterId id="2147483701" r:id="rId4"/>
   </p:sldMasterIdLst>
   <p:notesMasterIdLst>
-    <p:notesMasterId r:id="rId15"/>
+    <p:notesMasterId r:id="rId17"/>
   </p:notesMasterIdLst>
   <p:sldIdLst>
     <p:sldId id="257" r:id="rId5"/>
     <p:sldId id="277" r:id="rId6"/>
-    <p:sldId id="279" r:id="rId7"/>
-    <p:sldId id="284" r:id="rId8"/>
-    <p:sldId id="278" r:id="rId9"/>
-    <p:sldId id="280" r:id="rId10"/>
-    <p:sldId id="281" r:id="rId11"/>
-    <p:sldId id="282" r:id="rId12"/>
-    <p:sldId id="285" r:id="rId13"/>
-    <p:sldId id="283" r:id="rId14"/>
+    <p:sldId id="288" r:id="rId7"/>
+    <p:sldId id="286" r:id="rId8"/>
+    <p:sldId id="284" r:id="rId9"/>
+    <p:sldId id="279" r:id="rId10"/>
+    <p:sldId id="278" r:id="rId11"/>
+    <p:sldId id="280" r:id="rId12"/>
+    <p:sldId id="281" r:id="rId13"/>
+    <p:sldId id="282" r:id="rId14"/>
+    <p:sldId id="285" r:id="rId15"/>
+    <p:sldId id="283" r:id="rId16"/>
   </p:sldIdLst>
   <p:sldSz cx="12192000" cy="6858000"/>
   <p:notesSz cx="6858000" cy="9144000"/>
@@ -214,7 +216,7 @@
           <a:p>
             <a:fld id="{5ADED4D3-2E32-4AE2-9355-559E747A8267}" type="datetimeFigureOut">
               <a:rPr lang="en-US" smtClean="0"/>
-              <a:t>5/8/2025</a:t>
+              <a:t>5/16/2025</a:t>
             </a:fld>
             <a:endParaRPr lang="en-US"/>
           </a:p>
@@ -622,28 +624,28 @@
               <a:buChar char="•"/>
             </a:pPr>
             <a:r>
+              <a:rPr lang="en-US" b="1" dirty="0" err="1"/>
+              <a:t>McEliece</a:t>
+            </a:r>
+            <a:r>
+              <a:rPr lang="en-US" dirty="0"/>
+              <a:t> is a </a:t>
+            </a:r>
+            <a:r>
               <a:rPr lang="en-US" b="1" dirty="0"/>
-              <a:t> Blowfish</a:t>
-            </a:r>
-            <a:r>
-              <a:rPr lang="en-US" dirty="0"/>
-              <a:t> is a symmetric block cipher that encrypts data in </a:t>
+              <a:t>public-key cryptosystem</a:t>
+            </a:r>
+            <a:r>
+              <a:rPr lang="en-US" dirty="0"/>
+              <a:t> based on </a:t>
             </a:r>
             <a:r>
               <a:rPr lang="en-US" b="1" dirty="0"/>
-              <a:t>64-bit blocks</a:t>
-            </a:r>
-            <a:r>
-              <a:rPr lang="en-US" dirty="0"/>
-              <a:t> using a </a:t>
-            </a:r>
-            <a:r>
-              <a:rPr lang="en-US" b="1" dirty="0"/>
-              <a:t>variable-length key</a:t>
-            </a:r>
-            <a:r>
-              <a:rPr lang="en-US" dirty="0"/>
-              <a:t> (32 to 448 bits).</a:t>
+              <a:t>error-correcting codes</a:t>
+            </a:r>
+            <a:r>
+              <a:rPr lang="en-US" dirty="0"/>
+              <a:t>, not number theory — it's considered quantum-resistant.</a:t>
             </a:r>
           </a:p>
           <a:p>
@@ -653,7 +655,15 @@
             </a:pPr>
             <a:r>
               <a:rPr lang="en-US" dirty="0"/>
-              <a:t> Commonly used for fast, lightweight encryption.</a:t>
+              <a:t>Used to </a:t>
+            </a:r>
+            <a:r>
+              <a:rPr lang="en-US" b="1" dirty="0"/>
+              <a:t>encrypt the symmetric Blowfish key</a:t>
+            </a:r>
+            <a:r>
+              <a:rPr lang="en-US" dirty="0"/>
+              <a:t>, so it can be sent securely.</a:t>
             </a:r>
           </a:p>
           <a:p>
@@ -663,25 +673,15 @@
             </a:pPr>
             <a:r>
               <a:rPr lang="en-US" dirty="0"/>
-              <a:t>Operates in several modes (e.g., ECB, CBC). For email messages, CBC is more secure.</a:t>
-            </a:r>
-          </a:p>
-          <a:p>
-            <a:pPr lvl="1">
-              <a:buFont typeface="Arial" panose="020B0604020202020204" pitchFamily="34" charset="0"/>
-              <a:buChar char="•"/>
-            </a:pPr>
-            <a:r>
-              <a:rPr lang="en-US" dirty="0"/>
-              <a:t>Encryption and decryption use the </a:t>
-            </a:r>
-            <a:r>
-              <a:rPr lang="en-US" b="1" dirty="0"/>
-              <a:t>same key</a:t>
-            </a:r>
-            <a:r>
-              <a:rPr lang="en-US" dirty="0"/>
-              <a:t>, which must be shared securely.</a:t>
+              <a:t>Only the recipient (Bob) can decrypt it using his private </a:t>
+            </a:r>
+            <a:r>
+              <a:rPr lang="en-US" dirty="0" err="1"/>
+              <a:t>McEliece</a:t>
+            </a:r>
+            <a:r>
+              <a:rPr lang="en-US" dirty="0"/>
+              <a:t> key.</a:t>
             </a:r>
           </a:p>
           <a:p>
@@ -706,7 +706,7 @@
           <a:p>
             <a:fld id="{0050DDF3-CFC3-40C0-B288-2F43B4469CD4}" type="slidenum">
               <a:rPr lang="en-US" smtClean="0"/>
-              <a:t>3</a:t>
+              <a:t>5</a:t>
             </a:fld>
             <a:endParaRPr lang="en-US"/>
           </a:p>
@@ -715,7 +715,7 @@
     </p:spTree>
     <p:extLst>
       <p:ext uri="{BB962C8B-B14F-4D97-AF65-F5344CB8AC3E}">
-        <p14:creationId xmlns:p14="http://schemas.microsoft.com/office/powerpoint/2010/main" val="502466452"/>
+        <p14:creationId xmlns:p14="http://schemas.microsoft.com/office/powerpoint/2010/main" val="1317345622"/>
       </p:ext>
     </p:extLst>
   </p:cSld>
@@ -774,28 +774,28 @@
               <a:buChar char="•"/>
             </a:pPr>
             <a:r>
-              <a:rPr lang="en-US" b="1" dirty="0" err="1"/>
-              <a:t>McEliece</a:t>
-            </a:r>
-            <a:r>
-              <a:rPr lang="en-US" dirty="0"/>
-              <a:t> is a </a:t>
-            </a:r>
-            <a:r>
               <a:rPr lang="en-US" b="1" dirty="0"/>
-              <a:t>public-key cryptosystem</a:t>
-            </a:r>
-            <a:r>
-              <a:rPr lang="en-US" dirty="0"/>
-              <a:t> based on </a:t>
+              <a:t> Blowfish</a:t>
+            </a:r>
+            <a:r>
+              <a:rPr lang="en-US" dirty="0"/>
+              <a:t> is a symmetric block cipher that encrypts data in </a:t>
             </a:r>
             <a:r>
               <a:rPr lang="en-US" b="1" dirty="0"/>
-              <a:t>error-correcting codes</a:t>
-            </a:r>
-            <a:r>
-              <a:rPr lang="en-US" dirty="0"/>
-              <a:t>, not number theory — it's considered quantum-resistant.</a:t>
+              <a:t>64-bit blocks</a:t>
+            </a:r>
+            <a:r>
+              <a:rPr lang="en-US" dirty="0"/>
+              <a:t> using a </a:t>
+            </a:r>
+            <a:r>
+              <a:rPr lang="en-US" b="1" dirty="0"/>
+              <a:t>variable-length key</a:t>
+            </a:r>
+            <a:r>
+              <a:rPr lang="en-US" dirty="0"/>
+              <a:t> (32 to 448 bits).</a:t>
             </a:r>
           </a:p>
           <a:p>
@@ -805,15 +805,7 @@
             </a:pPr>
             <a:r>
               <a:rPr lang="en-US" dirty="0"/>
-              <a:t>Used to </a:t>
-            </a:r>
-            <a:r>
-              <a:rPr lang="en-US" b="1" dirty="0"/>
-              <a:t>encrypt the symmetric Blowfish key</a:t>
-            </a:r>
-            <a:r>
-              <a:rPr lang="en-US" dirty="0"/>
-              <a:t>, so it can be sent securely.</a:t>
+              <a:t> Commonly used for fast, lightweight encryption.</a:t>
             </a:r>
           </a:p>
           <a:p>
@@ -823,15 +815,25 @@
             </a:pPr>
             <a:r>
               <a:rPr lang="en-US" dirty="0"/>
-              <a:t>Only the recipient (Bob) can decrypt it using his private </a:t>
-            </a:r>
-            <a:r>
-              <a:rPr lang="en-US" dirty="0" err="1"/>
-              <a:t>McEliece</a:t>
-            </a:r>
-            <a:r>
-              <a:rPr lang="en-US" dirty="0"/>
-              <a:t> key.</a:t>
+              <a:t>Operates in several modes (e.g., ECB, CBC). For email messages, CBC is more secure.</a:t>
+            </a:r>
+          </a:p>
+          <a:p>
+            <a:pPr lvl="1">
+              <a:buFont typeface="Arial" panose="020B0604020202020204" pitchFamily="34" charset="0"/>
+              <a:buChar char="•"/>
+            </a:pPr>
+            <a:r>
+              <a:rPr lang="en-US" dirty="0"/>
+              <a:t>Encryption and decryption use the </a:t>
+            </a:r>
+            <a:r>
+              <a:rPr lang="en-US" b="1" dirty="0"/>
+              <a:t>same key</a:t>
+            </a:r>
+            <a:r>
+              <a:rPr lang="en-US" dirty="0"/>
+              <a:t>, which must be shared securely.</a:t>
             </a:r>
           </a:p>
           <a:p>
@@ -856,7 +858,7 @@
           <a:p>
             <a:fld id="{0050DDF3-CFC3-40C0-B288-2F43B4469CD4}" type="slidenum">
               <a:rPr lang="en-US" smtClean="0"/>
-              <a:t>4</a:t>
+              <a:t>6</a:t>
             </a:fld>
             <a:endParaRPr lang="en-US"/>
           </a:p>
@@ -865,7 +867,7 @@
     </p:spTree>
     <p:extLst>
       <p:ext uri="{BB962C8B-B14F-4D97-AF65-F5344CB8AC3E}">
-        <p14:creationId xmlns:p14="http://schemas.microsoft.com/office/powerpoint/2010/main" val="1317345622"/>
+        <p14:creationId xmlns:p14="http://schemas.microsoft.com/office/powerpoint/2010/main" val="502466452"/>
       </p:ext>
     </p:extLst>
   </p:cSld>
@@ -979,7 +981,7 @@
           <a:p>
             <a:fld id="{0050DDF3-CFC3-40C0-B288-2F43B4469CD4}" type="slidenum">
               <a:rPr lang="en-US" smtClean="0"/>
-              <a:t>5</a:t>
+              <a:t>7</a:t>
             </a:fld>
             <a:endParaRPr lang="en-US"/>
           </a:p>
@@ -1119,7 +1121,7 @@
           <a:p>
             <a:fld id="{0050DDF3-CFC3-40C0-B288-2F43B4469CD4}" type="slidenum">
               <a:rPr lang="en-US" smtClean="0"/>
-              <a:t>6</a:t>
+              <a:t>8</a:t>
             </a:fld>
             <a:endParaRPr lang="en-US"/>
           </a:p>
@@ -1305,7 +1307,7 @@
           <a:p>
             <a:fld id="{0050DDF3-CFC3-40C0-B288-2F43B4469CD4}" type="slidenum">
               <a:rPr lang="en-US" smtClean="0"/>
-              <a:t>7</a:t>
+              <a:t>9</a:t>
             </a:fld>
             <a:endParaRPr lang="en-US"/>
           </a:p>
@@ -1433,7 +1435,7 @@
           <a:p>
             <a:fld id="{0050DDF3-CFC3-40C0-B288-2F43B4469CD4}" type="slidenum">
               <a:rPr lang="en-US" smtClean="0"/>
-              <a:t>8</a:t>
+              <a:t>10</a:t>
             </a:fld>
             <a:endParaRPr lang="en-US"/>
           </a:p>
@@ -1701,7 +1703,7 @@
           <a:p>
             <a:fld id="{0050DDF3-CFC3-40C0-B288-2F43B4469CD4}" type="slidenum">
               <a:rPr lang="en-US" smtClean="0"/>
-              <a:t>9</a:t>
+              <a:t>11</a:t>
             </a:fld>
             <a:endParaRPr lang="en-US"/>
           </a:p>
@@ -1948,7 +1950,7 @@
           <a:p>
             <a:fld id="{8AFF2A1E-1F13-4D95-B202-10B7563D4805}" type="datetimeFigureOut">
               <a:rPr lang="en-US" smtClean="0"/>
-              <a:t>5/8/2025</a:t>
+              <a:t>5/16/2025</a:t>
             </a:fld>
             <a:endParaRPr lang="en-US"/>
           </a:p>
@@ -2156,7 +2158,7 @@
           <a:p>
             <a:fld id="{8AFF2A1E-1F13-4D95-B202-10B7563D4805}" type="datetimeFigureOut">
               <a:rPr lang="en-US" smtClean="0"/>
-              <a:t>5/8/2025</a:t>
+              <a:t>5/16/2025</a:t>
             </a:fld>
             <a:endParaRPr lang="en-US"/>
           </a:p>
@@ -2414,7 +2416,7 @@
           <a:p>
             <a:fld id="{8AFF2A1E-1F13-4D95-B202-10B7563D4805}" type="datetimeFigureOut">
               <a:rPr lang="en-US" smtClean="0"/>
-              <a:t>5/8/2025</a:t>
+              <a:t>5/16/2025</a:t>
             </a:fld>
             <a:endParaRPr lang="en-US"/>
           </a:p>
@@ -2584,7 +2586,7 @@
           <a:p>
             <a:fld id="{8AFF2A1E-1F13-4D95-B202-10B7563D4805}" type="datetimeFigureOut">
               <a:rPr lang="en-US" smtClean="0"/>
-              <a:t>5/8/2025</a:t>
+              <a:t>5/16/2025</a:t>
             </a:fld>
             <a:endParaRPr lang="en-US"/>
           </a:p>
@@ -2921,7 +2923,7 @@
           <a:p>
             <a:fld id="{8AFF2A1E-1F13-4D95-B202-10B7563D4805}" type="datetimeFigureOut">
               <a:rPr lang="en-US" smtClean="0"/>
-              <a:t>5/8/2025</a:t>
+              <a:t>5/16/2025</a:t>
             </a:fld>
             <a:endParaRPr lang="en-US"/>
           </a:p>
@@ -3196,7 +3198,7 @@
           <a:p>
             <a:fld id="{8AFF2A1E-1F13-4D95-B202-10B7563D4805}" type="datetimeFigureOut">
               <a:rPr lang="en-US" smtClean="0"/>
-              <a:t>5/8/2025</a:t>
+              <a:t>5/16/2025</a:t>
             </a:fld>
             <a:endParaRPr lang="en-US"/>
           </a:p>
@@ -3575,7 +3577,7 @@
           <a:p>
             <a:fld id="{8AFF2A1E-1F13-4D95-B202-10B7563D4805}" type="datetimeFigureOut">
               <a:rPr lang="en-US" smtClean="0"/>
-              <a:t>5/8/2025</a:t>
+              <a:t>5/16/2025</a:t>
             </a:fld>
             <a:endParaRPr lang="en-US"/>
           </a:p>
@@ -3693,7 +3695,7 @@
           <a:p>
             <a:fld id="{8AFF2A1E-1F13-4D95-B202-10B7563D4805}" type="datetimeFigureOut">
               <a:rPr lang="en-US" smtClean="0"/>
-              <a:t>5/8/2025</a:t>
+              <a:t>5/16/2025</a:t>
             </a:fld>
             <a:endParaRPr lang="en-US"/>
           </a:p>
@@ -3866,7 +3868,7 @@
           <a:p>
             <a:fld id="{8AFF2A1E-1F13-4D95-B202-10B7563D4805}" type="datetimeFigureOut">
               <a:rPr lang="en-US" smtClean="0"/>
-              <a:t>5/8/2025</a:t>
+              <a:t>5/16/2025</a:t>
             </a:fld>
             <a:endParaRPr lang="en-US"/>
           </a:p>
@@ -4222,7 +4224,7 @@
           <a:p>
             <a:fld id="{8AFF2A1E-1F13-4D95-B202-10B7563D4805}" type="datetimeFigureOut">
               <a:rPr lang="en-US" smtClean="0"/>
-              <a:t>5/8/2025</a:t>
+              <a:t>5/16/2025</a:t>
             </a:fld>
             <a:endParaRPr lang="en-US"/>
           </a:p>
@@ -4601,7 +4603,7 @@
           <a:p>
             <a:fld id="{8AFF2A1E-1F13-4D95-B202-10B7563D4805}" type="datetimeFigureOut">
               <a:rPr lang="en-US" smtClean="0"/>
-              <a:t>5/8/2025</a:t>
+              <a:t>5/16/2025</a:t>
             </a:fld>
             <a:endParaRPr lang="en-US"/>
           </a:p>
@@ -4890,7 +4892,7 @@
           <a:p>
             <a:fld id="{8AFF2A1E-1F13-4D95-B202-10B7563D4805}" type="datetimeFigureOut">
               <a:rPr lang="en-US" smtClean="0"/>
-              <a:t>5/8/2025</a:t>
+              <a:t>5/16/2025</a:t>
             </a:fld>
             <a:endParaRPr lang="en-US"/>
           </a:p>
@@ -5568,6 +5570,348 @@
           <p:cNvPr id="2" name="Title 1">
             <a:extLst>
               <a:ext uri="{FF2B5EF4-FFF2-40B4-BE49-F238E27FC236}">
+                <a16:creationId xmlns:a16="http://schemas.microsoft.com/office/drawing/2014/main" id="{0A8D517A-27A8-A120-4438-2C1E3CD6C6B4}"/>
+              </a:ext>
+            </a:extLst>
+          </p:cNvPr>
+          <p:cNvSpPr>
+            <a:spLocks noGrp="1"/>
+          </p:cNvSpPr>
+          <p:nvPr>
+            <p:ph type="title"/>
+          </p:nvPr>
+        </p:nvSpPr>
+        <p:spPr/>
+        <p:txBody>
+          <a:bodyPr/>
+          <a:lstStyle/>
+          <a:p>
+            <a:r>
+              <a:rPr lang="en-US" dirty="0"/>
+              <a:t>Digital Signature</a:t>
+            </a:r>
+          </a:p>
+        </p:txBody>
+      </p:sp>
+      <p:sp>
+        <p:nvSpPr>
+          <p:cNvPr id="3" name="Content Placeholder 2">
+            <a:extLst>
+              <a:ext uri="{FF2B5EF4-FFF2-40B4-BE49-F238E27FC236}">
+                <a16:creationId xmlns:a16="http://schemas.microsoft.com/office/drawing/2014/main" id="{2DB43414-874A-CEEC-633F-C905E23E4C10}"/>
+              </a:ext>
+            </a:extLst>
+          </p:cNvPr>
+          <p:cNvSpPr>
+            <a:spLocks noGrp="1"/>
+          </p:cNvSpPr>
+          <p:nvPr>
+            <p:ph idx="1"/>
+          </p:nvPr>
+        </p:nvSpPr>
+        <p:spPr/>
+        <p:txBody>
+          <a:bodyPr/>
+          <a:lstStyle/>
+          <a:p>
+            <a:pPr>
+              <a:buNone/>
+            </a:pPr>
+            <a:r>
+              <a:rPr lang="en-US" b="1" dirty="0"/>
+              <a:t>Bullet Points (for slide content)</a:t>
+            </a:r>
+          </a:p>
+          <a:p>
+            <a:pPr>
+              <a:buFont typeface="Arial" panose="020B0604020202020204" pitchFamily="34" charset="0"/>
+              <a:buChar char="•"/>
+            </a:pPr>
+            <a:r>
+              <a:rPr lang="en-US" dirty="0"/>
+              <a:t> Ensures the message came from the claimed sender</a:t>
+            </a:r>
+          </a:p>
+          <a:p>
+            <a:pPr>
+              <a:buFont typeface="Arial" panose="020B0604020202020204" pitchFamily="34" charset="0"/>
+              <a:buChar char="•"/>
+            </a:pPr>
+            <a:r>
+              <a:rPr lang="en-US" dirty="0"/>
+              <a:t> Confirms the message hasn’t been altered</a:t>
+            </a:r>
+          </a:p>
+          <a:p>
+            <a:pPr>
+              <a:buFont typeface="Arial" panose="020B0604020202020204" pitchFamily="34" charset="0"/>
+              <a:buChar char="•"/>
+            </a:pPr>
+            <a:r>
+              <a:rPr lang="en-US" dirty="0"/>
+              <a:t> Signature is created with sender’s private key</a:t>
+            </a:r>
+          </a:p>
+          <a:p>
+            <a:pPr>
+              <a:buFont typeface="Arial" panose="020B0604020202020204" pitchFamily="34" charset="0"/>
+              <a:buChar char="•"/>
+            </a:pPr>
+            <a:r>
+              <a:rPr lang="en-US" dirty="0"/>
+              <a:t> Verified using sender’s public key</a:t>
+            </a:r>
+          </a:p>
+          <a:p>
+            <a:pPr>
+              <a:buFont typeface="Arial" panose="020B0604020202020204" pitchFamily="34" charset="0"/>
+              <a:buChar char="•"/>
+            </a:pPr>
+            <a:r>
+              <a:rPr lang="en-US" dirty="0"/>
+              <a:t> Applied to the </a:t>
+            </a:r>
+            <a:r>
+              <a:rPr lang="en-US" b="1" dirty="0"/>
+              <a:t>encrypted message</a:t>
+            </a:r>
+            <a:r>
+              <a:rPr lang="en-US" dirty="0"/>
+              <a:t>, not the plaintext</a:t>
+            </a:r>
+          </a:p>
+        </p:txBody>
+      </p:sp>
+    </p:spTree>
+    <p:extLst>
+      <p:ext uri="{BB962C8B-B14F-4D97-AF65-F5344CB8AC3E}">
+        <p14:creationId xmlns:p14="http://schemas.microsoft.com/office/powerpoint/2010/main" val="486978243"/>
+      </p:ext>
+    </p:extLst>
+  </p:cSld>
+  <p:clrMapOvr>
+    <a:masterClrMapping/>
+  </p:clrMapOvr>
+</p:sld>
+</file>
+
+<file path=ppt/slides/slide11.xml><?xml version="1.0" encoding="utf-8"?>
+<p:sld xmlns:a="http://schemas.openxmlformats.org/drawingml/2006/main" xmlns:r="http://schemas.openxmlformats.org/officeDocument/2006/relationships" xmlns:p="http://schemas.openxmlformats.org/presentationml/2006/main">
+  <p:cSld>
+    <p:spTree>
+      <p:nvGrpSpPr>
+        <p:cNvPr id="1" name="">
+          <a:extLst>
+            <a:ext uri="{FF2B5EF4-FFF2-40B4-BE49-F238E27FC236}">
+              <a16:creationId xmlns:a16="http://schemas.microsoft.com/office/drawing/2014/main" id="{1580CB9A-FD1D-7F96-ED77-A6A6E06550CF}"/>
+            </a:ext>
+          </a:extLst>
+        </p:cNvPr>
+        <p:cNvGrpSpPr/>
+        <p:nvPr/>
+      </p:nvGrpSpPr>
+      <p:grpSpPr>
+        <a:xfrm>
+          <a:off x="0" y="0"/>
+          <a:ext cx="0" cy="0"/>
+          <a:chOff x="0" y="0"/>
+          <a:chExt cx="0" cy="0"/>
+        </a:xfrm>
+      </p:grpSpPr>
+      <p:sp>
+        <p:nvSpPr>
+          <p:cNvPr id="2" name="Title 1">
+            <a:extLst>
+              <a:ext uri="{FF2B5EF4-FFF2-40B4-BE49-F238E27FC236}">
+                <a16:creationId xmlns:a16="http://schemas.microsoft.com/office/drawing/2014/main" id="{9FB7E976-1C44-96A6-F1EC-23C4865A0A5E}"/>
+              </a:ext>
+            </a:extLst>
+          </p:cNvPr>
+          <p:cNvSpPr>
+            <a:spLocks noGrp="1"/>
+          </p:cNvSpPr>
+          <p:nvPr>
+            <p:ph type="title"/>
+          </p:nvPr>
+        </p:nvSpPr>
+        <p:spPr/>
+        <p:txBody>
+          <a:bodyPr/>
+          <a:lstStyle/>
+          <a:p>
+            <a:r>
+              <a:rPr lang="en-US" dirty="0"/>
+              <a:t>Digital Signature</a:t>
+            </a:r>
+          </a:p>
+        </p:txBody>
+      </p:sp>
+      <p:sp>
+        <p:nvSpPr>
+          <p:cNvPr id="3" name="Content Placeholder 2">
+            <a:extLst>
+              <a:ext uri="{FF2B5EF4-FFF2-40B4-BE49-F238E27FC236}">
+                <a16:creationId xmlns:a16="http://schemas.microsoft.com/office/drawing/2014/main" id="{B4A2BB60-7138-F637-CE31-61A73404F1A8}"/>
+              </a:ext>
+            </a:extLst>
+          </p:cNvPr>
+          <p:cNvSpPr>
+            <a:spLocks noGrp="1"/>
+          </p:cNvSpPr>
+          <p:nvPr>
+            <p:ph idx="1"/>
+          </p:nvPr>
+        </p:nvSpPr>
+        <p:spPr/>
+        <p:txBody>
+          <a:bodyPr/>
+          <a:lstStyle/>
+          <a:p>
+            <a:pPr>
+              <a:buFont typeface="Arial" panose="020B0604020202020204" pitchFamily="34" charset="0"/>
+              <a:buChar char="•"/>
+            </a:pPr>
+            <a:r>
+              <a:rPr lang="en-US" dirty="0"/>
+              <a:t> </a:t>
+            </a:r>
+            <a:r>
+              <a:rPr lang="en-US" b="1" dirty="0"/>
+              <a:t>Based on elliptic curve cryptography</a:t>
+            </a:r>
+            <a:endParaRPr lang="en-US" dirty="0"/>
+          </a:p>
+          <a:p>
+            <a:pPr>
+              <a:buFont typeface="Arial" panose="020B0604020202020204" pitchFamily="34" charset="0"/>
+              <a:buChar char="•"/>
+            </a:pPr>
+            <a:r>
+              <a:rPr lang="en-US" dirty="0"/>
+              <a:t> Uses a </a:t>
+            </a:r>
+            <a:r>
+              <a:rPr lang="en-US" b="1" dirty="0"/>
+              <a:t>private key</a:t>
+            </a:r>
+            <a:r>
+              <a:rPr lang="en-US" dirty="0"/>
+              <a:t> to create a signature</a:t>
+            </a:r>
+          </a:p>
+          <a:p>
+            <a:pPr>
+              <a:buFont typeface="Arial" panose="020B0604020202020204" pitchFamily="34" charset="0"/>
+              <a:buChar char="•"/>
+            </a:pPr>
+            <a:r>
+              <a:rPr lang="en-US" dirty="0"/>
+              <a:t> Uses the </a:t>
+            </a:r>
+            <a:r>
+              <a:rPr lang="en-US" b="1" dirty="0"/>
+              <a:t>corresponding public key</a:t>
+            </a:r>
+            <a:r>
+              <a:rPr lang="en-US" dirty="0"/>
+              <a:t> to verify it</a:t>
+            </a:r>
+          </a:p>
+          <a:p>
+            <a:pPr>
+              <a:buFont typeface="Arial" panose="020B0604020202020204" pitchFamily="34" charset="0"/>
+              <a:buChar char="•"/>
+            </a:pPr>
+            <a:r>
+              <a:rPr lang="en-US" dirty="0"/>
+              <a:t> Two main steps:</a:t>
+            </a:r>
+          </a:p>
+          <a:p>
+            <a:pPr marL="742950" lvl="1" indent="-285750">
+              <a:buFont typeface="Arial" panose="020B0604020202020204" pitchFamily="34" charset="0"/>
+              <a:buChar char="•"/>
+            </a:pPr>
+            <a:r>
+              <a:rPr lang="en-US" b="1" dirty="0"/>
+              <a:t>Signing</a:t>
+            </a:r>
+            <a:r>
+              <a:rPr lang="en-US" dirty="0"/>
+              <a:t>: Hash the message + generate signature using private key</a:t>
+            </a:r>
+          </a:p>
+          <a:p>
+            <a:pPr marL="742950" lvl="1" indent="-285750">
+              <a:buFont typeface="Arial" panose="020B0604020202020204" pitchFamily="34" charset="0"/>
+              <a:buChar char="•"/>
+            </a:pPr>
+            <a:r>
+              <a:rPr lang="en-US" b="1" dirty="0"/>
+              <a:t>Verification</a:t>
+            </a:r>
+            <a:r>
+              <a:rPr lang="en-US" dirty="0"/>
+              <a:t>: Use public key to verify that signature matches hash</a:t>
+            </a:r>
+          </a:p>
+          <a:p>
+            <a:pPr>
+              <a:buFont typeface="Arial" panose="020B0604020202020204" pitchFamily="34" charset="0"/>
+              <a:buChar char="•"/>
+            </a:pPr>
+            <a:r>
+              <a:rPr lang="en-US" dirty="0"/>
+              <a:t> If matched: signature is valid → message is authentic</a:t>
+            </a:r>
+          </a:p>
+          <a:p>
+            <a:pPr>
+              <a:buFont typeface="Arial" panose="020B0604020202020204" pitchFamily="34" charset="0"/>
+              <a:buChar char="•"/>
+            </a:pPr>
+            <a:r>
+              <a:rPr lang="en-US" dirty="0"/>
+              <a:t> If mismatch: reject message → possible tampering</a:t>
+            </a:r>
+          </a:p>
+        </p:txBody>
+      </p:sp>
+    </p:spTree>
+    <p:extLst>
+      <p:ext uri="{BB962C8B-B14F-4D97-AF65-F5344CB8AC3E}">
+        <p14:creationId xmlns:p14="http://schemas.microsoft.com/office/powerpoint/2010/main" val="97106039"/>
+      </p:ext>
+    </p:extLst>
+  </p:cSld>
+  <p:clrMapOvr>
+    <a:masterClrMapping/>
+  </p:clrMapOvr>
+</p:sld>
+</file>
+
+<file path=ppt/slides/slide12.xml><?xml version="1.0" encoding="utf-8"?>
+<p:sld xmlns:a="http://schemas.openxmlformats.org/drawingml/2006/main" xmlns:r="http://schemas.openxmlformats.org/officeDocument/2006/relationships" xmlns:p="http://schemas.openxmlformats.org/presentationml/2006/main">
+  <p:cSld>
+    <p:spTree>
+      <p:nvGrpSpPr>
+        <p:cNvPr id="1" name=""/>
+        <p:cNvGrpSpPr/>
+        <p:nvPr/>
+      </p:nvGrpSpPr>
+      <p:grpSpPr>
+        <a:xfrm>
+          <a:off x="0" y="0"/>
+          <a:ext cx="0" cy="0"/>
+          <a:chOff x="0" y="0"/>
+          <a:chExt cx="0" cy="0"/>
+        </a:xfrm>
+      </p:grpSpPr>
+      <p:sp>
+        <p:nvSpPr>
+          <p:cNvPr id="2" name="Title 1">
+            <a:extLst>
+              <a:ext uri="{FF2B5EF4-FFF2-40B4-BE49-F238E27FC236}">
                 <a16:creationId xmlns:a16="http://schemas.microsoft.com/office/drawing/2014/main" id="{47F36288-342E-EA10-AA37-F42658EB062E}"/>
               </a:ext>
             </a:extLst>
@@ -6422,7 +6766,7 @@
           <p:cNvPr id="2" name="Title 1">
             <a:extLst>
               <a:ext uri="{FF2B5EF4-FFF2-40B4-BE49-F238E27FC236}">
-                <a16:creationId xmlns:a16="http://schemas.microsoft.com/office/drawing/2014/main" id="{69825979-C56F-94C1-EDC1-CD66EC7B21AE}"/>
+                <a16:creationId xmlns:a16="http://schemas.microsoft.com/office/drawing/2014/main" id="{05426750-4098-52BE-1656-5535F5D8669B}"/>
               </a:ext>
             </a:extLst>
           </p:cNvPr>
@@ -6440,7 +6784,7 @@
           <a:p>
             <a:r>
               <a:rPr lang="en-US" dirty="0"/>
-              <a:t>How the cipher works</a:t>
+              <a:t>General Schema</a:t>
             </a:r>
           </a:p>
         </p:txBody>
@@ -6450,7 +6794,7 @@
           <p:cNvPr id="3" name="Content Placeholder 2">
             <a:extLst>
               <a:ext uri="{FF2B5EF4-FFF2-40B4-BE49-F238E27FC236}">
-                <a16:creationId xmlns:a16="http://schemas.microsoft.com/office/drawing/2014/main" id="{AF8C8C63-3A4C-146D-33F9-393BC92DAE9A}"/>
+                <a16:creationId xmlns:a16="http://schemas.microsoft.com/office/drawing/2014/main" id="{AE203272-1FCD-69E6-7DDD-4BFEC20AEC46}"/>
               </a:ext>
             </a:extLst>
           </p:cNvPr>
@@ -6461,85 +6805,121 @@
             <p:ph idx="1"/>
           </p:nvPr>
         </p:nvSpPr>
-        <p:spPr/>
+        <p:spPr>
+          <a:xfrm>
+            <a:off x="304800" y="1845733"/>
+            <a:ext cx="6357257" cy="3814838"/>
+          </a:xfrm>
+        </p:spPr>
         <p:txBody>
           <a:bodyPr>
             <a:normAutofit/>
           </a:bodyPr>
           <a:lstStyle/>
           <a:p>
-            <a:r>
-              <a:rPr lang="en-US" dirty="0"/>
-              <a:t>Symmetric Encryption – Blowfish</a:t>
-            </a:r>
-          </a:p>
-          <a:p>
-            <a:endParaRPr lang="en-US" dirty="0"/>
-          </a:p>
-          <a:p>
-            <a:pPr lvl="1">
+            <a:pPr>
+              <a:buNone/>
+            </a:pPr>
+            <a:r>
+              <a:rPr lang="en-US" b="1" dirty="0"/>
+              <a:t>Secure email exchange system</a:t>
+            </a:r>
+            <a:r>
+              <a:rPr lang="en-US" dirty="0"/>
+              <a:t> using:</a:t>
+            </a:r>
+          </a:p>
+          <a:p>
+            <a:pPr>
               <a:buFont typeface="Arial" panose="020B0604020202020204" pitchFamily="34" charset="0"/>
               <a:buChar char="•"/>
             </a:pPr>
             <a:r>
-              <a:rPr lang="en-US" dirty="0"/>
-              <a:t>Block cipher: 64-bit block size</a:t>
-            </a:r>
-          </a:p>
-          <a:p>
-            <a:pPr lvl="1">
+              <a:rPr lang="en-US" b="1" dirty="0"/>
+              <a:t>Blowfish</a:t>
+            </a:r>
+            <a:r>
+              <a:rPr lang="en-US" dirty="0"/>
+              <a:t> for symmetric encryption of the email contents</a:t>
+            </a:r>
+          </a:p>
+          <a:p>
+            <a:pPr>
               <a:buFont typeface="Arial" panose="020B0604020202020204" pitchFamily="34" charset="0"/>
               <a:buChar char="•"/>
             </a:pPr>
             <a:r>
-              <a:rPr lang="en-US" dirty="0"/>
-              <a:t>Key size: 32 to 448 bits (typically 128 or 256 bits)</a:t>
-            </a:r>
-          </a:p>
-          <a:p>
-            <a:pPr lvl="1">
+              <a:rPr lang="en-US" b="1" dirty="0" err="1"/>
+              <a:t>McEliece</a:t>
+            </a:r>
+            <a:r>
+              <a:rPr lang="en-US" b="1" dirty="0"/>
+              <a:t> cryptosystem</a:t>
+            </a:r>
+            <a:r>
+              <a:rPr lang="en-US" dirty="0"/>
+              <a:t> for secure delivery of the symmetric key</a:t>
+            </a:r>
+          </a:p>
+          <a:p>
+            <a:pPr>
               <a:buFont typeface="Arial" panose="020B0604020202020204" pitchFamily="34" charset="0"/>
               <a:buChar char="•"/>
             </a:pPr>
             <a:r>
-              <a:rPr lang="en-US" dirty="0"/>
-              <a:t>Fast and lightweight – suitable for message encryption</a:t>
-            </a:r>
-          </a:p>
-          <a:p>
-            <a:pPr lvl="1">
-              <a:buFont typeface="Arial" panose="020B0604020202020204" pitchFamily="34" charset="0"/>
-              <a:buChar char="•"/>
-            </a:pPr>
-            <a:r>
-              <a:rPr lang="en-US" dirty="0"/>
-              <a:t>Same key used for encryption and decryption (symmetric)</a:t>
-            </a:r>
-          </a:p>
-          <a:p>
-            <a:pPr lvl="1">
-              <a:buFont typeface="Arial" panose="020B0604020202020204" pitchFamily="34" charset="0"/>
-              <a:buChar char="•"/>
-            </a:pPr>
-            <a:r>
-              <a:rPr lang="en-US" dirty="0"/>
-              <a:t>Requires secure key exchange → handled by </a:t>
-            </a:r>
-            <a:r>
-              <a:rPr lang="en-US" dirty="0" err="1"/>
-              <a:t>McEliece</a:t>
-            </a:r>
+              <a:rPr lang="en-US" b="1" dirty="0"/>
+              <a:t>EC-DSA</a:t>
+            </a:r>
+            <a:r>
+              <a:rPr lang="en-US" dirty="0"/>
+              <a:t> for digital signatures (authenticity + integrity)</a:t>
+            </a:r>
+          </a:p>
+          <a:p>
             <a:endParaRPr lang="en-US" dirty="0"/>
           </a:p>
-          <a:p>
-            <a:endParaRPr lang="en-US" dirty="0"/>
-          </a:p>
-        </p:txBody>
-      </p:sp>
+        </p:txBody>
+      </p:sp>
+      <p:pic>
+        <p:nvPicPr>
+          <p:cNvPr id="5" name="Picture 4" descr="A diagram of a software project&#10;&#10;AI-generated content may be incorrect.">
+            <a:extLst>
+              <a:ext uri="{FF2B5EF4-FFF2-40B4-BE49-F238E27FC236}">
+                <a16:creationId xmlns:a16="http://schemas.microsoft.com/office/drawing/2014/main" id="{2D0D8D33-2B99-DBB5-D49C-7DA0CCCFACF2}"/>
+              </a:ext>
+            </a:extLst>
+          </p:cNvPr>
+          <p:cNvPicPr>
+            <a:picLocks noChangeAspect="1"/>
+          </p:cNvPicPr>
+          <p:nvPr/>
+        </p:nvPicPr>
+        <p:blipFill>
+          <a:blip r:embed="rId2">
+            <a:extLst>
+              <a:ext uri="{28A0092B-C50C-407E-A947-70E740481C1C}">
+                <a14:useLocalDpi xmlns:a14="http://schemas.microsoft.com/office/drawing/2010/main" val="0"/>
+              </a:ext>
+            </a:extLst>
+          </a:blip>
+          <a:stretch>
+            <a:fillRect/>
+          </a:stretch>
+        </p:blipFill>
+        <p:spPr>
+          <a:xfrm>
+            <a:off x="6819826" y="0"/>
+            <a:ext cx="5372174" cy="6415314"/>
+          </a:xfrm>
+          <a:prstGeom prst="rect">
+            <a:avLst/>
+          </a:prstGeom>
+        </p:spPr>
+      </p:pic>
     </p:spTree>
     <p:extLst>
       <p:ext uri="{BB962C8B-B14F-4D97-AF65-F5344CB8AC3E}">
-        <p14:creationId xmlns:p14="http://schemas.microsoft.com/office/powerpoint/2010/main" val="1512850893"/>
+        <p14:creationId xmlns:p14="http://schemas.microsoft.com/office/powerpoint/2010/main" val="3239910373"/>
       </p:ext>
     </p:extLst>
   </p:cSld>
@@ -6550,6 +6930,2244 @@
 </file>
 
 <file path=ppt/slides/slide4.xml><?xml version="1.0" encoding="utf-8"?>
+<p:sld xmlns:a="http://schemas.openxmlformats.org/drawingml/2006/main" xmlns:r="http://schemas.openxmlformats.org/officeDocument/2006/relationships" xmlns:p="http://schemas.openxmlformats.org/presentationml/2006/main">
+  <p:cSld>
+    <p:spTree>
+      <p:nvGrpSpPr>
+        <p:cNvPr id="1" name=""/>
+        <p:cNvGrpSpPr/>
+        <p:nvPr/>
+      </p:nvGrpSpPr>
+      <p:grpSpPr>
+        <a:xfrm>
+          <a:off x="0" y="0"/>
+          <a:ext cx="0" cy="0"/>
+          <a:chOff x="0" y="0"/>
+          <a:chExt cx="0" cy="0"/>
+        </a:xfrm>
+      </p:grpSpPr>
+      <p:sp>
+        <p:nvSpPr>
+          <p:cNvPr id="2" name="Title 1">
+            <a:extLst>
+              <a:ext uri="{FF2B5EF4-FFF2-40B4-BE49-F238E27FC236}">
+                <a16:creationId xmlns:a16="http://schemas.microsoft.com/office/drawing/2014/main" id="{CDA10DD0-CAF7-FCF2-C71C-053E2A6F58D5}"/>
+              </a:ext>
+            </a:extLst>
+          </p:cNvPr>
+          <p:cNvSpPr>
+            <a:spLocks noGrp="1"/>
+          </p:cNvSpPr>
+          <p:nvPr>
+            <p:ph type="title"/>
+          </p:nvPr>
+        </p:nvSpPr>
+        <p:spPr/>
+        <p:txBody>
+          <a:bodyPr/>
+          <a:lstStyle/>
+          <a:p>
+            <a:r>
+              <a:rPr lang="en-US" dirty="0"/>
+              <a:t>General Schema</a:t>
+            </a:r>
+          </a:p>
+        </p:txBody>
+      </p:sp>
+      <p:sp>
+        <p:nvSpPr>
+          <p:cNvPr id="3" name="Content Placeholder 2">
+            <a:extLst>
+              <a:ext uri="{FF2B5EF4-FFF2-40B4-BE49-F238E27FC236}">
+                <a16:creationId xmlns:a16="http://schemas.microsoft.com/office/drawing/2014/main" id="{59B276CB-2F78-4B0F-6E7E-6B423BC39AB6}"/>
+              </a:ext>
+            </a:extLst>
+          </p:cNvPr>
+          <p:cNvSpPr>
+            <a:spLocks noGrp="1"/>
+          </p:cNvSpPr>
+          <p:nvPr>
+            <p:ph idx="1"/>
+          </p:nvPr>
+        </p:nvSpPr>
+        <p:spPr>
+          <a:xfrm>
+            <a:off x="6126480" y="185280"/>
+            <a:ext cx="1210271" cy="1253308"/>
+          </a:xfrm>
+        </p:spPr>
+        <p:txBody>
+          <a:bodyPr>
+            <a:normAutofit fontScale="85000" lnSpcReduction="20000"/>
+          </a:bodyPr>
+          <a:lstStyle/>
+          <a:p>
+            <a:r>
+              <a:rPr lang="en-US" dirty="0"/>
+              <a:t>Legend:</a:t>
+            </a:r>
+          </a:p>
+          <a:p>
+            <a:r>
+              <a:rPr lang="en-US" dirty="0"/>
+              <a:t>Actors:</a:t>
+            </a:r>
+          </a:p>
+          <a:p>
+            <a:r>
+              <a:rPr lang="en-US" dirty="0"/>
+              <a:t>A – Alice</a:t>
+            </a:r>
+            <a:br>
+              <a:rPr lang="en-US" dirty="0"/>
+            </a:br>
+            <a:r>
+              <a:rPr lang="en-US" dirty="0"/>
+              <a:t>B - Bob</a:t>
+            </a:r>
+          </a:p>
+        </p:txBody>
+      </p:sp>
+      <p:sp>
+        <p:nvSpPr>
+          <p:cNvPr id="4" name="Rectangle 3">
+            <a:extLst>
+              <a:ext uri="{FF2B5EF4-FFF2-40B4-BE49-F238E27FC236}">
+                <a16:creationId xmlns:a16="http://schemas.microsoft.com/office/drawing/2014/main" id="{9B92BC23-FF5B-6AB4-7456-BC1C975AF9A4}"/>
+              </a:ext>
+            </a:extLst>
+          </p:cNvPr>
+          <p:cNvSpPr/>
+          <p:nvPr/>
+        </p:nvSpPr>
+        <p:spPr>
+          <a:xfrm>
+            <a:off x="2797331" y="1675963"/>
+            <a:ext cx="585417" cy="923330"/>
+          </a:xfrm>
+          <a:prstGeom prst="rect">
+            <a:avLst/>
+          </a:prstGeom>
+          <a:noFill/>
+        </p:spPr>
+        <p:txBody>
+          <a:bodyPr wrap="none" lIns="91440" tIns="45720" rIns="91440" bIns="45720">
+            <a:spAutoFit/>
+          </a:bodyPr>
+          <a:lstStyle/>
+          <a:p>
+            <a:pPr algn="ctr"/>
+            <a:r>
+              <a:rPr lang="en-US" sz="5400" b="0" cap="none" spc="0" dirty="0">
+                <a:ln w="0"/>
+                <a:solidFill>
+                  <a:schemeClr val="tx1"/>
+                </a:solidFill>
+                <a:effectLst>
+                  <a:outerShdw blurRad="38100" dist="19050" dir="2700000" algn="tl" rotWithShape="0">
+                    <a:schemeClr val="dk1">
+                      <a:alpha val="40000"/>
+                    </a:schemeClr>
+                  </a:outerShdw>
+                </a:effectLst>
+              </a:rPr>
+              <a:t>A</a:t>
+            </a:r>
+          </a:p>
+        </p:txBody>
+      </p:sp>
+      <p:sp>
+        <p:nvSpPr>
+          <p:cNvPr id="5" name="Rectangle 4">
+            <a:extLst>
+              <a:ext uri="{FF2B5EF4-FFF2-40B4-BE49-F238E27FC236}">
+                <a16:creationId xmlns:a16="http://schemas.microsoft.com/office/drawing/2014/main" id="{837DFC72-38A1-4677-94D6-9437A7809650}"/>
+              </a:ext>
+            </a:extLst>
+          </p:cNvPr>
+          <p:cNvSpPr/>
+          <p:nvPr/>
+        </p:nvSpPr>
+        <p:spPr>
+          <a:xfrm>
+            <a:off x="8235858" y="1680335"/>
+            <a:ext cx="561371" cy="923330"/>
+          </a:xfrm>
+          <a:prstGeom prst="rect">
+            <a:avLst/>
+          </a:prstGeom>
+          <a:noFill/>
+        </p:spPr>
+        <p:txBody>
+          <a:bodyPr wrap="none" lIns="91440" tIns="45720" rIns="91440" bIns="45720">
+            <a:spAutoFit/>
+          </a:bodyPr>
+          <a:lstStyle/>
+          <a:p>
+            <a:pPr algn="ctr"/>
+            <a:r>
+              <a:rPr lang="en-US" sz="5400" b="0" cap="none" spc="0" dirty="0">
+                <a:ln w="0"/>
+                <a:solidFill>
+                  <a:schemeClr val="tx1"/>
+                </a:solidFill>
+                <a:effectLst>
+                  <a:outerShdw blurRad="38100" dist="19050" dir="2700000" algn="tl" rotWithShape="0">
+                    <a:schemeClr val="dk1">
+                      <a:alpha val="40000"/>
+                    </a:schemeClr>
+                  </a:outerShdw>
+                </a:effectLst>
+              </a:rPr>
+              <a:t>B</a:t>
+            </a:r>
+          </a:p>
+        </p:txBody>
+      </p:sp>
+      <p:sp>
+        <p:nvSpPr>
+          <p:cNvPr id="6" name="Rectangle 5">
+            <a:extLst>
+              <a:ext uri="{FF2B5EF4-FFF2-40B4-BE49-F238E27FC236}">
+                <a16:creationId xmlns:a16="http://schemas.microsoft.com/office/drawing/2014/main" id="{15AC601D-C3FD-3846-8AF2-1C329072087A}"/>
+              </a:ext>
+            </a:extLst>
+          </p:cNvPr>
+          <p:cNvSpPr/>
+          <p:nvPr/>
+        </p:nvSpPr>
+        <p:spPr>
+          <a:xfrm>
+            <a:off x="2701951" y="2825212"/>
+            <a:ext cx="776175" cy="923330"/>
+          </a:xfrm>
+          <a:prstGeom prst="rect">
+            <a:avLst/>
+          </a:prstGeom>
+          <a:noFill/>
+        </p:spPr>
+        <p:txBody>
+          <a:bodyPr wrap="none" lIns="91440" tIns="45720" rIns="91440" bIns="45720">
+            <a:spAutoFit/>
+          </a:bodyPr>
+          <a:lstStyle/>
+          <a:p>
+            <a:pPr algn="ctr"/>
+            <a:r>
+              <a:rPr lang="en-US" sz="5400" b="0" cap="none" spc="0" dirty="0">
+                <a:ln w="0"/>
+                <a:solidFill>
+                  <a:schemeClr val="tx1"/>
+                </a:solidFill>
+                <a:effectLst>
+                  <a:outerShdw blurRad="38100" dist="19050" dir="2700000" algn="tl" rotWithShape="0">
+                    <a:schemeClr val="dk1">
+                      <a:alpha val="40000"/>
+                    </a:schemeClr>
+                  </a:outerShdw>
+                </a:effectLst>
+              </a:rPr>
+              <a:t>M</a:t>
+            </a:r>
+          </a:p>
+        </p:txBody>
+      </p:sp>
+      <p:sp>
+        <p:nvSpPr>
+          <p:cNvPr id="7" name="Rectangle 6">
+            <a:extLst>
+              <a:ext uri="{FF2B5EF4-FFF2-40B4-BE49-F238E27FC236}">
+                <a16:creationId xmlns:a16="http://schemas.microsoft.com/office/drawing/2014/main" id="{5CAC87F4-8721-D272-3ADD-599F3A849088}"/>
+              </a:ext>
+            </a:extLst>
+          </p:cNvPr>
+          <p:cNvSpPr/>
+          <p:nvPr/>
+        </p:nvSpPr>
+        <p:spPr>
+          <a:xfrm>
+            <a:off x="136216" y="2344884"/>
+            <a:ext cx="4708918" cy="400110"/>
+          </a:xfrm>
+          <a:prstGeom prst="rect">
+            <a:avLst/>
+          </a:prstGeom>
+          <a:noFill/>
+        </p:spPr>
+        <p:txBody>
+          <a:bodyPr wrap="none" lIns="91440" tIns="45720" rIns="91440" bIns="45720">
+            <a:spAutoFit/>
+          </a:bodyPr>
+          <a:lstStyle/>
+          <a:p>
+            <a:pPr algn="ctr"/>
+            <a:r>
+              <a:rPr lang="en-US" sz="2000" dirty="0">
+                <a:ln w="0"/>
+                <a:effectLst>
+                  <a:outerShdw blurRad="38100" dist="19050" dir="2700000" algn="tl" rotWithShape="0">
+                    <a:schemeClr val="dk1">
+                      <a:alpha val="40000"/>
+                    </a:schemeClr>
+                  </a:outerShdw>
+                </a:effectLst>
+              </a:rPr>
+              <a:t>(</a:t>
+            </a:r>
+            <a:r>
+              <a:rPr lang="en-US" sz="2000" dirty="0" err="1">
+                <a:ln w="0"/>
+                <a:effectLst>
+                  <a:outerShdw blurRad="38100" dist="19050" dir="2700000" algn="tl" rotWithShape="0">
+                    <a:schemeClr val="dk1">
+                      <a:alpha val="40000"/>
+                    </a:schemeClr>
+                  </a:outerShdw>
+                </a:effectLst>
+              </a:rPr>
+              <a:t>public_ECDSA_Alice</a:t>
+            </a:r>
+            <a:r>
+              <a:rPr lang="en-US" sz="2000" dirty="0">
+                <a:ln w="0"/>
+                <a:effectLst>
+                  <a:outerShdw blurRad="38100" dist="19050" dir="2700000" algn="tl" rotWithShape="0">
+                    <a:schemeClr val="dk1">
+                      <a:alpha val="40000"/>
+                    </a:schemeClr>
+                  </a:outerShdw>
+                </a:effectLst>
+              </a:rPr>
+              <a:t>, </a:t>
+            </a:r>
+            <a:r>
+              <a:rPr lang="en-US" sz="2000" dirty="0" err="1">
+                <a:ln w="0"/>
+                <a:effectLst>
+                  <a:outerShdw blurRad="38100" dist="19050" dir="2700000" algn="tl" rotWithShape="0">
+                    <a:schemeClr val="dk1">
+                      <a:alpha val="40000"/>
+                    </a:schemeClr>
+                  </a:outerShdw>
+                </a:effectLst>
+              </a:rPr>
+              <a:t>private_ECDSA_Alice</a:t>
+            </a:r>
+            <a:r>
+              <a:rPr lang="en-US" sz="2000" dirty="0">
+                <a:ln w="0"/>
+                <a:effectLst>
+                  <a:outerShdw blurRad="38100" dist="19050" dir="2700000" algn="tl" rotWithShape="0">
+                    <a:schemeClr val="dk1">
+                      <a:alpha val="40000"/>
+                    </a:schemeClr>
+                  </a:outerShdw>
+                </a:effectLst>
+              </a:rPr>
+              <a:t>)</a:t>
+            </a:r>
+            <a:endParaRPr lang="en-US" sz="2000" b="0" cap="none" spc="0" dirty="0">
+              <a:ln w="0"/>
+              <a:solidFill>
+                <a:schemeClr val="tx1"/>
+              </a:solidFill>
+              <a:effectLst>
+                <a:outerShdw blurRad="38100" dist="19050" dir="2700000" algn="tl" rotWithShape="0">
+                  <a:schemeClr val="dk1">
+                    <a:alpha val="40000"/>
+                  </a:schemeClr>
+                </a:outerShdw>
+              </a:effectLst>
+            </a:endParaRPr>
+          </a:p>
+        </p:txBody>
+      </p:sp>
+      <p:cxnSp>
+        <p:nvCxnSpPr>
+          <p:cNvPr id="10" name="Straight Arrow Connector 9">
+            <a:extLst>
+              <a:ext uri="{FF2B5EF4-FFF2-40B4-BE49-F238E27FC236}">
+                <a16:creationId xmlns:a16="http://schemas.microsoft.com/office/drawing/2014/main" id="{A2C2DC32-0156-6946-5363-B7E563BD2EC4}"/>
+              </a:ext>
+            </a:extLst>
+          </p:cNvPr>
+          <p:cNvCxnSpPr>
+            <a:cxnSpLocks/>
+          </p:cNvCxnSpPr>
+          <p:nvPr/>
+        </p:nvCxnSpPr>
+        <p:spPr>
+          <a:xfrm flipH="1">
+            <a:off x="3090039" y="2930981"/>
+            <a:ext cx="3913469" cy="761413"/>
+          </a:xfrm>
+          <a:prstGeom prst="straightConnector1">
+            <a:avLst/>
+          </a:prstGeom>
+          <a:ln>
+            <a:tailEnd type="triangle"/>
+          </a:ln>
+        </p:spPr>
+        <p:style>
+          <a:lnRef idx="1">
+            <a:schemeClr val="accent1"/>
+          </a:lnRef>
+          <a:fillRef idx="0">
+            <a:schemeClr val="accent1"/>
+          </a:fillRef>
+          <a:effectRef idx="0">
+            <a:schemeClr val="accent1"/>
+          </a:effectRef>
+          <a:fontRef idx="minor">
+            <a:schemeClr val="tx1"/>
+          </a:fontRef>
+        </p:style>
+      </p:cxnSp>
+      <p:sp>
+        <p:nvSpPr>
+          <p:cNvPr id="13" name="Rectangle 12">
+            <a:extLst>
+              <a:ext uri="{FF2B5EF4-FFF2-40B4-BE49-F238E27FC236}">
+                <a16:creationId xmlns:a16="http://schemas.microsoft.com/office/drawing/2014/main" id="{26FA6434-84BE-E45D-D8F7-A5AAF57EB7A9}"/>
+              </a:ext>
+            </a:extLst>
+          </p:cNvPr>
+          <p:cNvSpPr/>
+          <p:nvPr/>
+        </p:nvSpPr>
+        <p:spPr>
+          <a:xfrm>
+            <a:off x="5608629" y="2569009"/>
+            <a:ext cx="5087355" cy="400110"/>
+          </a:xfrm>
+          <a:prstGeom prst="rect">
+            <a:avLst/>
+          </a:prstGeom>
+          <a:noFill/>
+        </p:spPr>
+        <p:txBody>
+          <a:bodyPr wrap="none" lIns="91440" tIns="45720" rIns="91440" bIns="45720">
+            <a:spAutoFit/>
+          </a:bodyPr>
+          <a:lstStyle/>
+          <a:p>
+            <a:pPr algn="ctr"/>
+            <a:r>
+              <a:rPr lang="en-US" sz="2000" dirty="0">
+                <a:ln w="0"/>
+                <a:effectLst>
+                  <a:outerShdw blurRad="38100" dist="19050" dir="2700000" algn="tl" rotWithShape="0">
+                    <a:schemeClr val="dk1">
+                      <a:alpha val="40000"/>
+                    </a:schemeClr>
+                  </a:outerShdw>
+                </a:effectLst>
+              </a:rPr>
+              <a:t>(</a:t>
+            </a:r>
+            <a:r>
+              <a:rPr lang="en-US" sz="2000" dirty="0" err="1">
+                <a:ln w="0"/>
+                <a:effectLst>
+                  <a:outerShdw blurRad="38100" dist="19050" dir="2700000" algn="tl" rotWithShape="0">
+                    <a:schemeClr val="dk1">
+                      <a:alpha val="40000"/>
+                    </a:schemeClr>
+                  </a:outerShdw>
+                </a:effectLst>
+              </a:rPr>
+              <a:t>public_McEliece_Bob</a:t>
+            </a:r>
+            <a:r>
+              <a:rPr lang="en-US" sz="2000" dirty="0">
+                <a:ln w="0"/>
+                <a:effectLst>
+                  <a:outerShdw blurRad="38100" dist="19050" dir="2700000" algn="tl" rotWithShape="0">
+                    <a:schemeClr val="dk1">
+                      <a:alpha val="40000"/>
+                    </a:schemeClr>
+                  </a:outerShdw>
+                </a:effectLst>
+              </a:rPr>
+              <a:t>, </a:t>
+            </a:r>
+            <a:r>
+              <a:rPr lang="en-US" sz="2000" dirty="0" err="1">
+                <a:ln w="0"/>
+                <a:effectLst>
+                  <a:outerShdw blurRad="38100" dist="19050" dir="2700000" algn="tl" rotWithShape="0">
+                    <a:schemeClr val="dk1">
+                      <a:alpha val="40000"/>
+                    </a:schemeClr>
+                  </a:outerShdw>
+                </a:effectLst>
+              </a:rPr>
+              <a:t>private_McEliece_Bob</a:t>
+            </a:r>
+            <a:r>
+              <a:rPr lang="en-US" sz="2000" dirty="0">
+                <a:ln w="0"/>
+                <a:effectLst>
+                  <a:outerShdw blurRad="38100" dist="19050" dir="2700000" algn="tl" rotWithShape="0">
+                    <a:schemeClr val="dk1">
+                      <a:alpha val="40000"/>
+                    </a:schemeClr>
+                  </a:outerShdw>
+                </a:effectLst>
+              </a:rPr>
+              <a:t>)</a:t>
+            </a:r>
+            <a:endParaRPr lang="en-US" sz="2000" b="0" cap="none" spc="0" dirty="0">
+              <a:ln w="0"/>
+              <a:solidFill>
+                <a:schemeClr val="tx1"/>
+              </a:solidFill>
+              <a:effectLst>
+                <a:outerShdw blurRad="38100" dist="19050" dir="2700000" algn="tl" rotWithShape="0">
+                  <a:schemeClr val="dk1">
+                    <a:alpha val="40000"/>
+                  </a:schemeClr>
+                </a:outerShdw>
+              </a:effectLst>
+            </a:endParaRPr>
+          </a:p>
+        </p:txBody>
+      </p:sp>
+      <p:sp>
+        <p:nvSpPr>
+          <p:cNvPr id="15" name="Rectangle 14">
+            <a:extLst>
+              <a:ext uri="{FF2B5EF4-FFF2-40B4-BE49-F238E27FC236}">
+                <a16:creationId xmlns:a16="http://schemas.microsoft.com/office/drawing/2014/main" id="{752FAA5E-383B-6530-2F51-6A3629883B43}"/>
+              </a:ext>
+            </a:extLst>
+          </p:cNvPr>
+          <p:cNvSpPr/>
+          <p:nvPr/>
+        </p:nvSpPr>
+        <p:spPr>
+          <a:xfrm>
+            <a:off x="1186708" y="3877711"/>
+            <a:ext cx="1974900" cy="400110"/>
+          </a:xfrm>
+          <a:prstGeom prst="rect">
+            <a:avLst/>
+          </a:prstGeom>
+          <a:noFill/>
+        </p:spPr>
+        <p:txBody>
+          <a:bodyPr wrap="none" lIns="91440" tIns="45720" rIns="91440" bIns="45720">
+            <a:spAutoFit/>
+          </a:bodyPr>
+          <a:lstStyle/>
+          <a:p>
+            <a:pPr algn="ctr"/>
+            <a:r>
+              <a:rPr lang="en-US" sz="2000" dirty="0" err="1">
+                <a:ln w="0"/>
+                <a:effectLst>
+                  <a:outerShdw blurRad="38100" dist="19050" dir="2700000" algn="tl" rotWithShape="0">
+                    <a:schemeClr val="dk1">
+                      <a:alpha val="40000"/>
+                    </a:schemeClr>
+                  </a:outerShdw>
+                </a:effectLst>
+              </a:rPr>
+              <a:t>E</a:t>
+            </a:r>
+            <a:r>
+              <a:rPr lang="en-US" sz="2000" baseline="-25000" dirty="0" err="1">
+                <a:ln w="0"/>
+                <a:effectLst>
+                  <a:outerShdw blurRad="38100" dist="19050" dir="2700000" algn="tl" rotWithShape="0">
+                    <a:schemeClr val="dk1">
+                      <a:alpha val="40000"/>
+                    </a:schemeClr>
+                  </a:outerShdw>
+                </a:effectLst>
+              </a:rPr>
+              <a:t>Blowfish_key</a:t>
+            </a:r>
+            <a:r>
+              <a:rPr lang="en-US" sz="2000" b="0" cap="none" spc="0" dirty="0">
+                <a:ln w="0"/>
+                <a:solidFill>
+                  <a:schemeClr val="tx1"/>
+                </a:solidFill>
+                <a:effectLst>
+                  <a:outerShdw blurRad="38100" dist="19050" dir="2700000" algn="tl" rotWithShape="0">
+                    <a:schemeClr val="dk1">
+                      <a:alpha val="40000"/>
+                    </a:schemeClr>
+                  </a:outerShdw>
+                </a:effectLst>
+              </a:rPr>
+              <a:t>(M) = C</a:t>
+            </a:r>
+          </a:p>
+        </p:txBody>
+      </p:sp>
+      <p:sp>
+        <p:nvSpPr>
+          <p:cNvPr id="16" name="Rectangle 15">
+            <a:extLst>
+              <a:ext uri="{FF2B5EF4-FFF2-40B4-BE49-F238E27FC236}">
+                <a16:creationId xmlns:a16="http://schemas.microsoft.com/office/drawing/2014/main" id="{0A3A9CB0-D21B-E8B2-7B6B-D704B67C768F}"/>
+              </a:ext>
+            </a:extLst>
+          </p:cNvPr>
+          <p:cNvSpPr/>
+          <p:nvPr/>
+        </p:nvSpPr>
+        <p:spPr>
+          <a:xfrm>
+            <a:off x="223829" y="4324322"/>
+            <a:ext cx="4998994" cy="400110"/>
+          </a:xfrm>
+          <a:prstGeom prst="rect">
+            <a:avLst/>
+          </a:prstGeom>
+          <a:noFill/>
+        </p:spPr>
+        <p:txBody>
+          <a:bodyPr wrap="square" lIns="91440" tIns="45720" rIns="91440" bIns="45720">
+            <a:spAutoFit/>
+          </a:bodyPr>
+          <a:lstStyle/>
+          <a:p>
+            <a:pPr algn="ctr"/>
+            <a:r>
+              <a:rPr lang="en-US" sz="2000" dirty="0" err="1">
+                <a:ln w="0"/>
+                <a:effectLst>
+                  <a:outerShdw blurRad="38100" dist="19050" dir="2700000" algn="tl" rotWithShape="0">
+                    <a:schemeClr val="dk1">
+                      <a:alpha val="40000"/>
+                    </a:schemeClr>
+                  </a:outerShdw>
+                </a:effectLst>
+              </a:rPr>
+              <a:t>E</a:t>
+            </a:r>
+            <a:r>
+              <a:rPr lang="en-US" sz="2000" baseline="-25000" dirty="0" err="1">
+                <a:ln w="0"/>
+                <a:effectLst>
+                  <a:outerShdw blurRad="38100" dist="19050" dir="2700000" algn="tl" rotWithShape="0">
+                    <a:schemeClr val="dk1">
+                      <a:alpha val="40000"/>
+                    </a:schemeClr>
+                  </a:outerShdw>
+                </a:effectLst>
+              </a:rPr>
+              <a:t>McEliece</a:t>
+            </a:r>
+            <a:r>
+              <a:rPr lang="en-US" sz="2000" b="0" cap="none" spc="0" dirty="0">
+                <a:ln w="0"/>
+                <a:solidFill>
+                  <a:schemeClr val="tx1"/>
+                </a:solidFill>
+                <a:effectLst>
+                  <a:outerShdw blurRad="38100" dist="19050" dir="2700000" algn="tl" rotWithShape="0">
+                    <a:schemeClr val="dk1">
+                      <a:alpha val="40000"/>
+                    </a:schemeClr>
+                  </a:outerShdw>
+                </a:effectLst>
+              </a:rPr>
+              <a:t>(</a:t>
+            </a:r>
+            <a:r>
+              <a:rPr lang="en-US" sz="2000" b="0" cap="none" spc="0" dirty="0" err="1">
+                <a:ln w="0"/>
+                <a:solidFill>
+                  <a:schemeClr val="tx1"/>
+                </a:solidFill>
+                <a:effectLst>
+                  <a:outerShdw blurRad="38100" dist="19050" dir="2700000" algn="tl" rotWithShape="0">
+                    <a:schemeClr val="dk1">
+                      <a:alpha val="40000"/>
+                    </a:schemeClr>
+                  </a:outerShdw>
+                </a:effectLst>
+              </a:rPr>
+              <a:t>k_bf</a:t>
+            </a:r>
+            <a:r>
+              <a:rPr lang="en-US" sz="2000" b="0" cap="none" spc="0" dirty="0">
+                <a:ln w="0"/>
+                <a:solidFill>
+                  <a:schemeClr val="tx1"/>
+                </a:solidFill>
+                <a:effectLst>
+                  <a:outerShdw blurRad="38100" dist="19050" dir="2700000" algn="tl" rotWithShape="0">
+                    <a:schemeClr val="dk1">
+                      <a:alpha val="40000"/>
+                    </a:schemeClr>
+                  </a:outerShdw>
+                </a:effectLst>
+              </a:rPr>
+              <a:t>) = </a:t>
+            </a:r>
+            <a:r>
+              <a:rPr lang="en-US" sz="2000" b="0" cap="none" spc="0" dirty="0" err="1">
+                <a:ln w="0"/>
+                <a:solidFill>
+                  <a:schemeClr val="tx1"/>
+                </a:solidFill>
+                <a:effectLst>
+                  <a:outerShdw blurRad="38100" dist="19050" dir="2700000" algn="tl" rotWithShape="0">
+                    <a:schemeClr val="dk1">
+                      <a:alpha val="40000"/>
+                    </a:schemeClr>
+                  </a:outerShdw>
+                </a:effectLst>
+              </a:rPr>
+              <a:t>Enc_K</a:t>
+            </a:r>
+            <a:endParaRPr lang="en-US" sz="2000" b="0" cap="none" spc="0" dirty="0">
+              <a:ln w="0"/>
+              <a:solidFill>
+                <a:schemeClr val="tx1"/>
+              </a:solidFill>
+              <a:effectLst>
+                <a:outerShdw blurRad="38100" dist="19050" dir="2700000" algn="tl" rotWithShape="0">
+                  <a:schemeClr val="dk1">
+                    <a:alpha val="40000"/>
+                  </a:schemeClr>
+                </a:outerShdw>
+              </a:effectLst>
+            </a:endParaRPr>
+          </a:p>
+        </p:txBody>
+      </p:sp>
+      <p:sp>
+        <p:nvSpPr>
+          <p:cNvPr id="17" name="Rectangle 16">
+            <a:extLst>
+              <a:ext uri="{FF2B5EF4-FFF2-40B4-BE49-F238E27FC236}">
+                <a16:creationId xmlns:a16="http://schemas.microsoft.com/office/drawing/2014/main" id="{1A318370-8D84-B15E-A409-B030484AFC56}"/>
+              </a:ext>
+            </a:extLst>
+          </p:cNvPr>
+          <p:cNvSpPr/>
+          <p:nvPr/>
+        </p:nvSpPr>
+        <p:spPr>
+          <a:xfrm>
+            <a:off x="68604" y="4788930"/>
+            <a:ext cx="4844143" cy="400110"/>
+          </a:xfrm>
+          <a:prstGeom prst="rect">
+            <a:avLst/>
+          </a:prstGeom>
+          <a:noFill/>
+        </p:spPr>
+        <p:txBody>
+          <a:bodyPr wrap="square" lIns="91440" tIns="45720" rIns="91440" bIns="45720">
+            <a:spAutoFit/>
+          </a:bodyPr>
+          <a:lstStyle/>
+          <a:p>
+            <a:pPr algn="ctr"/>
+            <a:r>
+              <a:rPr lang="en-US" sz="2000" b="0" cap="none" spc="0" dirty="0">
+                <a:ln w="0"/>
+                <a:solidFill>
+                  <a:schemeClr val="tx1"/>
+                </a:solidFill>
+                <a:effectLst>
+                  <a:outerShdw blurRad="38100" dist="19050" dir="2700000" algn="tl" rotWithShape="0">
+                    <a:schemeClr val="dk1">
+                      <a:alpha val="40000"/>
+                    </a:schemeClr>
+                  </a:outerShdw>
+                </a:effectLst>
+              </a:rPr>
+              <a:t>H = </a:t>
+            </a:r>
+            <a:r>
+              <a:rPr lang="en-US" sz="2000" b="0" cap="none" spc="0" dirty="0" err="1">
+                <a:ln w="0"/>
+                <a:solidFill>
+                  <a:schemeClr val="tx1"/>
+                </a:solidFill>
+                <a:effectLst>
+                  <a:outerShdw blurRad="38100" dist="19050" dir="2700000" algn="tl" rotWithShape="0">
+                    <a:schemeClr val="dk1">
+                      <a:alpha val="40000"/>
+                    </a:schemeClr>
+                  </a:outerShdw>
+                </a:effectLst>
+              </a:rPr>
+              <a:t>Hash</a:t>
+            </a:r>
+            <a:r>
+              <a:rPr lang="en-US" sz="2000" b="0" cap="none" spc="0" baseline="-25000" dirty="0" err="1">
+                <a:ln w="0"/>
+                <a:solidFill>
+                  <a:schemeClr val="tx1"/>
+                </a:solidFill>
+                <a:effectLst>
+                  <a:outerShdw blurRad="38100" dist="19050" dir="2700000" algn="tl" rotWithShape="0">
+                    <a:schemeClr val="dk1">
+                      <a:alpha val="40000"/>
+                    </a:schemeClr>
+                  </a:outerShdw>
+                </a:effectLst>
+              </a:rPr>
+              <a:t>ECDSA</a:t>
+            </a:r>
+            <a:r>
+              <a:rPr lang="en-US" sz="2000" dirty="0"/>
+              <a:t>(C || </a:t>
+            </a:r>
+            <a:r>
+              <a:rPr lang="en-US" sz="2000" dirty="0" err="1"/>
+              <a:t>Enc_K</a:t>
+            </a:r>
+            <a:r>
+              <a:rPr lang="en-US" sz="2000" dirty="0"/>
+              <a:t>)</a:t>
+            </a:r>
+            <a:endParaRPr lang="en-US" sz="2000" b="0" cap="none" spc="0" dirty="0">
+              <a:ln w="0"/>
+              <a:solidFill>
+                <a:schemeClr val="tx1"/>
+              </a:solidFill>
+              <a:effectLst>
+                <a:outerShdw blurRad="38100" dist="19050" dir="2700000" algn="tl" rotWithShape="0">
+                  <a:schemeClr val="dk1">
+                    <a:alpha val="40000"/>
+                  </a:schemeClr>
+                </a:outerShdw>
+              </a:effectLst>
+            </a:endParaRPr>
+          </a:p>
+        </p:txBody>
+      </p:sp>
+      <p:sp>
+        <p:nvSpPr>
+          <p:cNvPr id="19" name="TextBox 18">
+            <a:extLst>
+              <a:ext uri="{FF2B5EF4-FFF2-40B4-BE49-F238E27FC236}">
+                <a16:creationId xmlns:a16="http://schemas.microsoft.com/office/drawing/2014/main" id="{42BFB8D2-55FA-B929-6CD1-9242C896750D}"/>
+              </a:ext>
+            </a:extLst>
+          </p:cNvPr>
+          <p:cNvSpPr txBox="1"/>
+          <p:nvPr/>
+        </p:nvSpPr>
+        <p:spPr>
+          <a:xfrm>
+            <a:off x="960677" y="5678539"/>
+            <a:ext cx="4844143" cy="369332"/>
+          </a:xfrm>
+          <a:prstGeom prst="rect">
+            <a:avLst/>
+          </a:prstGeom>
+          <a:noFill/>
+        </p:spPr>
+        <p:txBody>
+          <a:bodyPr wrap="square">
+            <a:spAutoFit/>
+          </a:bodyPr>
+          <a:lstStyle/>
+          <a:p>
+            <a:r>
+              <a:rPr lang="it-IT" dirty="0"/>
+              <a:t>Sig = ECDSA_Sign(Private_ECDSA_Alice, H)</a:t>
+            </a:r>
+            <a:endParaRPr lang="en-US" dirty="0"/>
+          </a:p>
+        </p:txBody>
+      </p:sp>
+      <p:sp>
+        <p:nvSpPr>
+          <p:cNvPr id="20" name="TextBox 19">
+            <a:extLst>
+              <a:ext uri="{FF2B5EF4-FFF2-40B4-BE49-F238E27FC236}">
+                <a16:creationId xmlns:a16="http://schemas.microsoft.com/office/drawing/2014/main" id="{11D60E9D-D82A-498B-F043-9A0A382B6D49}"/>
+              </a:ext>
+            </a:extLst>
+          </p:cNvPr>
+          <p:cNvSpPr txBox="1"/>
+          <p:nvPr/>
+        </p:nvSpPr>
+        <p:spPr>
+          <a:xfrm>
+            <a:off x="1056054" y="6017204"/>
+            <a:ext cx="3472403" cy="369332"/>
+          </a:xfrm>
+          <a:prstGeom prst="rect">
+            <a:avLst/>
+          </a:prstGeom>
+          <a:noFill/>
+        </p:spPr>
+        <p:txBody>
+          <a:bodyPr wrap="square">
+            <a:spAutoFit/>
+          </a:bodyPr>
+          <a:lstStyle/>
+          <a:p>
+            <a:r>
+              <a:rPr lang="it-IT" dirty="0"/>
+              <a:t>{C,Enc_K, Sig, Public_ECDSA_Alice}</a:t>
+            </a:r>
+            <a:endParaRPr lang="en-US" dirty="0"/>
+          </a:p>
+        </p:txBody>
+      </p:sp>
+      <p:cxnSp>
+        <p:nvCxnSpPr>
+          <p:cNvPr id="21" name="Straight Arrow Connector 20">
+            <a:extLst>
+              <a:ext uri="{FF2B5EF4-FFF2-40B4-BE49-F238E27FC236}">
+                <a16:creationId xmlns:a16="http://schemas.microsoft.com/office/drawing/2014/main" id="{533B08D8-16FF-FA29-9467-9D27CF50B739}"/>
+              </a:ext>
+            </a:extLst>
+          </p:cNvPr>
+          <p:cNvCxnSpPr>
+            <a:cxnSpLocks/>
+          </p:cNvCxnSpPr>
+          <p:nvPr/>
+        </p:nvCxnSpPr>
+        <p:spPr>
+          <a:xfrm flipV="1">
+            <a:off x="4528457" y="3600713"/>
+            <a:ext cx="3988087" cy="2648199"/>
+          </a:xfrm>
+          <a:prstGeom prst="straightConnector1">
+            <a:avLst/>
+          </a:prstGeom>
+          <a:ln>
+            <a:tailEnd type="triangle"/>
+          </a:ln>
+        </p:spPr>
+        <p:style>
+          <a:lnRef idx="1">
+            <a:schemeClr val="accent1"/>
+          </a:lnRef>
+          <a:fillRef idx="0">
+            <a:schemeClr val="accent1"/>
+          </a:fillRef>
+          <a:effectRef idx="0">
+            <a:schemeClr val="accent1"/>
+          </a:effectRef>
+          <a:fontRef idx="minor">
+            <a:schemeClr val="tx1"/>
+          </a:fontRef>
+        </p:style>
+      </p:cxnSp>
+      <p:sp>
+        <p:nvSpPr>
+          <p:cNvPr id="25" name="TextBox 24">
+            <a:extLst>
+              <a:ext uri="{FF2B5EF4-FFF2-40B4-BE49-F238E27FC236}">
+                <a16:creationId xmlns:a16="http://schemas.microsoft.com/office/drawing/2014/main" id="{F7439F32-0400-CD8F-38D4-1B910C88CEEE}"/>
+              </a:ext>
+            </a:extLst>
+          </p:cNvPr>
+          <p:cNvSpPr txBox="1"/>
+          <p:nvPr/>
+        </p:nvSpPr>
+        <p:spPr>
+          <a:xfrm>
+            <a:off x="8699138" y="3743030"/>
+            <a:ext cx="2456542" cy="369332"/>
+          </a:xfrm>
+          <a:prstGeom prst="rect">
+            <a:avLst/>
+          </a:prstGeom>
+          <a:noFill/>
+        </p:spPr>
+        <p:txBody>
+          <a:bodyPr wrap="square">
+            <a:spAutoFit/>
+          </a:bodyPr>
+          <a:lstStyle/>
+          <a:p>
+            <a:r>
+              <a:rPr lang="pt-BR" dirty="0"/>
+              <a:t>H' = Hash(C || Enc_K)</a:t>
+            </a:r>
+            <a:endParaRPr lang="en-US" dirty="0"/>
+          </a:p>
+        </p:txBody>
+      </p:sp>
+      <p:sp>
+        <p:nvSpPr>
+          <p:cNvPr id="28" name="TextBox 27">
+            <a:extLst>
+              <a:ext uri="{FF2B5EF4-FFF2-40B4-BE49-F238E27FC236}">
+                <a16:creationId xmlns:a16="http://schemas.microsoft.com/office/drawing/2014/main" id="{260B7673-B321-09BE-3B10-C36E24C4A0CF}"/>
+              </a:ext>
+            </a:extLst>
+          </p:cNvPr>
+          <p:cNvSpPr txBox="1"/>
+          <p:nvPr/>
+        </p:nvSpPr>
+        <p:spPr>
+          <a:xfrm>
+            <a:off x="861279" y="3492395"/>
+            <a:ext cx="2238828" cy="369332"/>
+          </a:xfrm>
+          <a:prstGeom prst="rect">
+            <a:avLst/>
+          </a:prstGeom>
+          <a:noFill/>
+        </p:spPr>
+        <p:txBody>
+          <a:bodyPr wrap="square">
+            <a:spAutoFit/>
+          </a:bodyPr>
+          <a:lstStyle/>
+          <a:p>
+            <a:r>
+              <a:rPr lang="en-US" sz="1800" dirty="0" err="1">
+                <a:ln w="0"/>
+                <a:effectLst>
+                  <a:outerShdw blurRad="38100" dist="19050" dir="2700000" algn="tl" rotWithShape="0">
+                    <a:schemeClr val="dk1">
+                      <a:alpha val="40000"/>
+                    </a:schemeClr>
+                  </a:outerShdw>
+                </a:effectLst>
+              </a:rPr>
+              <a:t>public_McEliece_Bob</a:t>
+            </a:r>
+            <a:endParaRPr lang="en-US" dirty="0"/>
+          </a:p>
+        </p:txBody>
+      </p:sp>
+      <p:sp>
+        <p:nvSpPr>
+          <p:cNvPr id="29" name="TextBox 28">
+            <a:extLst>
+              <a:ext uri="{FF2B5EF4-FFF2-40B4-BE49-F238E27FC236}">
+                <a16:creationId xmlns:a16="http://schemas.microsoft.com/office/drawing/2014/main" id="{24DEB951-FFDA-BA48-BFFA-6D118793BD8E}"/>
+              </a:ext>
+            </a:extLst>
+          </p:cNvPr>
+          <p:cNvSpPr txBox="1"/>
+          <p:nvPr/>
+        </p:nvSpPr>
+        <p:spPr>
+          <a:xfrm>
+            <a:off x="7958739" y="3147077"/>
+            <a:ext cx="3472403" cy="369332"/>
+          </a:xfrm>
+          <a:prstGeom prst="rect">
+            <a:avLst/>
+          </a:prstGeom>
+          <a:noFill/>
+        </p:spPr>
+        <p:txBody>
+          <a:bodyPr wrap="square">
+            <a:spAutoFit/>
+          </a:bodyPr>
+          <a:lstStyle/>
+          <a:p>
+            <a:r>
+              <a:rPr lang="it-IT" dirty="0"/>
+              <a:t>{C,Enc_K, Sig, Public_ECDSA_Alice}</a:t>
+            </a:r>
+            <a:endParaRPr lang="en-US" dirty="0"/>
+          </a:p>
+        </p:txBody>
+      </p:sp>
+      <p:sp>
+        <p:nvSpPr>
+          <p:cNvPr id="32" name="TextBox 31">
+            <a:extLst>
+              <a:ext uri="{FF2B5EF4-FFF2-40B4-BE49-F238E27FC236}">
+                <a16:creationId xmlns:a16="http://schemas.microsoft.com/office/drawing/2014/main" id="{FCC3A69D-872A-DF98-729A-F9BAD72D194C}"/>
+              </a:ext>
+            </a:extLst>
+          </p:cNvPr>
+          <p:cNvSpPr txBox="1"/>
+          <p:nvPr/>
+        </p:nvSpPr>
+        <p:spPr>
+          <a:xfrm>
+            <a:off x="7491957" y="4183960"/>
+            <a:ext cx="4998993" cy="369332"/>
+          </a:xfrm>
+          <a:prstGeom prst="rect">
+            <a:avLst/>
+          </a:prstGeom>
+          <a:noFill/>
+        </p:spPr>
+        <p:txBody>
+          <a:bodyPr wrap="square">
+            <a:spAutoFit/>
+          </a:bodyPr>
+          <a:lstStyle/>
+          <a:p>
+            <a:r>
+              <a:rPr lang="en-US" dirty="0"/>
+              <a:t>Verify</a:t>
+            </a:r>
+            <a:r>
+              <a:rPr lang="en-US" baseline="-25000" dirty="0"/>
+              <a:t>ECDSA</a:t>
+            </a:r>
+            <a:r>
+              <a:rPr lang="en-US" dirty="0"/>
+              <a:t>(</a:t>
+            </a:r>
+            <a:r>
+              <a:rPr lang="en-US" dirty="0" err="1"/>
+              <a:t>Public_ECDSA_Alice</a:t>
+            </a:r>
+            <a:r>
+              <a:rPr lang="en-US" dirty="0"/>
+              <a:t>, Signature, H')</a:t>
+            </a:r>
+          </a:p>
+        </p:txBody>
+      </p:sp>
+      <p:sp>
+        <p:nvSpPr>
+          <p:cNvPr id="34" name="TextBox 33">
+            <a:extLst>
+              <a:ext uri="{FF2B5EF4-FFF2-40B4-BE49-F238E27FC236}">
+                <a16:creationId xmlns:a16="http://schemas.microsoft.com/office/drawing/2014/main" id="{96D2FC2D-C288-A90E-FFD3-EBF98868CFD2}"/>
+              </a:ext>
+            </a:extLst>
+          </p:cNvPr>
+          <p:cNvSpPr txBox="1"/>
+          <p:nvPr/>
+        </p:nvSpPr>
+        <p:spPr>
+          <a:xfrm>
+            <a:off x="6882756" y="4903438"/>
+            <a:ext cx="4597216" cy="369332"/>
+          </a:xfrm>
+          <a:prstGeom prst="rect">
+            <a:avLst/>
+          </a:prstGeom>
+          <a:noFill/>
+        </p:spPr>
+        <p:txBody>
+          <a:bodyPr wrap="square">
+            <a:spAutoFit/>
+          </a:bodyPr>
+          <a:lstStyle/>
+          <a:p>
+            <a:r>
+              <a:rPr lang="en-US" dirty="0" err="1"/>
+              <a:t>D</a:t>
+            </a:r>
+            <a:r>
+              <a:rPr lang="en-US" baseline="-25000" dirty="0" err="1"/>
+              <a:t>McE</a:t>
+            </a:r>
+            <a:r>
+              <a:rPr lang="en-US" dirty="0"/>
+              <a:t>(</a:t>
+            </a:r>
+            <a:r>
+              <a:rPr lang="en-US" dirty="0" err="1"/>
+              <a:t>Private_McE_Bob</a:t>
+            </a:r>
+            <a:r>
+              <a:rPr lang="en-US" dirty="0"/>
+              <a:t>, </a:t>
+            </a:r>
+            <a:r>
+              <a:rPr lang="en-US" dirty="0" err="1"/>
+              <a:t>Enc_K</a:t>
+            </a:r>
+            <a:r>
+              <a:rPr lang="en-US" dirty="0"/>
+              <a:t>) = </a:t>
+            </a:r>
+            <a:r>
+              <a:rPr lang="en-US" dirty="0" err="1"/>
+              <a:t>K_bf</a:t>
+            </a:r>
+            <a:endParaRPr lang="en-US" dirty="0"/>
+          </a:p>
+        </p:txBody>
+      </p:sp>
+      <p:sp>
+        <p:nvSpPr>
+          <p:cNvPr id="36" name="TextBox 35">
+            <a:extLst>
+              <a:ext uri="{FF2B5EF4-FFF2-40B4-BE49-F238E27FC236}">
+                <a16:creationId xmlns:a16="http://schemas.microsoft.com/office/drawing/2014/main" id="{71ED3222-B928-F8A9-1035-ED1BF28CE758}"/>
+              </a:ext>
+            </a:extLst>
+          </p:cNvPr>
+          <p:cNvSpPr txBox="1"/>
+          <p:nvPr/>
+        </p:nvSpPr>
+        <p:spPr>
+          <a:xfrm>
+            <a:off x="7740903" y="5226929"/>
+            <a:ext cx="2203991" cy="369332"/>
+          </a:xfrm>
+          <a:prstGeom prst="rect">
+            <a:avLst/>
+          </a:prstGeom>
+          <a:noFill/>
+        </p:spPr>
+        <p:txBody>
+          <a:bodyPr wrap="square">
+            <a:spAutoFit/>
+          </a:bodyPr>
+          <a:lstStyle/>
+          <a:p>
+            <a:r>
+              <a:rPr lang="en-US" dirty="0" err="1"/>
+              <a:t>D</a:t>
+            </a:r>
+            <a:r>
+              <a:rPr lang="en-US" baseline="-25000" dirty="0" err="1"/>
+              <a:t>Blowfish</a:t>
+            </a:r>
+            <a:r>
+              <a:rPr lang="en-US" dirty="0"/>
+              <a:t>(</a:t>
+            </a:r>
+            <a:r>
+              <a:rPr lang="en-US" dirty="0" err="1"/>
+              <a:t>K_bf</a:t>
+            </a:r>
+            <a:r>
+              <a:rPr lang="en-US" dirty="0"/>
+              <a:t>, C) = M</a:t>
+            </a:r>
+          </a:p>
+        </p:txBody>
+      </p:sp>
+      <p:cxnSp>
+        <p:nvCxnSpPr>
+          <p:cNvPr id="37" name="Straight Arrow Connector 36">
+            <a:extLst>
+              <a:ext uri="{FF2B5EF4-FFF2-40B4-BE49-F238E27FC236}">
+                <a16:creationId xmlns:a16="http://schemas.microsoft.com/office/drawing/2014/main" id="{D560715D-026F-AB80-5C42-47F90E326422}"/>
+              </a:ext>
+            </a:extLst>
+          </p:cNvPr>
+          <p:cNvCxnSpPr>
+            <a:cxnSpLocks/>
+          </p:cNvCxnSpPr>
+          <p:nvPr/>
+        </p:nvCxnSpPr>
+        <p:spPr>
+          <a:xfrm flipH="1">
+            <a:off x="8904902" y="4553292"/>
+            <a:ext cx="896142" cy="371520"/>
+          </a:xfrm>
+          <a:prstGeom prst="straightConnector1">
+            <a:avLst/>
+          </a:prstGeom>
+          <a:ln>
+            <a:tailEnd type="triangle"/>
+          </a:ln>
+        </p:spPr>
+        <p:style>
+          <a:lnRef idx="1">
+            <a:schemeClr val="accent1"/>
+          </a:lnRef>
+          <a:fillRef idx="0">
+            <a:schemeClr val="accent1"/>
+          </a:fillRef>
+          <a:effectRef idx="0">
+            <a:schemeClr val="accent1"/>
+          </a:effectRef>
+          <a:fontRef idx="minor">
+            <a:schemeClr val="tx1"/>
+          </a:fontRef>
+        </p:style>
+      </p:cxnSp>
+      <p:cxnSp>
+        <p:nvCxnSpPr>
+          <p:cNvPr id="40" name="Straight Arrow Connector 39">
+            <a:extLst>
+              <a:ext uri="{FF2B5EF4-FFF2-40B4-BE49-F238E27FC236}">
+                <a16:creationId xmlns:a16="http://schemas.microsoft.com/office/drawing/2014/main" id="{CF5D193B-D738-4FE3-8AA0-13F809583272}"/>
+              </a:ext>
+            </a:extLst>
+          </p:cNvPr>
+          <p:cNvCxnSpPr>
+            <a:cxnSpLocks/>
+          </p:cNvCxnSpPr>
+          <p:nvPr/>
+        </p:nvCxnSpPr>
+        <p:spPr>
+          <a:xfrm>
+            <a:off x="10246490" y="4553292"/>
+            <a:ext cx="711548" cy="226621"/>
+          </a:xfrm>
+          <a:prstGeom prst="straightConnector1">
+            <a:avLst/>
+          </a:prstGeom>
+          <a:ln>
+            <a:tailEnd type="triangle"/>
+          </a:ln>
+        </p:spPr>
+        <p:style>
+          <a:lnRef idx="1">
+            <a:schemeClr val="accent1"/>
+          </a:lnRef>
+          <a:fillRef idx="0">
+            <a:schemeClr val="accent1"/>
+          </a:fillRef>
+          <a:effectRef idx="0">
+            <a:schemeClr val="accent1"/>
+          </a:effectRef>
+          <a:fontRef idx="minor">
+            <a:schemeClr val="tx1"/>
+          </a:fontRef>
+        </p:style>
+      </p:cxnSp>
+      <p:sp>
+        <p:nvSpPr>
+          <p:cNvPr id="43" name="TextBox 42">
+            <a:extLst>
+              <a:ext uri="{FF2B5EF4-FFF2-40B4-BE49-F238E27FC236}">
+                <a16:creationId xmlns:a16="http://schemas.microsoft.com/office/drawing/2014/main" id="{B590465D-2546-97E7-3396-652F28D5E036}"/>
+              </a:ext>
+            </a:extLst>
+          </p:cNvPr>
+          <p:cNvSpPr txBox="1"/>
+          <p:nvPr/>
+        </p:nvSpPr>
+        <p:spPr>
+          <a:xfrm>
+            <a:off x="8644460" y="4486077"/>
+            <a:ext cx="711548" cy="369332"/>
+          </a:xfrm>
+          <a:prstGeom prst="rect">
+            <a:avLst/>
+          </a:prstGeom>
+          <a:noFill/>
+        </p:spPr>
+        <p:txBody>
+          <a:bodyPr wrap="square">
+            <a:spAutoFit/>
+          </a:bodyPr>
+          <a:lstStyle/>
+          <a:p>
+            <a:r>
+              <a:rPr lang="en-US" dirty="0"/>
+              <a:t>Valid</a:t>
+            </a:r>
+          </a:p>
+        </p:txBody>
+      </p:sp>
+      <p:sp>
+        <p:nvSpPr>
+          <p:cNvPr id="44" name="TextBox 43">
+            <a:extLst>
+              <a:ext uri="{FF2B5EF4-FFF2-40B4-BE49-F238E27FC236}">
+                <a16:creationId xmlns:a16="http://schemas.microsoft.com/office/drawing/2014/main" id="{D2741296-DF77-67E3-1713-3E383E0C9378}"/>
+              </a:ext>
+            </a:extLst>
+          </p:cNvPr>
+          <p:cNvSpPr txBox="1"/>
+          <p:nvPr/>
+        </p:nvSpPr>
+        <p:spPr>
+          <a:xfrm>
+            <a:off x="10691936" y="4481936"/>
+            <a:ext cx="711548" cy="369332"/>
+          </a:xfrm>
+          <a:prstGeom prst="rect">
+            <a:avLst/>
+          </a:prstGeom>
+          <a:noFill/>
+        </p:spPr>
+        <p:txBody>
+          <a:bodyPr wrap="square">
+            <a:spAutoFit/>
+          </a:bodyPr>
+          <a:lstStyle/>
+          <a:p>
+            <a:r>
+              <a:rPr lang="en-US" dirty="0"/>
+              <a:t>Else</a:t>
+            </a:r>
+          </a:p>
+        </p:txBody>
+      </p:sp>
+      <p:sp>
+        <p:nvSpPr>
+          <p:cNvPr id="45" name="TextBox 44">
+            <a:extLst>
+              <a:ext uri="{FF2B5EF4-FFF2-40B4-BE49-F238E27FC236}">
+                <a16:creationId xmlns:a16="http://schemas.microsoft.com/office/drawing/2014/main" id="{7C75167E-7EC0-2691-37EE-B5D03311CF5C}"/>
+              </a:ext>
+            </a:extLst>
+          </p:cNvPr>
+          <p:cNvSpPr txBox="1"/>
+          <p:nvPr/>
+        </p:nvSpPr>
+        <p:spPr>
+          <a:xfrm>
+            <a:off x="10870843" y="4718772"/>
+            <a:ext cx="896142" cy="369332"/>
+          </a:xfrm>
+          <a:prstGeom prst="rect">
+            <a:avLst/>
+          </a:prstGeom>
+          <a:noFill/>
+        </p:spPr>
+        <p:txBody>
+          <a:bodyPr wrap="square">
+            <a:spAutoFit/>
+          </a:bodyPr>
+          <a:lstStyle/>
+          <a:p>
+            <a:r>
+              <a:rPr lang="en-US" dirty="0"/>
+              <a:t>Reject</a:t>
+            </a:r>
+          </a:p>
+        </p:txBody>
+      </p:sp>
+      <p:sp>
+        <p:nvSpPr>
+          <p:cNvPr id="46" name="Rectangle 45">
+            <a:extLst>
+              <a:ext uri="{FF2B5EF4-FFF2-40B4-BE49-F238E27FC236}">
+                <a16:creationId xmlns:a16="http://schemas.microsoft.com/office/drawing/2014/main" id="{679A904B-FEB9-6868-217D-0B7A24EAD61C}"/>
+              </a:ext>
+            </a:extLst>
+          </p:cNvPr>
+          <p:cNvSpPr/>
+          <p:nvPr/>
+        </p:nvSpPr>
+        <p:spPr>
+          <a:xfrm>
+            <a:off x="5890357" y="2319958"/>
+            <a:ext cx="4516557" cy="400110"/>
+          </a:xfrm>
+          <a:prstGeom prst="rect">
+            <a:avLst/>
+          </a:prstGeom>
+          <a:noFill/>
+        </p:spPr>
+        <p:txBody>
+          <a:bodyPr wrap="none" lIns="91440" tIns="45720" rIns="91440" bIns="45720">
+            <a:spAutoFit/>
+          </a:bodyPr>
+          <a:lstStyle/>
+          <a:p>
+            <a:pPr algn="ctr"/>
+            <a:r>
+              <a:rPr lang="en-US" sz="2000" dirty="0">
+                <a:ln w="0"/>
+                <a:effectLst>
+                  <a:outerShdw blurRad="38100" dist="19050" dir="2700000" algn="tl" rotWithShape="0">
+                    <a:schemeClr val="dk1">
+                      <a:alpha val="40000"/>
+                    </a:schemeClr>
+                  </a:outerShdw>
+                </a:effectLst>
+              </a:rPr>
+              <a:t>(</a:t>
+            </a:r>
+            <a:r>
+              <a:rPr lang="en-US" sz="2000" dirty="0" err="1">
+                <a:ln w="0"/>
+                <a:effectLst>
+                  <a:outerShdw blurRad="38100" dist="19050" dir="2700000" algn="tl" rotWithShape="0">
+                    <a:schemeClr val="dk1">
+                      <a:alpha val="40000"/>
+                    </a:schemeClr>
+                  </a:outerShdw>
+                </a:effectLst>
+              </a:rPr>
+              <a:t>public_ECDSA_Bob</a:t>
+            </a:r>
+            <a:r>
+              <a:rPr lang="en-US" sz="2000" dirty="0">
+                <a:ln w="0"/>
+                <a:effectLst>
+                  <a:outerShdw blurRad="38100" dist="19050" dir="2700000" algn="tl" rotWithShape="0">
+                    <a:schemeClr val="dk1">
+                      <a:alpha val="40000"/>
+                    </a:schemeClr>
+                  </a:outerShdw>
+                </a:effectLst>
+              </a:rPr>
+              <a:t>, </a:t>
+            </a:r>
+            <a:r>
+              <a:rPr lang="en-US" sz="2000" dirty="0" err="1">
+                <a:ln w="0"/>
+                <a:effectLst>
+                  <a:outerShdw blurRad="38100" dist="19050" dir="2700000" algn="tl" rotWithShape="0">
+                    <a:schemeClr val="dk1">
+                      <a:alpha val="40000"/>
+                    </a:schemeClr>
+                  </a:outerShdw>
+                </a:effectLst>
+              </a:rPr>
+              <a:t>private_ECDSA_Bob</a:t>
+            </a:r>
+            <a:r>
+              <a:rPr lang="en-US" sz="2000" dirty="0">
+                <a:ln w="0"/>
+                <a:effectLst>
+                  <a:outerShdw blurRad="38100" dist="19050" dir="2700000" algn="tl" rotWithShape="0">
+                    <a:schemeClr val="dk1">
+                      <a:alpha val="40000"/>
+                    </a:schemeClr>
+                  </a:outerShdw>
+                </a:effectLst>
+              </a:rPr>
+              <a:t>)</a:t>
+            </a:r>
+            <a:endParaRPr lang="en-US" sz="2000" b="0" cap="none" spc="0" dirty="0">
+              <a:ln w="0"/>
+              <a:solidFill>
+                <a:schemeClr val="tx1"/>
+              </a:solidFill>
+              <a:effectLst>
+                <a:outerShdw blurRad="38100" dist="19050" dir="2700000" algn="tl" rotWithShape="0">
+                  <a:schemeClr val="dk1">
+                    <a:alpha val="40000"/>
+                  </a:schemeClr>
+                </a:outerShdw>
+              </a:effectLst>
+            </a:endParaRPr>
+          </a:p>
+        </p:txBody>
+      </p:sp>
+      <p:sp>
+        <p:nvSpPr>
+          <p:cNvPr id="47" name="Rectangle 46">
+            <a:extLst>
+              <a:ext uri="{FF2B5EF4-FFF2-40B4-BE49-F238E27FC236}">
+                <a16:creationId xmlns:a16="http://schemas.microsoft.com/office/drawing/2014/main" id="{0CC5CE84-1AB6-F02F-293C-E0F5794CDC65}"/>
+              </a:ext>
+            </a:extLst>
+          </p:cNvPr>
+          <p:cNvSpPr/>
+          <p:nvPr/>
+        </p:nvSpPr>
+        <p:spPr>
+          <a:xfrm>
+            <a:off x="-33513" y="2658108"/>
+            <a:ext cx="5222007" cy="400110"/>
+          </a:xfrm>
+          <a:prstGeom prst="rect">
+            <a:avLst/>
+          </a:prstGeom>
+          <a:noFill/>
+        </p:spPr>
+        <p:txBody>
+          <a:bodyPr wrap="none" lIns="91440" tIns="45720" rIns="91440" bIns="45720">
+            <a:spAutoFit/>
+          </a:bodyPr>
+          <a:lstStyle/>
+          <a:p>
+            <a:pPr algn="ctr"/>
+            <a:r>
+              <a:rPr lang="en-US" sz="2000" dirty="0">
+                <a:ln w="0"/>
+                <a:effectLst>
+                  <a:outerShdw blurRad="38100" dist="19050" dir="2700000" algn="tl" rotWithShape="0">
+                    <a:schemeClr val="dk1">
+                      <a:alpha val="40000"/>
+                    </a:schemeClr>
+                  </a:outerShdw>
+                </a:effectLst>
+              </a:rPr>
+              <a:t>(</a:t>
+            </a:r>
+            <a:r>
+              <a:rPr lang="en-US" sz="2000" dirty="0" err="1">
+                <a:ln w="0"/>
+                <a:effectLst>
+                  <a:outerShdw blurRad="38100" dist="19050" dir="2700000" algn="tl" rotWithShape="0">
+                    <a:schemeClr val="dk1">
+                      <a:alpha val="40000"/>
+                    </a:schemeClr>
+                  </a:outerShdw>
+                </a:effectLst>
+              </a:rPr>
+              <a:t>public_McEliece_Alice</a:t>
+            </a:r>
+            <a:r>
+              <a:rPr lang="en-US" sz="2000" dirty="0">
+                <a:ln w="0"/>
+                <a:effectLst>
+                  <a:outerShdw blurRad="38100" dist="19050" dir="2700000" algn="tl" rotWithShape="0">
+                    <a:schemeClr val="dk1">
+                      <a:alpha val="40000"/>
+                    </a:schemeClr>
+                  </a:outerShdw>
+                </a:effectLst>
+              </a:rPr>
+              <a:t>, </a:t>
+            </a:r>
+            <a:r>
+              <a:rPr lang="en-US" sz="2000" dirty="0" err="1">
+                <a:ln w="0"/>
+                <a:effectLst>
+                  <a:outerShdw blurRad="38100" dist="19050" dir="2700000" algn="tl" rotWithShape="0">
+                    <a:schemeClr val="dk1">
+                      <a:alpha val="40000"/>
+                    </a:schemeClr>
+                  </a:outerShdw>
+                </a:effectLst>
+              </a:rPr>
+              <a:t>private_McEliece_Alice</a:t>
+            </a:r>
+            <a:r>
+              <a:rPr lang="en-US" sz="2000" dirty="0">
+                <a:ln w="0"/>
+                <a:effectLst>
+                  <a:outerShdw blurRad="38100" dist="19050" dir="2700000" algn="tl" rotWithShape="0">
+                    <a:schemeClr val="dk1">
+                      <a:alpha val="40000"/>
+                    </a:schemeClr>
+                  </a:outerShdw>
+                </a:effectLst>
+              </a:rPr>
+              <a:t>)</a:t>
+            </a:r>
+            <a:endParaRPr lang="en-US" sz="2000" b="0" cap="none" spc="0" dirty="0">
+              <a:ln w="0"/>
+              <a:solidFill>
+                <a:schemeClr val="tx1"/>
+              </a:solidFill>
+              <a:effectLst>
+                <a:outerShdw blurRad="38100" dist="19050" dir="2700000" algn="tl" rotWithShape="0">
+                  <a:schemeClr val="dk1">
+                    <a:alpha val="40000"/>
+                  </a:schemeClr>
+                </a:outerShdw>
+              </a:effectLst>
+            </a:endParaRPr>
+          </a:p>
+        </p:txBody>
+      </p:sp>
+      <p:sp>
+        <p:nvSpPr>
+          <p:cNvPr id="51" name="Content Placeholder 2">
+            <a:extLst>
+              <a:ext uri="{FF2B5EF4-FFF2-40B4-BE49-F238E27FC236}">
+                <a16:creationId xmlns:a16="http://schemas.microsoft.com/office/drawing/2014/main" id="{2901DB53-9C3E-DE03-A0EB-382140CEC638}"/>
+              </a:ext>
+            </a:extLst>
+          </p:cNvPr>
+          <p:cNvSpPr txBox="1">
+            <a:spLocks/>
+          </p:cNvSpPr>
+          <p:nvPr/>
+        </p:nvSpPr>
+        <p:spPr>
+          <a:xfrm>
+            <a:off x="7135767" y="193272"/>
+            <a:ext cx="2220241" cy="1253308"/>
+          </a:xfrm>
+          <a:prstGeom prst="rect">
+            <a:avLst/>
+          </a:prstGeom>
+        </p:spPr>
+        <p:txBody>
+          <a:bodyPr vert="horz" lIns="0" tIns="45720" rIns="0" bIns="45720" rtlCol="0">
+            <a:normAutofit fontScale="85000" lnSpcReduction="10000"/>
+          </a:bodyPr>
+          <a:lstStyle>
+            <a:lvl1pPr marL="91440" indent="-91440" algn="l" defTabSz="914400" rtl="0" eaLnBrk="1" latinLnBrk="0" hangingPunct="1">
+              <a:lnSpc>
+                <a:spcPct val="90000"/>
+              </a:lnSpc>
+              <a:spcBef>
+                <a:spcPts val="1200"/>
+              </a:spcBef>
+              <a:spcAft>
+                <a:spcPts val="200"/>
+              </a:spcAft>
+              <a:buClr>
+                <a:schemeClr val="accent1"/>
+              </a:buClr>
+              <a:buSzPct val="100000"/>
+              <a:buFont typeface="Calibri" panose="020F0502020204030204" pitchFamily="34" charset="0"/>
+              <a:buChar char=" "/>
+              <a:defRPr sz="2000" kern="1200">
+                <a:solidFill>
+                  <a:schemeClr val="tx1">
+                    <a:lumMod val="75000"/>
+                    <a:lumOff val="25000"/>
+                  </a:schemeClr>
+                </a:solidFill>
+                <a:latin typeface="+mn-lt"/>
+                <a:ea typeface="+mn-ea"/>
+                <a:cs typeface="+mn-cs"/>
+              </a:defRPr>
+            </a:lvl1pPr>
+            <a:lvl2pPr marL="384048" indent="-182880" algn="l" defTabSz="914400" rtl="0" eaLnBrk="1" latinLnBrk="0" hangingPunct="1">
+              <a:lnSpc>
+                <a:spcPct val="90000"/>
+              </a:lnSpc>
+              <a:spcBef>
+                <a:spcPts val="200"/>
+              </a:spcBef>
+              <a:spcAft>
+                <a:spcPts val="400"/>
+              </a:spcAft>
+              <a:buClr>
+                <a:schemeClr val="accent1"/>
+              </a:buClr>
+              <a:buFont typeface="Calibri" pitchFamily="34" charset="0"/>
+              <a:buChar char="◦"/>
+              <a:defRPr sz="1800" kern="1200">
+                <a:solidFill>
+                  <a:schemeClr val="tx1">
+                    <a:lumMod val="75000"/>
+                    <a:lumOff val="25000"/>
+                  </a:schemeClr>
+                </a:solidFill>
+                <a:latin typeface="+mn-lt"/>
+                <a:ea typeface="+mn-ea"/>
+                <a:cs typeface="+mn-cs"/>
+              </a:defRPr>
+            </a:lvl2pPr>
+            <a:lvl3pPr marL="566928" indent="-182880" algn="l" defTabSz="914400" rtl="0" eaLnBrk="1" latinLnBrk="0" hangingPunct="1">
+              <a:lnSpc>
+                <a:spcPct val="90000"/>
+              </a:lnSpc>
+              <a:spcBef>
+                <a:spcPts val="200"/>
+              </a:spcBef>
+              <a:spcAft>
+                <a:spcPts val="400"/>
+              </a:spcAft>
+              <a:buClr>
+                <a:schemeClr val="accent1"/>
+              </a:buClr>
+              <a:buFont typeface="Calibri" pitchFamily="34" charset="0"/>
+              <a:buChar char="◦"/>
+              <a:defRPr sz="1400" kern="1200">
+                <a:solidFill>
+                  <a:schemeClr val="tx1">
+                    <a:lumMod val="75000"/>
+                    <a:lumOff val="25000"/>
+                  </a:schemeClr>
+                </a:solidFill>
+                <a:latin typeface="+mn-lt"/>
+                <a:ea typeface="+mn-ea"/>
+                <a:cs typeface="+mn-cs"/>
+              </a:defRPr>
+            </a:lvl3pPr>
+            <a:lvl4pPr marL="749808" indent="-182880" algn="l" defTabSz="914400" rtl="0" eaLnBrk="1" latinLnBrk="0" hangingPunct="1">
+              <a:lnSpc>
+                <a:spcPct val="90000"/>
+              </a:lnSpc>
+              <a:spcBef>
+                <a:spcPts val="200"/>
+              </a:spcBef>
+              <a:spcAft>
+                <a:spcPts val="400"/>
+              </a:spcAft>
+              <a:buClr>
+                <a:schemeClr val="accent1"/>
+              </a:buClr>
+              <a:buFont typeface="Calibri" pitchFamily="34" charset="0"/>
+              <a:buChar char="◦"/>
+              <a:defRPr sz="1400" kern="1200">
+                <a:solidFill>
+                  <a:schemeClr val="tx1">
+                    <a:lumMod val="75000"/>
+                    <a:lumOff val="25000"/>
+                  </a:schemeClr>
+                </a:solidFill>
+                <a:latin typeface="+mn-lt"/>
+                <a:ea typeface="+mn-ea"/>
+                <a:cs typeface="+mn-cs"/>
+              </a:defRPr>
+            </a:lvl4pPr>
+            <a:lvl5pPr marL="932688" indent="-182880" algn="l" defTabSz="914400" rtl="0" eaLnBrk="1" latinLnBrk="0" hangingPunct="1">
+              <a:lnSpc>
+                <a:spcPct val="90000"/>
+              </a:lnSpc>
+              <a:spcBef>
+                <a:spcPts val="200"/>
+              </a:spcBef>
+              <a:spcAft>
+                <a:spcPts val="400"/>
+              </a:spcAft>
+              <a:buClr>
+                <a:schemeClr val="accent1"/>
+              </a:buClr>
+              <a:buFont typeface="Calibri" pitchFamily="34" charset="0"/>
+              <a:buChar char="◦"/>
+              <a:defRPr sz="1400" kern="1200">
+                <a:solidFill>
+                  <a:schemeClr val="tx1">
+                    <a:lumMod val="75000"/>
+                    <a:lumOff val="25000"/>
+                  </a:schemeClr>
+                </a:solidFill>
+                <a:latin typeface="+mn-lt"/>
+                <a:ea typeface="+mn-ea"/>
+                <a:cs typeface="+mn-cs"/>
+              </a:defRPr>
+            </a:lvl5pPr>
+            <a:lvl6pPr marL="1100000" indent="-228600" algn="l" defTabSz="914400" rtl="0" eaLnBrk="1" latinLnBrk="0" hangingPunct="1">
+              <a:lnSpc>
+                <a:spcPct val="90000"/>
+              </a:lnSpc>
+              <a:spcBef>
+                <a:spcPts val="200"/>
+              </a:spcBef>
+              <a:spcAft>
+                <a:spcPts val="400"/>
+              </a:spcAft>
+              <a:buClr>
+                <a:schemeClr val="accent1"/>
+              </a:buClr>
+              <a:buFont typeface="Calibri" pitchFamily="34" charset="0"/>
+              <a:buChar char="◦"/>
+              <a:defRPr sz="1400" kern="1200">
+                <a:solidFill>
+                  <a:schemeClr val="tx1">
+                    <a:lumMod val="75000"/>
+                    <a:lumOff val="25000"/>
+                  </a:schemeClr>
+                </a:solidFill>
+                <a:latin typeface="+mn-lt"/>
+                <a:ea typeface="+mn-ea"/>
+                <a:cs typeface="+mn-cs"/>
+              </a:defRPr>
+            </a:lvl6pPr>
+            <a:lvl7pPr marL="1300000" indent="-228600" algn="l" defTabSz="914400" rtl="0" eaLnBrk="1" latinLnBrk="0" hangingPunct="1">
+              <a:lnSpc>
+                <a:spcPct val="90000"/>
+              </a:lnSpc>
+              <a:spcBef>
+                <a:spcPts val="200"/>
+              </a:spcBef>
+              <a:spcAft>
+                <a:spcPts val="400"/>
+              </a:spcAft>
+              <a:buClr>
+                <a:schemeClr val="accent1"/>
+              </a:buClr>
+              <a:buFont typeface="Calibri" pitchFamily="34" charset="0"/>
+              <a:buChar char="◦"/>
+              <a:defRPr sz="1400" kern="1200">
+                <a:solidFill>
+                  <a:schemeClr val="tx1">
+                    <a:lumMod val="75000"/>
+                    <a:lumOff val="25000"/>
+                  </a:schemeClr>
+                </a:solidFill>
+                <a:latin typeface="+mn-lt"/>
+                <a:ea typeface="+mn-ea"/>
+                <a:cs typeface="+mn-cs"/>
+              </a:defRPr>
+            </a:lvl7pPr>
+            <a:lvl8pPr marL="1500000" indent="-228600" algn="l" defTabSz="914400" rtl="0" eaLnBrk="1" latinLnBrk="0" hangingPunct="1">
+              <a:lnSpc>
+                <a:spcPct val="90000"/>
+              </a:lnSpc>
+              <a:spcBef>
+                <a:spcPts val="200"/>
+              </a:spcBef>
+              <a:spcAft>
+                <a:spcPts val="400"/>
+              </a:spcAft>
+              <a:buClr>
+                <a:schemeClr val="accent1"/>
+              </a:buClr>
+              <a:buFont typeface="Calibri" pitchFamily="34" charset="0"/>
+              <a:buChar char="◦"/>
+              <a:defRPr sz="1400" kern="1200">
+                <a:solidFill>
+                  <a:schemeClr val="tx1">
+                    <a:lumMod val="75000"/>
+                    <a:lumOff val="25000"/>
+                  </a:schemeClr>
+                </a:solidFill>
+                <a:latin typeface="+mn-lt"/>
+                <a:ea typeface="+mn-ea"/>
+                <a:cs typeface="+mn-cs"/>
+              </a:defRPr>
+            </a:lvl8pPr>
+            <a:lvl9pPr marL="1700000" indent="-228600" algn="l" defTabSz="914400" rtl="0" eaLnBrk="1" latinLnBrk="0" hangingPunct="1">
+              <a:lnSpc>
+                <a:spcPct val="90000"/>
+              </a:lnSpc>
+              <a:spcBef>
+                <a:spcPts val="200"/>
+              </a:spcBef>
+              <a:spcAft>
+                <a:spcPts val="400"/>
+              </a:spcAft>
+              <a:buClr>
+                <a:schemeClr val="accent1"/>
+              </a:buClr>
+              <a:buFont typeface="Calibri" pitchFamily="34" charset="0"/>
+              <a:buChar char="◦"/>
+              <a:defRPr sz="1400" kern="1200">
+                <a:solidFill>
+                  <a:schemeClr val="tx1">
+                    <a:lumMod val="75000"/>
+                    <a:lumOff val="25000"/>
+                  </a:schemeClr>
+                </a:solidFill>
+                <a:latin typeface="+mn-lt"/>
+                <a:ea typeface="+mn-ea"/>
+                <a:cs typeface="+mn-cs"/>
+              </a:defRPr>
+            </a:lvl9pPr>
+          </a:lstStyle>
+          <a:p>
+            <a:r>
+              <a:rPr lang="en-US" dirty="0"/>
+              <a:t>M – Message</a:t>
+            </a:r>
+            <a:br>
+              <a:rPr lang="en-US" dirty="0"/>
+            </a:br>
+            <a:r>
+              <a:rPr lang="en-US" dirty="0"/>
+              <a:t>C – Ciphered Message</a:t>
+            </a:r>
+            <a:br>
+              <a:rPr lang="en-US" dirty="0"/>
+            </a:br>
+            <a:r>
+              <a:rPr lang="en-US" dirty="0"/>
+              <a:t>E – Encrypt</a:t>
+            </a:r>
+            <a:br>
+              <a:rPr lang="en-US" dirty="0"/>
+            </a:br>
+            <a:r>
+              <a:rPr lang="en-US" dirty="0"/>
+              <a:t>D – Decrypt</a:t>
+            </a:r>
+            <a:br>
+              <a:rPr lang="en-US" dirty="0"/>
+            </a:br>
+            <a:r>
+              <a:rPr lang="en-US" dirty="0"/>
+              <a:t>V - Verify</a:t>
+            </a:r>
+          </a:p>
+        </p:txBody>
+      </p:sp>
+      <p:sp>
+        <p:nvSpPr>
+          <p:cNvPr id="52" name="Content Placeholder 2">
+            <a:extLst>
+              <a:ext uri="{FF2B5EF4-FFF2-40B4-BE49-F238E27FC236}">
+                <a16:creationId xmlns:a16="http://schemas.microsoft.com/office/drawing/2014/main" id="{0C922C99-50A8-94E8-23C4-2DDDBA193A50}"/>
+              </a:ext>
+            </a:extLst>
+          </p:cNvPr>
+          <p:cNvSpPr txBox="1">
+            <a:spLocks/>
+          </p:cNvSpPr>
+          <p:nvPr/>
+        </p:nvSpPr>
+        <p:spPr>
+          <a:xfrm>
+            <a:off x="9296793" y="205726"/>
+            <a:ext cx="2600917" cy="1253308"/>
+          </a:xfrm>
+          <a:prstGeom prst="rect">
+            <a:avLst/>
+          </a:prstGeom>
+        </p:spPr>
+        <p:txBody>
+          <a:bodyPr vert="horz" lIns="0" tIns="45720" rIns="0" bIns="45720" rtlCol="0">
+            <a:normAutofit/>
+          </a:bodyPr>
+          <a:lstStyle>
+            <a:lvl1pPr marL="91440" indent="-91440" algn="l" defTabSz="914400" rtl="0" eaLnBrk="1" latinLnBrk="0" hangingPunct="1">
+              <a:lnSpc>
+                <a:spcPct val="90000"/>
+              </a:lnSpc>
+              <a:spcBef>
+                <a:spcPts val="1200"/>
+              </a:spcBef>
+              <a:spcAft>
+                <a:spcPts val="200"/>
+              </a:spcAft>
+              <a:buClr>
+                <a:schemeClr val="accent1"/>
+              </a:buClr>
+              <a:buSzPct val="100000"/>
+              <a:buFont typeface="Calibri" panose="020F0502020204030204" pitchFamily="34" charset="0"/>
+              <a:buChar char=" "/>
+              <a:defRPr sz="2000" kern="1200">
+                <a:solidFill>
+                  <a:schemeClr val="tx1">
+                    <a:lumMod val="75000"/>
+                    <a:lumOff val="25000"/>
+                  </a:schemeClr>
+                </a:solidFill>
+                <a:latin typeface="+mn-lt"/>
+                <a:ea typeface="+mn-ea"/>
+                <a:cs typeface="+mn-cs"/>
+              </a:defRPr>
+            </a:lvl1pPr>
+            <a:lvl2pPr marL="384048" indent="-182880" algn="l" defTabSz="914400" rtl="0" eaLnBrk="1" latinLnBrk="0" hangingPunct="1">
+              <a:lnSpc>
+                <a:spcPct val="90000"/>
+              </a:lnSpc>
+              <a:spcBef>
+                <a:spcPts val="200"/>
+              </a:spcBef>
+              <a:spcAft>
+                <a:spcPts val="400"/>
+              </a:spcAft>
+              <a:buClr>
+                <a:schemeClr val="accent1"/>
+              </a:buClr>
+              <a:buFont typeface="Calibri" pitchFamily="34" charset="0"/>
+              <a:buChar char="◦"/>
+              <a:defRPr sz="1800" kern="1200">
+                <a:solidFill>
+                  <a:schemeClr val="tx1">
+                    <a:lumMod val="75000"/>
+                    <a:lumOff val="25000"/>
+                  </a:schemeClr>
+                </a:solidFill>
+                <a:latin typeface="+mn-lt"/>
+                <a:ea typeface="+mn-ea"/>
+                <a:cs typeface="+mn-cs"/>
+              </a:defRPr>
+            </a:lvl2pPr>
+            <a:lvl3pPr marL="566928" indent="-182880" algn="l" defTabSz="914400" rtl="0" eaLnBrk="1" latinLnBrk="0" hangingPunct="1">
+              <a:lnSpc>
+                <a:spcPct val="90000"/>
+              </a:lnSpc>
+              <a:spcBef>
+                <a:spcPts val="200"/>
+              </a:spcBef>
+              <a:spcAft>
+                <a:spcPts val="400"/>
+              </a:spcAft>
+              <a:buClr>
+                <a:schemeClr val="accent1"/>
+              </a:buClr>
+              <a:buFont typeface="Calibri" pitchFamily="34" charset="0"/>
+              <a:buChar char="◦"/>
+              <a:defRPr sz="1400" kern="1200">
+                <a:solidFill>
+                  <a:schemeClr val="tx1">
+                    <a:lumMod val="75000"/>
+                    <a:lumOff val="25000"/>
+                  </a:schemeClr>
+                </a:solidFill>
+                <a:latin typeface="+mn-lt"/>
+                <a:ea typeface="+mn-ea"/>
+                <a:cs typeface="+mn-cs"/>
+              </a:defRPr>
+            </a:lvl3pPr>
+            <a:lvl4pPr marL="749808" indent="-182880" algn="l" defTabSz="914400" rtl="0" eaLnBrk="1" latinLnBrk="0" hangingPunct="1">
+              <a:lnSpc>
+                <a:spcPct val="90000"/>
+              </a:lnSpc>
+              <a:spcBef>
+                <a:spcPts val="200"/>
+              </a:spcBef>
+              <a:spcAft>
+                <a:spcPts val="400"/>
+              </a:spcAft>
+              <a:buClr>
+                <a:schemeClr val="accent1"/>
+              </a:buClr>
+              <a:buFont typeface="Calibri" pitchFamily="34" charset="0"/>
+              <a:buChar char="◦"/>
+              <a:defRPr sz="1400" kern="1200">
+                <a:solidFill>
+                  <a:schemeClr val="tx1">
+                    <a:lumMod val="75000"/>
+                    <a:lumOff val="25000"/>
+                  </a:schemeClr>
+                </a:solidFill>
+                <a:latin typeface="+mn-lt"/>
+                <a:ea typeface="+mn-ea"/>
+                <a:cs typeface="+mn-cs"/>
+              </a:defRPr>
+            </a:lvl4pPr>
+            <a:lvl5pPr marL="932688" indent="-182880" algn="l" defTabSz="914400" rtl="0" eaLnBrk="1" latinLnBrk="0" hangingPunct="1">
+              <a:lnSpc>
+                <a:spcPct val="90000"/>
+              </a:lnSpc>
+              <a:spcBef>
+                <a:spcPts val="200"/>
+              </a:spcBef>
+              <a:spcAft>
+                <a:spcPts val="400"/>
+              </a:spcAft>
+              <a:buClr>
+                <a:schemeClr val="accent1"/>
+              </a:buClr>
+              <a:buFont typeface="Calibri" pitchFamily="34" charset="0"/>
+              <a:buChar char="◦"/>
+              <a:defRPr sz="1400" kern="1200">
+                <a:solidFill>
+                  <a:schemeClr val="tx1">
+                    <a:lumMod val="75000"/>
+                    <a:lumOff val="25000"/>
+                  </a:schemeClr>
+                </a:solidFill>
+                <a:latin typeface="+mn-lt"/>
+                <a:ea typeface="+mn-ea"/>
+                <a:cs typeface="+mn-cs"/>
+              </a:defRPr>
+            </a:lvl5pPr>
+            <a:lvl6pPr marL="1100000" indent="-228600" algn="l" defTabSz="914400" rtl="0" eaLnBrk="1" latinLnBrk="0" hangingPunct="1">
+              <a:lnSpc>
+                <a:spcPct val="90000"/>
+              </a:lnSpc>
+              <a:spcBef>
+                <a:spcPts val="200"/>
+              </a:spcBef>
+              <a:spcAft>
+                <a:spcPts val="400"/>
+              </a:spcAft>
+              <a:buClr>
+                <a:schemeClr val="accent1"/>
+              </a:buClr>
+              <a:buFont typeface="Calibri" pitchFamily="34" charset="0"/>
+              <a:buChar char="◦"/>
+              <a:defRPr sz="1400" kern="1200">
+                <a:solidFill>
+                  <a:schemeClr val="tx1">
+                    <a:lumMod val="75000"/>
+                    <a:lumOff val="25000"/>
+                  </a:schemeClr>
+                </a:solidFill>
+                <a:latin typeface="+mn-lt"/>
+                <a:ea typeface="+mn-ea"/>
+                <a:cs typeface="+mn-cs"/>
+              </a:defRPr>
+            </a:lvl6pPr>
+            <a:lvl7pPr marL="1300000" indent="-228600" algn="l" defTabSz="914400" rtl="0" eaLnBrk="1" latinLnBrk="0" hangingPunct="1">
+              <a:lnSpc>
+                <a:spcPct val="90000"/>
+              </a:lnSpc>
+              <a:spcBef>
+                <a:spcPts val="200"/>
+              </a:spcBef>
+              <a:spcAft>
+                <a:spcPts val="400"/>
+              </a:spcAft>
+              <a:buClr>
+                <a:schemeClr val="accent1"/>
+              </a:buClr>
+              <a:buFont typeface="Calibri" pitchFamily="34" charset="0"/>
+              <a:buChar char="◦"/>
+              <a:defRPr sz="1400" kern="1200">
+                <a:solidFill>
+                  <a:schemeClr val="tx1">
+                    <a:lumMod val="75000"/>
+                    <a:lumOff val="25000"/>
+                  </a:schemeClr>
+                </a:solidFill>
+                <a:latin typeface="+mn-lt"/>
+                <a:ea typeface="+mn-ea"/>
+                <a:cs typeface="+mn-cs"/>
+              </a:defRPr>
+            </a:lvl7pPr>
+            <a:lvl8pPr marL="1500000" indent="-228600" algn="l" defTabSz="914400" rtl="0" eaLnBrk="1" latinLnBrk="0" hangingPunct="1">
+              <a:lnSpc>
+                <a:spcPct val="90000"/>
+              </a:lnSpc>
+              <a:spcBef>
+                <a:spcPts val="200"/>
+              </a:spcBef>
+              <a:spcAft>
+                <a:spcPts val="400"/>
+              </a:spcAft>
+              <a:buClr>
+                <a:schemeClr val="accent1"/>
+              </a:buClr>
+              <a:buFont typeface="Calibri" pitchFamily="34" charset="0"/>
+              <a:buChar char="◦"/>
+              <a:defRPr sz="1400" kern="1200">
+                <a:solidFill>
+                  <a:schemeClr val="tx1">
+                    <a:lumMod val="75000"/>
+                    <a:lumOff val="25000"/>
+                  </a:schemeClr>
+                </a:solidFill>
+                <a:latin typeface="+mn-lt"/>
+                <a:ea typeface="+mn-ea"/>
+                <a:cs typeface="+mn-cs"/>
+              </a:defRPr>
+            </a:lvl8pPr>
+            <a:lvl9pPr marL="1700000" indent="-228600" algn="l" defTabSz="914400" rtl="0" eaLnBrk="1" latinLnBrk="0" hangingPunct="1">
+              <a:lnSpc>
+                <a:spcPct val="90000"/>
+              </a:lnSpc>
+              <a:spcBef>
+                <a:spcPts val="200"/>
+              </a:spcBef>
+              <a:spcAft>
+                <a:spcPts val="400"/>
+              </a:spcAft>
+              <a:buClr>
+                <a:schemeClr val="accent1"/>
+              </a:buClr>
+              <a:buFont typeface="Calibri" pitchFamily="34" charset="0"/>
+              <a:buChar char="◦"/>
+              <a:defRPr sz="1400" kern="1200">
+                <a:solidFill>
+                  <a:schemeClr val="tx1">
+                    <a:lumMod val="75000"/>
+                    <a:lumOff val="25000"/>
+                  </a:schemeClr>
+                </a:solidFill>
+                <a:latin typeface="+mn-lt"/>
+                <a:ea typeface="+mn-ea"/>
+                <a:cs typeface="+mn-cs"/>
+              </a:defRPr>
+            </a:lvl9pPr>
+          </a:lstStyle>
+          <a:p>
+            <a:r>
+              <a:rPr lang="en-US" dirty="0" err="1"/>
+              <a:t>K_bf</a:t>
+            </a:r>
+            <a:r>
+              <a:rPr lang="en-US" dirty="0"/>
+              <a:t> = Blowfish Key</a:t>
+            </a:r>
+          </a:p>
+          <a:p>
+            <a:r>
+              <a:rPr lang="en-US" dirty="0" err="1"/>
+              <a:t>Enc_K</a:t>
+            </a:r>
+            <a:r>
+              <a:rPr lang="en-US" dirty="0"/>
+              <a:t> = Encrypted Key</a:t>
+            </a:r>
+          </a:p>
+        </p:txBody>
+      </p:sp>
+    </p:spTree>
+    <p:extLst>
+      <p:ext uri="{BB962C8B-B14F-4D97-AF65-F5344CB8AC3E}">
+        <p14:creationId xmlns:p14="http://schemas.microsoft.com/office/powerpoint/2010/main" val="678400621"/>
+      </p:ext>
+    </p:extLst>
+  </p:cSld>
+  <p:clrMapOvr>
+    <a:masterClrMapping/>
+  </p:clrMapOvr>
+</p:sld>
+</file>
+
+<file path=ppt/slides/slide5.xml><?xml version="1.0" encoding="utf-8"?>
 <p:sld xmlns:a="http://schemas.openxmlformats.org/drawingml/2006/main" xmlns:r="http://schemas.openxmlformats.org/officeDocument/2006/relationships" xmlns:p="http://schemas.openxmlformats.org/presentationml/2006/main">
   <p:cSld>
     <p:spTree>
@@ -6595,7 +9213,7 @@
           <a:p>
             <a:r>
               <a:rPr lang="en-US" dirty="0"/>
-              <a:t>How the cipher works</a:t>
+              <a:t>How the cipher works (1)</a:t>
             </a:r>
           </a:p>
         </p:txBody>
@@ -6643,7 +9261,15 @@
             </a:pPr>
             <a:r>
               <a:rPr lang="en-US" dirty="0"/>
-              <a:t>Asymmetric encryption for key delivery</a:t>
+              <a:t>Based on error-correcting codes (</a:t>
+            </a:r>
+            <a:r>
+              <a:rPr lang="en-US" dirty="0" err="1"/>
+              <a:t>Goppa</a:t>
+            </a:r>
+            <a:r>
+              <a:rPr lang="en-US" dirty="0"/>
+              <a:t> codes)</a:t>
             </a:r>
           </a:p>
           <a:p>
@@ -6653,15 +9279,7 @@
             </a:pPr>
             <a:r>
               <a:rPr lang="en-US" dirty="0"/>
-              <a:t>Based on error-correcting codes (</a:t>
-            </a:r>
-            <a:r>
-              <a:rPr lang="en-US" dirty="0" err="1"/>
-              <a:t>Goppa</a:t>
-            </a:r>
-            <a:r>
-              <a:rPr lang="en-US" dirty="0"/>
-              <a:t> codes)</a:t>
+              <a:t>Private key used by recipient to recover Blowfish key</a:t>
             </a:r>
           </a:p>
           <a:p>
@@ -6671,26 +9289,6 @@
             </a:pPr>
             <a:r>
               <a:rPr lang="en-US" dirty="0"/>
-              <a:t>Public key used to encrypt Blowfish key</a:t>
-            </a:r>
-          </a:p>
-          <a:p>
-            <a:pPr lvl="1">
-              <a:buFont typeface="Arial" panose="020B0604020202020204" pitchFamily="34" charset="0"/>
-              <a:buChar char="•"/>
-            </a:pPr>
-            <a:r>
-              <a:rPr lang="en-US" dirty="0"/>
-              <a:t>Private key used by recipient to recover Blowfish key</a:t>
-            </a:r>
-          </a:p>
-          <a:p>
-            <a:pPr lvl="1">
-              <a:buFont typeface="Arial" panose="020B0604020202020204" pitchFamily="34" charset="0"/>
-              <a:buChar char="•"/>
-            </a:pPr>
-            <a:r>
-              <a:rPr lang="en-US" dirty="0"/>
               <a:t>Resistant to quantum attacks (unlike RSA)</a:t>
             </a:r>
           </a:p>
@@ -6703,161 +9301,6 @@
     <p:extLst>
       <p:ext uri="{BB962C8B-B14F-4D97-AF65-F5344CB8AC3E}">
         <p14:creationId xmlns:p14="http://schemas.microsoft.com/office/powerpoint/2010/main" val="3395196265"/>
-      </p:ext>
-    </p:extLst>
-  </p:cSld>
-  <p:clrMapOvr>
-    <a:masterClrMapping/>
-  </p:clrMapOvr>
-</p:sld>
-</file>
-
-<file path=ppt/slides/slide5.xml><?xml version="1.0" encoding="utf-8"?>
-<p:sld xmlns:a="http://schemas.openxmlformats.org/drawingml/2006/main" xmlns:r="http://schemas.openxmlformats.org/officeDocument/2006/relationships" xmlns:p="http://schemas.openxmlformats.org/presentationml/2006/main">
-  <p:cSld>
-    <p:spTree>
-      <p:nvGrpSpPr>
-        <p:cNvPr id="1" name=""/>
-        <p:cNvGrpSpPr/>
-        <p:nvPr/>
-      </p:nvGrpSpPr>
-      <p:grpSpPr>
-        <a:xfrm>
-          <a:off x="0" y="0"/>
-          <a:ext cx="0" cy="0"/>
-          <a:chOff x="0" y="0"/>
-          <a:chExt cx="0" cy="0"/>
-        </a:xfrm>
-      </p:grpSpPr>
-      <p:sp>
-        <p:nvSpPr>
-          <p:cNvPr id="2" name="Title 1">
-            <a:extLst>
-              <a:ext uri="{FF2B5EF4-FFF2-40B4-BE49-F238E27FC236}">
-                <a16:creationId xmlns:a16="http://schemas.microsoft.com/office/drawing/2014/main" id="{EBBF5FAD-5B93-F5FE-6EC3-B373A4031E21}"/>
-              </a:ext>
-            </a:extLst>
-          </p:cNvPr>
-          <p:cNvSpPr>
-            <a:spLocks noGrp="1"/>
-          </p:cNvSpPr>
-          <p:nvPr>
-            <p:ph type="title"/>
-          </p:nvPr>
-        </p:nvSpPr>
-        <p:spPr/>
-        <p:txBody>
-          <a:bodyPr/>
-          <a:lstStyle/>
-          <a:p>
-            <a:r>
-              <a:rPr lang="en-US" dirty="0"/>
-              <a:t>Original Text</a:t>
-            </a:r>
-          </a:p>
-        </p:txBody>
-      </p:sp>
-      <p:sp>
-        <p:nvSpPr>
-          <p:cNvPr id="3" name="Content Placeholder 2">
-            <a:extLst>
-              <a:ext uri="{FF2B5EF4-FFF2-40B4-BE49-F238E27FC236}">
-                <a16:creationId xmlns:a16="http://schemas.microsoft.com/office/drawing/2014/main" id="{B3718846-F08B-00DF-068D-154D8B377D9A}"/>
-              </a:ext>
-            </a:extLst>
-          </p:cNvPr>
-          <p:cNvSpPr>
-            <a:spLocks noGrp="1"/>
-          </p:cNvSpPr>
-          <p:nvPr>
-            <p:ph idx="1"/>
-          </p:nvPr>
-        </p:nvSpPr>
-        <p:spPr/>
-        <p:txBody>
-          <a:bodyPr/>
-          <a:lstStyle/>
-          <a:p>
-            <a:pPr>
-              <a:buFont typeface="Arial" panose="020B0604020202020204" pitchFamily="34" charset="0"/>
-              <a:buChar char="•"/>
-            </a:pPr>
-            <a:r>
-              <a:rPr lang="en-US" dirty="0"/>
-              <a:t>Example plaintext message:</a:t>
-            </a:r>
-            <a:br>
-              <a:rPr lang="en-US" dirty="0"/>
-            </a:br>
-            <a:r>
-              <a:rPr lang="en-US" dirty="0"/>
-              <a:t>	“Project X status: Launch delayed until Q3.”</a:t>
-            </a:r>
-          </a:p>
-          <a:p>
-            <a:pPr>
-              <a:buFont typeface="Arial" panose="020B0604020202020204" pitchFamily="34" charset="0"/>
-              <a:buChar char="•"/>
-            </a:pPr>
-            <a:r>
-              <a:rPr lang="en-US" dirty="0"/>
-              <a:t>Message is unprotected in its current form</a:t>
-            </a:r>
-            <a:br>
-              <a:rPr lang="en-US" dirty="0"/>
-            </a:br>
-            <a:r>
-              <a:rPr lang="en-US" dirty="0"/>
-              <a:t>Needs:</a:t>
-            </a:r>
-          </a:p>
-          <a:p>
-            <a:pPr lvl="1">
-              <a:buFont typeface="Arial" panose="020B0604020202020204" pitchFamily="34" charset="0"/>
-              <a:buChar char="•"/>
-            </a:pPr>
-            <a:r>
-              <a:rPr lang="en-US" dirty="0"/>
-              <a:t> Encryption for confidentiality</a:t>
-            </a:r>
-          </a:p>
-          <a:p>
-            <a:pPr lvl="1">
-              <a:buFont typeface="Arial" panose="020B0604020202020204" pitchFamily="34" charset="0"/>
-              <a:buChar char="•"/>
-            </a:pPr>
-            <a:r>
-              <a:rPr lang="en-US" dirty="0"/>
-              <a:t> Digital signature for authenticity</a:t>
-            </a:r>
-          </a:p>
-          <a:p>
-            <a:pPr>
-              <a:buFont typeface="Arial" panose="020B0604020202020204" pitchFamily="34" charset="0"/>
-              <a:buChar char="•"/>
-            </a:pPr>
-            <a:r>
-              <a:rPr lang="en-US" dirty="0"/>
-              <a:t>Processed next using Blowfish, </a:t>
-            </a:r>
-            <a:r>
-              <a:rPr lang="en-US" dirty="0" err="1"/>
-              <a:t>McEliece</a:t>
-            </a:r>
-            <a:r>
-              <a:rPr lang="en-US" dirty="0"/>
-              <a:t>, and ECDSA</a:t>
-            </a:r>
-          </a:p>
-          <a:p>
-            <a:endParaRPr lang="en-US" dirty="0"/>
-          </a:p>
-        </p:txBody>
-      </p:sp>
-    </p:spTree>
-    <p:extLst>
-      <p:ext uri="{BB962C8B-B14F-4D97-AF65-F5344CB8AC3E}">
-        <p14:creationId xmlns:p14="http://schemas.microsoft.com/office/powerpoint/2010/main" val="324050415"/>
       </p:ext>
     </p:extLst>
   </p:cSld>
@@ -6889,7 +9332,7 @@
           <p:cNvPr id="2" name="Title 1">
             <a:extLst>
               <a:ext uri="{FF2B5EF4-FFF2-40B4-BE49-F238E27FC236}">
-                <a16:creationId xmlns:a16="http://schemas.microsoft.com/office/drawing/2014/main" id="{064E537F-7CAC-9F01-3D6A-9B05421839AF}"/>
+                <a16:creationId xmlns:a16="http://schemas.microsoft.com/office/drawing/2014/main" id="{69825979-C56F-94C1-EDC1-CD66EC7B21AE}"/>
               </a:ext>
             </a:extLst>
           </p:cNvPr>
@@ -6907,7 +9350,7 @@
           <a:p>
             <a:r>
               <a:rPr lang="en-US" dirty="0"/>
-              <a:t>Encrypted Text</a:t>
+              <a:t>How the cipher works (2)</a:t>
             </a:r>
           </a:p>
         </p:txBody>
@@ -6917,7 +9360,7 @@
           <p:cNvPr id="3" name="Content Placeholder 2">
             <a:extLst>
               <a:ext uri="{FF2B5EF4-FFF2-40B4-BE49-F238E27FC236}">
-                <a16:creationId xmlns:a16="http://schemas.microsoft.com/office/drawing/2014/main" id="{9C346764-401B-5F17-A636-63CA8110CCBC}"/>
+                <a16:creationId xmlns:a16="http://schemas.microsoft.com/office/drawing/2014/main" id="{AF8C8C63-3A4C-146D-33F9-393BC92DAE9A}"/>
               </a:ext>
             </a:extLst>
           </p:cNvPr>
@@ -6930,106 +9373,73 @@
         </p:nvSpPr>
         <p:spPr/>
         <p:txBody>
-          <a:bodyPr/>
+          <a:bodyPr>
+            <a:normAutofit/>
+          </a:bodyPr>
           <a:lstStyle/>
           <a:p>
-            <a:pPr>
+            <a:r>
+              <a:rPr lang="en-US" dirty="0"/>
+              <a:t>Symmetric Encryption – Blowfish</a:t>
+            </a:r>
+          </a:p>
+          <a:p>
+            <a:endParaRPr lang="en-US" dirty="0"/>
+          </a:p>
+          <a:p>
+            <a:pPr lvl="1">
               <a:buFont typeface="Arial" panose="020B0604020202020204" pitchFamily="34" charset="0"/>
               <a:buChar char="•"/>
             </a:pPr>
             <a:r>
-              <a:rPr lang="he-IL" dirty="0"/>
-              <a:t> </a:t>
-            </a:r>
-            <a:r>
-              <a:rPr lang="en-US" b="1" dirty="0"/>
-              <a:t>Message encrypted using Blowfish cipher</a:t>
-            </a:r>
-            <a:endParaRPr lang="en-US" dirty="0"/>
-          </a:p>
-          <a:p>
-            <a:pPr>
+              <a:rPr lang="en-US" dirty="0"/>
+              <a:t>Block cipher: 64-bit block size</a:t>
+            </a:r>
+          </a:p>
+          <a:p>
+            <a:pPr lvl="1">
               <a:buFont typeface="Arial" panose="020B0604020202020204" pitchFamily="34" charset="0"/>
               <a:buChar char="•"/>
             </a:pPr>
             <a:r>
-              <a:rPr lang="he-IL" dirty="0"/>
-              <a:t> </a:t>
-            </a:r>
-            <a:r>
-              <a:rPr lang="en-US" dirty="0"/>
-              <a:t>Uses a </a:t>
-            </a:r>
-            <a:r>
-              <a:rPr lang="en-US" b="1" dirty="0"/>
-              <a:t>randomly generated symmetric key</a:t>
-            </a:r>
-            <a:endParaRPr lang="en-US" dirty="0"/>
-          </a:p>
-          <a:p>
-            <a:pPr>
+              <a:rPr lang="en-US" dirty="0"/>
+              <a:t>Key size: 32 to 448 bits (typically 128 or 256 bits)</a:t>
+            </a:r>
+          </a:p>
+          <a:p>
+            <a:pPr lvl="1">
               <a:buFont typeface="Arial" panose="020B0604020202020204" pitchFamily="34" charset="0"/>
               <a:buChar char="•"/>
             </a:pPr>
             <a:r>
-              <a:rPr lang="he-IL" dirty="0"/>
-              <a:t> </a:t>
-            </a:r>
-            <a:r>
-              <a:rPr lang="en-US" b="1" dirty="0"/>
-              <a:t>Output is ciphertext</a:t>
-            </a:r>
-            <a:r>
-              <a:rPr lang="en-US" dirty="0"/>
-              <a:t>: unreadable without the correct key</a:t>
-            </a:r>
-          </a:p>
-          <a:p>
-            <a:pPr>
+              <a:rPr lang="en-US" dirty="0"/>
+              <a:t>Fast and lightweight – suitable for message encryption</a:t>
+            </a:r>
+          </a:p>
+          <a:p>
+            <a:pPr lvl="1">
               <a:buFont typeface="Arial" panose="020B0604020202020204" pitchFamily="34" charset="0"/>
               <a:buChar char="•"/>
             </a:pPr>
             <a:r>
-              <a:rPr lang="he-IL" dirty="0"/>
-              <a:t> </a:t>
-            </a:r>
-            <a:r>
-              <a:rPr lang="en-US" dirty="0"/>
-              <a:t>Appears as random data (e.g., hexadecimal or base64)</a:t>
-            </a:r>
-          </a:p>
-          <a:p>
-            <a:pPr>
+              <a:rPr lang="en-US" dirty="0"/>
+              <a:t>Same key used for encryption and decryption (symmetric)</a:t>
+            </a:r>
+          </a:p>
+          <a:p>
+            <a:pPr lvl="1">
               <a:buFont typeface="Arial" panose="020B0604020202020204" pitchFamily="34" charset="0"/>
               <a:buChar char="•"/>
             </a:pPr>
             <a:r>
-              <a:rPr lang="he-IL" dirty="0"/>
-              <a:t> </a:t>
-            </a:r>
-            <a:r>
-              <a:rPr lang="en-US" dirty="0"/>
-              <a:t>Blowfish key will be securely sent using </a:t>
-            </a:r>
-            <a:r>
-              <a:rPr lang="en-US" b="1" dirty="0" err="1"/>
+              <a:rPr lang="en-US" dirty="0"/>
+              <a:t>Requires secure key exchange → handled by </a:t>
+            </a:r>
+            <a:r>
+              <a:rPr lang="en-US" dirty="0" err="1"/>
               <a:t>McEliece</a:t>
             </a:r>
             <a:endParaRPr lang="en-US" dirty="0"/>
-          </a:p>
-          <a:p>
-            <a:pPr>
-              <a:buFont typeface="Arial" panose="020B0604020202020204" pitchFamily="34" charset="0"/>
-              <a:buChar char="•"/>
-            </a:pPr>
-            <a:r>
-              <a:rPr lang="he-IL" dirty="0"/>
-              <a:t> </a:t>
-            </a:r>
-            <a:r>
-              <a:rPr lang="en-US" dirty="0"/>
-              <a:t>Protects message confidentiality in transit</a:t>
-            </a:r>
           </a:p>
           <a:p>
             <a:endParaRPr lang="en-US" dirty="0"/>
@@ -7039,7 +9449,7 @@
     </p:spTree>
     <p:extLst>
       <p:ext uri="{BB962C8B-B14F-4D97-AF65-F5344CB8AC3E}">
-        <p14:creationId xmlns:p14="http://schemas.microsoft.com/office/powerpoint/2010/main" val="3549070684"/>
+        <p14:creationId xmlns:p14="http://schemas.microsoft.com/office/powerpoint/2010/main" val="1512850893"/>
       </p:ext>
     </p:extLst>
   </p:cSld>
@@ -7071,7 +9481,7 @@
           <p:cNvPr id="2" name="Title 1">
             <a:extLst>
               <a:ext uri="{FF2B5EF4-FFF2-40B4-BE49-F238E27FC236}">
-                <a16:creationId xmlns:a16="http://schemas.microsoft.com/office/drawing/2014/main" id="{7C313ABA-0CD1-864A-C658-376BE54E099A}"/>
+                <a16:creationId xmlns:a16="http://schemas.microsoft.com/office/drawing/2014/main" id="{EBBF5FAD-5B93-F5FE-6EC3-B373A4031E21}"/>
               </a:ext>
             </a:extLst>
           </p:cNvPr>
@@ -7089,7 +9499,7 @@
           <a:p>
             <a:r>
               <a:rPr lang="en-US" dirty="0"/>
-              <a:t>How to decipher with the key</a:t>
+              <a:t>Original Text</a:t>
             </a:r>
           </a:p>
         </p:txBody>
@@ -7099,7 +9509,7 @@
           <p:cNvPr id="3" name="Content Placeholder 2">
             <a:extLst>
               <a:ext uri="{FF2B5EF4-FFF2-40B4-BE49-F238E27FC236}">
-                <a16:creationId xmlns:a16="http://schemas.microsoft.com/office/drawing/2014/main" id="{4441DE8B-3BFF-25A7-C22F-17EA37DCE609}"/>
+                <a16:creationId xmlns:a16="http://schemas.microsoft.com/office/drawing/2014/main" id="{B3718846-F08B-00DF-068D-154D8B377D9A}"/>
               </a:ext>
             </a:extLst>
           </p:cNvPr>
@@ -7112,9 +9522,7 @@
         </p:nvSpPr>
         <p:spPr/>
         <p:txBody>
-          <a:bodyPr>
-            <a:normAutofit fontScale="92500" lnSpcReduction="10000"/>
-          </a:bodyPr>
+          <a:bodyPr/>
           <a:lstStyle/>
           <a:p>
             <a:pPr>
@@ -7122,52 +9530,15 @@
               <a:buChar char="•"/>
             </a:pPr>
             <a:r>
-              <a:rPr lang="he-IL" dirty="0"/>
-              <a:t> </a:t>
-            </a:r>
-            <a:r>
-              <a:rPr lang="en-US" dirty="0"/>
-              <a:t>Receiver (Bob) receives:</a:t>
-            </a:r>
-          </a:p>
-          <a:p>
-            <a:pPr marL="742950" lvl="1" indent="-285750">
-              <a:buFont typeface="Arial" panose="020B0604020202020204" pitchFamily="34" charset="0"/>
-              <a:buChar char="•"/>
-            </a:pPr>
-            <a:r>
-              <a:rPr lang="en-US" dirty="0"/>
-              <a:t>Encrypted message (ciphertext)</a:t>
-            </a:r>
-          </a:p>
-          <a:p>
-            <a:pPr marL="742950" lvl="1" indent="-285750">
-              <a:buFont typeface="Arial" panose="020B0604020202020204" pitchFamily="34" charset="0"/>
-              <a:buChar char="•"/>
-            </a:pPr>
-            <a:r>
-              <a:rPr lang="en-US" dirty="0"/>
-              <a:t>Encrypted Blowfish key</a:t>
-            </a:r>
-          </a:p>
-          <a:p>
-            <a:pPr marL="742950" lvl="1" indent="-285750">
-              <a:buFont typeface="Arial" panose="020B0604020202020204" pitchFamily="34" charset="0"/>
-              <a:buChar char="•"/>
-            </a:pPr>
-            <a:r>
-              <a:rPr lang="en-US" dirty="0"/>
-              <a:t>Digital signature</a:t>
-            </a:r>
-          </a:p>
-          <a:p>
-            <a:pPr marL="742950" lvl="1" indent="-285750">
-              <a:buFont typeface="Arial" panose="020B0604020202020204" pitchFamily="34" charset="0"/>
-              <a:buChar char="•"/>
-            </a:pPr>
-            <a:r>
-              <a:rPr lang="en-US" dirty="0"/>
-              <a:t>Sender’s public ECDSA key</a:t>
+              <a:rPr lang="en-US" dirty="0"/>
+              <a:t>Example plaintext message:</a:t>
+            </a:r>
+            <a:br>
+              <a:rPr lang="en-US" dirty="0"/>
+            </a:br>
+            <a:r>
+              <a:rPr lang="en-US" dirty="0"/>
+              <a:t>	“Project X status: Launch delayed until Q3.”</a:t>
             </a:r>
           </a:p>
           <a:p>
@@ -7176,39 +9547,35 @@
               <a:buChar char="•"/>
             </a:pPr>
             <a:r>
-              <a:rPr lang="he-IL" dirty="0"/>
-              <a:t> </a:t>
-            </a:r>
-            <a:r>
-              <a:rPr lang="en-US" b="1" dirty="0"/>
-              <a:t>Step 1: Decrypt Blowfish key</a:t>
-            </a:r>
-            <a:endParaRPr lang="en-US" dirty="0"/>
-          </a:p>
-          <a:p>
-            <a:pPr marL="742950" lvl="1" indent="-285750">
+              <a:rPr lang="en-US" dirty="0"/>
+              <a:t>Message is unprotected in its current form</a:t>
+            </a:r>
+            <a:br>
+              <a:rPr lang="en-US" dirty="0"/>
+            </a:br>
+            <a:r>
+              <a:rPr lang="en-US" dirty="0"/>
+              <a:t>Needs:</a:t>
+            </a:r>
+          </a:p>
+          <a:p>
+            <a:pPr lvl="1">
               <a:buFont typeface="Arial" panose="020B0604020202020204" pitchFamily="34" charset="0"/>
               <a:buChar char="•"/>
             </a:pPr>
             <a:r>
               <a:rPr lang="en-US" dirty="0"/>
-              <a:t>Use </a:t>
-            </a:r>
-            <a:r>
-              <a:rPr lang="en-US" dirty="0" err="1"/>
-              <a:t>McEliece</a:t>
-            </a:r>
-            <a:r>
-              <a:rPr lang="en-US" dirty="0"/>
-              <a:t> </a:t>
-            </a:r>
-            <a:r>
-              <a:rPr lang="en-US" b="1" dirty="0"/>
-              <a:t>private key</a:t>
-            </a:r>
-            <a:r>
-              <a:rPr lang="en-US" dirty="0"/>
-              <a:t> to recover the symmetric Blowfish key</a:t>
+              <a:t> Encryption for confidentiality</a:t>
+            </a:r>
+          </a:p>
+          <a:p>
+            <a:pPr lvl="1">
+              <a:buFont typeface="Arial" panose="020B0604020202020204" pitchFamily="34" charset="0"/>
+              <a:buChar char="•"/>
+            </a:pPr>
+            <a:r>
+              <a:rPr lang="en-US" dirty="0"/>
+              <a:t> Digital signature for authenticity</a:t>
             </a:r>
           </a:p>
           <a:p>
@@ -7217,62 +9584,16 @@
               <a:buChar char="•"/>
             </a:pPr>
             <a:r>
-              <a:rPr lang="he-IL" dirty="0"/>
-              <a:t> </a:t>
-            </a:r>
-            <a:r>
-              <a:rPr lang="en-US" b="1" dirty="0"/>
-              <a:t>Step 2: Decrypt the message</a:t>
-            </a:r>
-            <a:endParaRPr lang="en-US" dirty="0"/>
-          </a:p>
-          <a:p>
-            <a:pPr marL="742950" lvl="1" indent="-285750">
-              <a:buFont typeface="Arial" panose="020B0604020202020204" pitchFamily="34" charset="0"/>
-              <a:buChar char="•"/>
-            </a:pPr>
-            <a:r>
-              <a:rPr lang="en-US" dirty="0"/>
-              <a:t>Use the recovered Blowfish key to decrypt the message</a:t>
-            </a:r>
-          </a:p>
-          <a:p>
-            <a:pPr>
-              <a:buFont typeface="Arial" panose="020B0604020202020204" pitchFamily="34" charset="0"/>
-              <a:buChar char="•"/>
-            </a:pPr>
-            <a:r>
-              <a:rPr lang="he-IL" dirty="0"/>
-              <a:t> </a:t>
-            </a:r>
-            <a:r>
-              <a:rPr lang="en-US" b="1" dirty="0"/>
-              <a:t>Step 3: Verify the signature</a:t>
-            </a:r>
-            <a:endParaRPr lang="en-US" dirty="0"/>
-          </a:p>
-          <a:p>
-            <a:pPr marL="742950" lvl="1" indent="-285750">
-              <a:buFont typeface="Arial" panose="020B0604020202020204" pitchFamily="34" charset="0"/>
-              <a:buChar char="•"/>
-            </a:pPr>
-            <a:r>
-              <a:rPr lang="en-US" dirty="0"/>
-              <a:t>Use sender’s public ECDSA key to confirm message authenticity</a:t>
-            </a:r>
-          </a:p>
-          <a:p>
-            <a:pPr>
-              <a:buFont typeface="Arial" panose="020B0604020202020204" pitchFamily="34" charset="0"/>
-              <a:buChar char="•"/>
-            </a:pPr>
-            <a:r>
-              <a:rPr lang="he-IL" dirty="0"/>
-              <a:t> </a:t>
-            </a:r>
-            <a:r>
-              <a:rPr lang="en-US" dirty="0"/>
-              <a:t>Message is only accepted if signature is valid</a:t>
+              <a:rPr lang="en-US" dirty="0"/>
+              <a:t>Processed next using Blowfish, </a:t>
+            </a:r>
+            <a:r>
+              <a:rPr lang="en-US" dirty="0" err="1"/>
+              <a:t>McEliece</a:t>
+            </a:r>
+            <a:r>
+              <a:rPr lang="en-US" dirty="0"/>
+              <a:t>, and ECDSA</a:t>
             </a:r>
           </a:p>
           <a:p>
@@ -7283,7 +9604,7 @@
     </p:spTree>
     <p:extLst>
       <p:ext uri="{BB962C8B-B14F-4D97-AF65-F5344CB8AC3E}">
-        <p14:creationId xmlns:p14="http://schemas.microsoft.com/office/powerpoint/2010/main" val="351153011"/>
+        <p14:creationId xmlns:p14="http://schemas.microsoft.com/office/powerpoint/2010/main" val="324050415"/>
       </p:ext>
     </p:extLst>
   </p:cSld>
@@ -7315,7 +9636,7 @@
           <p:cNvPr id="2" name="Title 1">
             <a:extLst>
               <a:ext uri="{FF2B5EF4-FFF2-40B4-BE49-F238E27FC236}">
-                <a16:creationId xmlns:a16="http://schemas.microsoft.com/office/drawing/2014/main" id="{0A8D517A-27A8-A120-4438-2C1E3CD6C6B4}"/>
+                <a16:creationId xmlns:a16="http://schemas.microsoft.com/office/drawing/2014/main" id="{064E537F-7CAC-9F01-3D6A-9B05421839AF}"/>
               </a:ext>
             </a:extLst>
           </p:cNvPr>
@@ -7333,7 +9654,7 @@
           <a:p>
             <a:r>
               <a:rPr lang="en-US" dirty="0"/>
-              <a:t>Digital Signature</a:t>
+              <a:t>Encrypted Text</a:t>
             </a:r>
           </a:p>
         </p:txBody>
@@ -7343,7 +9664,7 @@
           <p:cNvPr id="3" name="Content Placeholder 2">
             <a:extLst>
               <a:ext uri="{FF2B5EF4-FFF2-40B4-BE49-F238E27FC236}">
-                <a16:creationId xmlns:a16="http://schemas.microsoft.com/office/drawing/2014/main" id="{2DB43414-874A-CEEC-633F-C905E23E4C10}"/>
+                <a16:creationId xmlns:a16="http://schemas.microsoft.com/office/drawing/2014/main" id="{9C346764-401B-5F17-A636-63CA8110CCBC}"/>
               </a:ext>
             </a:extLst>
           </p:cNvPr>
@@ -7358,24 +9679,20 @@
         <p:txBody>
           <a:bodyPr/>
           <a:lstStyle/>
-          <a:p>
-            <a:pPr>
-              <a:buNone/>
-            </a:pPr>
-            <a:r>
-              <a:rPr lang="en-US" b="1" dirty="0"/>
-              <a:t>Bullet Points (for slide content)</a:t>
-            </a:r>
-          </a:p>
           <a:p>
             <a:pPr>
               <a:buFont typeface="Arial" panose="020B0604020202020204" pitchFamily="34" charset="0"/>
               <a:buChar char="•"/>
             </a:pPr>
             <a:r>
-              <a:rPr lang="en-US" dirty="0"/>
-              <a:t> Ensures the message came from the claimed sender</a:t>
-            </a:r>
+              <a:rPr lang="he-IL" dirty="0"/>
+              <a:t> </a:t>
+            </a:r>
+            <a:r>
+              <a:rPr lang="en-US" b="1" dirty="0"/>
+              <a:t>Message encrypted using Blowfish cipher</a:t>
+            </a:r>
+            <a:endParaRPr lang="en-US" dirty="0"/>
           </a:p>
           <a:p>
             <a:pPr>
@@ -7383,9 +9700,18 @@
               <a:buChar char="•"/>
             </a:pPr>
             <a:r>
-              <a:rPr lang="en-US" dirty="0"/>
-              <a:t> Confirms the message hasn’t been altered</a:t>
-            </a:r>
+              <a:rPr lang="he-IL" dirty="0"/>
+              <a:t> </a:t>
+            </a:r>
+            <a:r>
+              <a:rPr lang="en-US" dirty="0"/>
+              <a:t>Uses a </a:t>
+            </a:r>
+            <a:r>
+              <a:rPr lang="en-US" b="1" dirty="0"/>
+              <a:t>randomly generated symmetric key</a:t>
+            </a:r>
+            <a:endParaRPr lang="en-US" dirty="0"/>
           </a:p>
           <a:p>
             <a:pPr>
@@ -7393,8 +9719,16 @@
               <a:buChar char="•"/>
             </a:pPr>
             <a:r>
-              <a:rPr lang="en-US" dirty="0"/>
-              <a:t> Signature is created with sender’s private key</a:t>
+              <a:rPr lang="he-IL" dirty="0"/>
+              <a:t> </a:t>
+            </a:r>
+            <a:r>
+              <a:rPr lang="en-US" b="1" dirty="0"/>
+              <a:t>Output is ciphertext</a:t>
+            </a:r>
+            <a:r>
+              <a:rPr lang="en-US" dirty="0"/>
+              <a:t>: unreadable without the correct key</a:t>
             </a:r>
           </a:p>
           <a:p>
@@ -7403,8 +9737,12 @@
               <a:buChar char="•"/>
             </a:pPr>
             <a:r>
-              <a:rPr lang="en-US" dirty="0"/>
-              <a:t> Verified using sender’s public key</a:t>
+              <a:rPr lang="he-IL" dirty="0"/>
+              <a:t> </a:t>
+            </a:r>
+            <a:r>
+              <a:rPr lang="en-US" dirty="0"/>
+              <a:t>Appears as random data (e.g., hexadecimal or base64)</a:t>
             </a:r>
           </a:p>
           <a:p>
@@ -7413,24 +9751,42 @@
               <a:buChar char="•"/>
             </a:pPr>
             <a:r>
-              <a:rPr lang="en-US" dirty="0"/>
-              <a:t> Applied to the </a:t>
-            </a:r>
-            <a:r>
-              <a:rPr lang="en-US" b="1" dirty="0"/>
-              <a:t>encrypted message</a:t>
-            </a:r>
-            <a:r>
-              <a:rPr lang="en-US" dirty="0"/>
-              <a:t>, not the plaintext</a:t>
-            </a:r>
+              <a:rPr lang="he-IL" dirty="0"/>
+              <a:t> </a:t>
+            </a:r>
+            <a:r>
+              <a:rPr lang="en-US" dirty="0"/>
+              <a:t>Blowfish key will be securely sent using </a:t>
+            </a:r>
+            <a:r>
+              <a:rPr lang="en-US" b="1" dirty="0" err="1"/>
+              <a:t>McEliece</a:t>
+            </a:r>
+            <a:endParaRPr lang="en-US" dirty="0"/>
+          </a:p>
+          <a:p>
+            <a:pPr>
+              <a:buFont typeface="Arial" panose="020B0604020202020204" pitchFamily="34" charset="0"/>
+              <a:buChar char="•"/>
+            </a:pPr>
+            <a:r>
+              <a:rPr lang="he-IL" dirty="0"/>
+              <a:t> </a:t>
+            </a:r>
+            <a:r>
+              <a:rPr lang="en-US" dirty="0"/>
+              <a:t>Protects message confidentiality in transit</a:t>
+            </a:r>
+          </a:p>
+          <a:p>
+            <a:endParaRPr lang="en-US" dirty="0"/>
           </a:p>
         </p:txBody>
       </p:sp>
     </p:spTree>
     <p:extLst>
       <p:ext uri="{BB962C8B-B14F-4D97-AF65-F5344CB8AC3E}">
-        <p14:creationId xmlns:p14="http://schemas.microsoft.com/office/powerpoint/2010/main" val="486978243"/>
+        <p14:creationId xmlns:p14="http://schemas.microsoft.com/office/powerpoint/2010/main" val="3549070684"/>
       </p:ext>
     </p:extLst>
   </p:cSld>
@@ -7445,13 +9801,7 @@
   <p:cSld>
     <p:spTree>
       <p:nvGrpSpPr>
-        <p:cNvPr id="1" name="">
-          <a:extLst>
-            <a:ext uri="{FF2B5EF4-FFF2-40B4-BE49-F238E27FC236}">
-              <a16:creationId xmlns:a16="http://schemas.microsoft.com/office/drawing/2014/main" id="{1580CB9A-FD1D-7F96-ED77-A6A6E06550CF}"/>
-            </a:ext>
-          </a:extLst>
-        </p:cNvPr>
+        <p:cNvPr id="1" name=""/>
         <p:cNvGrpSpPr/>
         <p:nvPr/>
       </p:nvGrpSpPr>
@@ -7468,7 +9818,7 @@
           <p:cNvPr id="2" name="Title 1">
             <a:extLst>
               <a:ext uri="{FF2B5EF4-FFF2-40B4-BE49-F238E27FC236}">
-                <a16:creationId xmlns:a16="http://schemas.microsoft.com/office/drawing/2014/main" id="{9FB7E976-1C44-96A6-F1EC-23C4865A0A5E}"/>
+                <a16:creationId xmlns:a16="http://schemas.microsoft.com/office/drawing/2014/main" id="{7C313ABA-0CD1-864A-C658-376BE54E099A}"/>
               </a:ext>
             </a:extLst>
           </p:cNvPr>
@@ -7486,7 +9836,7 @@
           <a:p>
             <a:r>
               <a:rPr lang="en-US" dirty="0"/>
-              <a:t>Digital Signature</a:t>
+              <a:t>How to decipher with the key</a:t>
             </a:r>
           </a:p>
         </p:txBody>
@@ -7496,7 +9846,7 @@
           <p:cNvPr id="3" name="Content Placeholder 2">
             <a:extLst>
               <a:ext uri="{FF2B5EF4-FFF2-40B4-BE49-F238E27FC236}">
-                <a16:creationId xmlns:a16="http://schemas.microsoft.com/office/drawing/2014/main" id="{B4A2BB60-7138-F637-CE31-61A73404F1A8}"/>
+                <a16:creationId xmlns:a16="http://schemas.microsoft.com/office/drawing/2014/main" id="{4441DE8B-3BFF-25A7-C22F-17EA37DCE609}"/>
               </a:ext>
             </a:extLst>
           </p:cNvPr>
@@ -7509,7 +9859,9 @@
         </p:nvSpPr>
         <p:spPr/>
         <p:txBody>
-          <a:bodyPr/>
+          <a:bodyPr>
+            <a:normAutofit fontScale="92500" lnSpcReduction="10000"/>
+          </a:bodyPr>
           <a:lstStyle/>
           <a:p>
             <a:pPr>
@@ -7517,14 +9869,53 @@
               <a:buChar char="•"/>
             </a:pPr>
             <a:r>
-              <a:rPr lang="en-US" dirty="0"/>
+              <a:rPr lang="he-IL" dirty="0"/>
               <a:t> </a:t>
             </a:r>
             <a:r>
-              <a:rPr lang="en-US" b="1" dirty="0"/>
-              <a:t>Based on elliptic curve cryptography</a:t>
-            </a:r>
-            <a:endParaRPr lang="en-US" dirty="0"/>
+              <a:rPr lang="en-US" dirty="0"/>
+              <a:t>Receiver (Bob) receives:</a:t>
+            </a:r>
+          </a:p>
+          <a:p>
+            <a:pPr marL="742950" lvl="1" indent="-285750">
+              <a:buFont typeface="Arial" panose="020B0604020202020204" pitchFamily="34" charset="0"/>
+              <a:buChar char="•"/>
+            </a:pPr>
+            <a:r>
+              <a:rPr lang="en-US" dirty="0"/>
+              <a:t>Encrypted message (ciphertext)</a:t>
+            </a:r>
+          </a:p>
+          <a:p>
+            <a:pPr marL="742950" lvl="1" indent="-285750">
+              <a:buFont typeface="Arial" panose="020B0604020202020204" pitchFamily="34" charset="0"/>
+              <a:buChar char="•"/>
+            </a:pPr>
+            <a:r>
+              <a:rPr lang="en-US" dirty="0"/>
+              <a:t>Encrypted Blowfish key</a:t>
+            </a:r>
+          </a:p>
+          <a:p>
+            <a:pPr marL="742950" lvl="1" indent="-285750">
+              <a:buFont typeface="Arial" panose="020B0604020202020204" pitchFamily="34" charset="0"/>
+              <a:buChar char="•"/>
+            </a:pPr>
+            <a:r>
+              <a:rPr lang="en-US" dirty="0"/>
+              <a:t>Digital signature</a:t>
+            </a:r>
+          </a:p>
+          <a:p>
+            <a:pPr marL="742950" lvl="1" indent="-285750">
+              <a:buFont typeface="Arial" panose="020B0604020202020204" pitchFamily="34" charset="0"/>
+              <a:buChar char="•"/>
+            </a:pPr>
+            <a:r>
+              <a:rPr lang="en-US" dirty="0"/>
+              <a:t>Sender’s public ECDSA key</a:t>
+            </a:r>
           </a:p>
           <a:p>
             <a:pPr>
@@ -7532,8 +9923,31 @@
               <a:buChar char="•"/>
             </a:pPr>
             <a:r>
-              <a:rPr lang="en-US" dirty="0"/>
-              <a:t> Uses a </a:t>
+              <a:rPr lang="he-IL" dirty="0"/>
+              <a:t> </a:t>
+            </a:r>
+            <a:r>
+              <a:rPr lang="en-US" b="1" dirty="0"/>
+              <a:t>Step 1: Decrypt Blowfish key</a:t>
+            </a:r>
+            <a:endParaRPr lang="en-US" dirty="0"/>
+          </a:p>
+          <a:p>
+            <a:pPr marL="742950" lvl="1" indent="-285750">
+              <a:buFont typeface="Arial" panose="020B0604020202020204" pitchFamily="34" charset="0"/>
+              <a:buChar char="•"/>
+            </a:pPr>
+            <a:r>
+              <a:rPr lang="en-US" dirty="0"/>
+              <a:t>Use </a:t>
+            </a:r>
+            <a:r>
+              <a:rPr lang="en-US" dirty="0" err="1"/>
+              <a:t>McEliece</a:t>
+            </a:r>
+            <a:r>
+              <a:rPr lang="en-US" dirty="0"/>
+              <a:t> </a:t>
             </a:r>
             <a:r>
               <a:rPr lang="en-US" b="1" dirty="0"/>
@@ -7541,7 +9955,7 @@
             </a:r>
             <a:r>
               <a:rPr lang="en-US" dirty="0"/>
-              <a:t> to create a signature</a:t>
+              <a:t> to recover the symmetric Blowfish key</a:t>
             </a:r>
           </a:p>
           <a:p>
@@ -7550,16 +9964,23 @@
               <a:buChar char="•"/>
             </a:pPr>
             <a:r>
-              <a:rPr lang="en-US" dirty="0"/>
-              <a:t> Uses the </a:t>
+              <a:rPr lang="he-IL" dirty="0"/>
+              <a:t> </a:t>
             </a:r>
             <a:r>
               <a:rPr lang="en-US" b="1" dirty="0"/>
-              <a:t>corresponding public key</a:t>
-            </a:r>
-            <a:r>
-              <a:rPr lang="en-US" dirty="0"/>
-              <a:t> to verify it</a:t>
+              <a:t>Step 2: Decrypt the message</a:t>
+            </a:r>
+            <a:endParaRPr lang="en-US" dirty="0"/>
+          </a:p>
+          <a:p>
+            <a:pPr marL="742950" lvl="1" indent="-285750">
+              <a:buFont typeface="Arial" panose="020B0604020202020204" pitchFamily="34" charset="0"/>
+              <a:buChar char="•"/>
+            </a:pPr>
+            <a:r>
+              <a:rPr lang="en-US" dirty="0"/>
+              <a:t>Use the recovered Blowfish key to decrypt the message</a:t>
             </a:r>
           </a:p>
           <a:p>
@@ -7568,9 +9989,14 @@
               <a:buChar char="•"/>
             </a:pPr>
             <a:r>
-              <a:rPr lang="en-US" dirty="0"/>
-              <a:t> Two main steps:</a:t>
-            </a:r>
+              <a:rPr lang="he-IL" dirty="0"/>
+              <a:t> </a:t>
+            </a:r>
+            <a:r>
+              <a:rPr lang="en-US" b="1" dirty="0"/>
+              <a:t>Step 3: Verify the signature</a:t>
+            </a:r>
+            <a:endParaRPr lang="en-US" dirty="0"/>
           </a:p>
           <a:p>
             <a:pPr marL="742950" lvl="1" indent="-285750">
@@ -7578,26 +10004,8 @@
               <a:buChar char="•"/>
             </a:pPr>
             <a:r>
-              <a:rPr lang="en-US" b="1" dirty="0"/>
-              <a:t>Signing</a:t>
-            </a:r>
-            <a:r>
-              <a:rPr lang="en-US" dirty="0"/>
-              <a:t>: Hash the message + generate signature using private key</a:t>
-            </a:r>
-          </a:p>
-          <a:p>
-            <a:pPr marL="742950" lvl="1" indent="-285750">
-              <a:buFont typeface="Arial" panose="020B0604020202020204" pitchFamily="34" charset="0"/>
-              <a:buChar char="•"/>
-            </a:pPr>
-            <a:r>
-              <a:rPr lang="en-US" b="1" dirty="0"/>
-              <a:t>Verification</a:t>
-            </a:r>
-            <a:r>
-              <a:rPr lang="en-US" dirty="0"/>
-              <a:t>: Use public key to verify that signature matches hash</a:t>
+              <a:rPr lang="en-US" dirty="0"/>
+              <a:t>Use sender’s public ECDSA key to confirm message authenticity</a:t>
             </a:r>
           </a:p>
           <a:p>
@@ -7606,26 +10014,23 @@
               <a:buChar char="•"/>
             </a:pPr>
             <a:r>
-              <a:rPr lang="en-US" dirty="0"/>
-              <a:t> If matched: signature is valid → message is authentic</a:t>
-            </a:r>
-          </a:p>
-          <a:p>
-            <a:pPr>
-              <a:buFont typeface="Arial" panose="020B0604020202020204" pitchFamily="34" charset="0"/>
-              <a:buChar char="•"/>
-            </a:pPr>
-            <a:r>
-              <a:rPr lang="en-US" dirty="0"/>
-              <a:t> If mismatch: reject message → possible tampering</a:t>
-            </a:r>
+              <a:rPr lang="he-IL" dirty="0"/>
+              <a:t> </a:t>
+            </a:r>
+            <a:r>
+              <a:rPr lang="en-US" dirty="0"/>
+              <a:t>Message is only accepted if signature is valid</a:t>
+            </a:r>
+          </a:p>
+          <a:p>
+            <a:endParaRPr lang="en-US" dirty="0"/>
           </a:p>
         </p:txBody>
       </p:sp>
     </p:spTree>
     <p:extLst>
       <p:ext uri="{BB962C8B-B14F-4D97-AF65-F5344CB8AC3E}">
-        <p14:creationId xmlns:p14="http://schemas.microsoft.com/office/powerpoint/2010/main" val="97106039"/>
+        <p14:creationId xmlns:p14="http://schemas.microsoft.com/office/powerpoint/2010/main" val="351153011"/>
       </p:ext>
     </p:extLst>
   </p:cSld>
@@ -8234,6 +10639,23 @@
 </file>
 
 <file path=customXml/item1.xml><?xml version="1.0" encoding="utf-8"?>
+<p:properties xmlns:p="http://schemas.microsoft.com/office/2006/metadata/properties" xmlns:xsi="http://www.w3.org/2001/XMLSchema-instance" xmlns:pc="http://schemas.microsoft.com/office/infopath/2007/PartnerControls">
+  <documentManagement>
+    <_activity xmlns="7480d4d1-d0c4-4454-afbf-f8adc94c61a9" xsi:nil="true"/>
+  </documentManagement>
+</p:properties>
+</file>
+
+<file path=customXml/item2.xml><?xml version="1.0" encoding="utf-8"?>
+<?mso-contentType ?>
+<FormTemplates xmlns="http://schemas.microsoft.com/sharepoint/v3/contenttype/forms">
+  <Display>DocumentLibraryForm</Display>
+  <Edit>DocumentLibraryForm</Edit>
+  <New>DocumentLibraryForm</New>
+</FormTemplates>
+</file>
+
+<file path=customXml/item3.xml><?xml version="1.0" encoding="utf-8"?>
 <ct:contentTypeSchema xmlns:ct="http://schemas.microsoft.com/office/2006/metadata/contentType" xmlns:ma="http://schemas.microsoft.com/office/2006/metadata/properties/metaAttributes" ct:_="" ma:_="" ma:contentTypeName="Document" ma:contentTypeID="0x0101001E533B1092E7D145A9BA91CDD86ED454" ma:contentTypeVersion="15" ma:contentTypeDescription="Create a new document." ma:contentTypeScope="" ma:versionID="a69725e3e5755fe7ea146dd1394aca70">
   <xsd:schema xmlns:xsd="http://www.w3.org/2001/XMLSchema" xmlns:xs="http://www.w3.org/2001/XMLSchema" xmlns:p="http://schemas.microsoft.com/office/2006/metadata/properties" xmlns:ns3="7480d4d1-d0c4-4454-afbf-f8adc94c61a9" xmlns:ns4="5ee8e921-8df8-4dab-b498-9cbdafab85af" targetNamespace="http://schemas.microsoft.com/office/2006/metadata/properties" ma:root="true" ma:fieldsID="5848f545f59b5a6de7572048428bffca" ns3:_="" ns4:_="">
     <xsd:import namespace="7480d4d1-d0c4-4454-afbf-f8adc94c61a9"/>
@@ -8466,24 +10888,32 @@
 </ct:contentTypeSchema>
 </file>
 
-<file path=customXml/item2.xml><?xml version="1.0" encoding="utf-8"?>
-<?mso-contentType ?>
-<FormTemplates xmlns="http://schemas.microsoft.com/sharepoint/v3/contenttype/forms">
-  <Display>DocumentLibraryForm</Display>
-  <Edit>DocumentLibraryForm</Edit>
-  <New>DocumentLibraryForm</New>
-</FormTemplates>
+<file path=customXml/itemProps1.xml><?xml version="1.0" encoding="utf-8"?>
+<ds:datastoreItem xmlns:ds="http://schemas.openxmlformats.org/officeDocument/2006/customXml" ds:itemID="{F4408F56-9A13-4A87-A165-FA692790BA4D}">
+  <ds:schemaRefs>
+    <ds:schemaRef ds:uri="http://schemas.microsoft.com/office/2006/documentManagement/types"/>
+    <ds:schemaRef ds:uri="http://schemas.microsoft.com/office/infopath/2007/PartnerControls"/>
+    <ds:schemaRef ds:uri="7480d4d1-d0c4-4454-afbf-f8adc94c61a9"/>
+    <ds:schemaRef ds:uri="http://schemas.microsoft.com/office/2006/metadata/properties"/>
+    <ds:schemaRef ds:uri="http://purl.org/dc/terms/"/>
+    <ds:schemaRef ds:uri="http://purl.org/dc/dcmitype/"/>
+    <ds:schemaRef ds:uri="http://purl.org/dc/elements/1.1/"/>
+    <ds:schemaRef ds:uri="http://schemas.openxmlformats.org/package/2006/metadata/core-properties"/>
+    <ds:schemaRef ds:uri="http://www.w3.org/XML/1998/namespace"/>
+    <ds:schemaRef ds:uri="5ee8e921-8df8-4dab-b498-9cbdafab85af"/>
+  </ds:schemaRefs>
+</ds:datastoreItem>
 </file>
 
-<file path=customXml/item3.xml><?xml version="1.0" encoding="utf-8"?>
-<p:properties xmlns:p="http://schemas.microsoft.com/office/2006/metadata/properties" xmlns:xsi="http://www.w3.org/2001/XMLSchema-instance" xmlns:pc="http://schemas.microsoft.com/office/infopath/2007/PartnerControls">
-  <documentManagement>
-    <_activity xmlns="7480d4d1-d0c4-4454-afbf-f8adc94c61a9" xsi:nil="true"/>
-  </documentManagement>
-</p:properties>
+<file path=customXml/itemProps2.xml><?xml version="1.0" encoding="utf-8"?>
+<ds:datastoreItem xmlns:ds="http://schemas.openxmlformats.org/officeDocument/2006/customXml" ds:itemID="{499C5EEE-F1A0-4304-BAD3-4B1A75818CCE}">
+  <ds:schemaRefs>
+    <ds:schemaRef ds:uri="http://schemas.microsoft.com/sharepoint/v3/contenttype/forms"/>
+  </ds:schemaRefs>
+</ds:datastoreItem>
 </file>
 
-<file path=customXml/itemProps1.xml><?xml version="1.0" encoding="utf-8"?>
+<file path=customXml/itemProps3.xml><?xml version="1.0" encoding="utf-8"?>
 <ds:datastoreItem xmlns:ds="http://schemas.openxmlformats.org/officeDocument/2006/customXml" ds:itemID="{28FE47B3-7630-4512-B3F8-B1A8CE5E500C}">
   <ds:schemaRefs>
     <ds:schemaRef ds:uri="http://schemas.microsoft.com/office/2006/metadata/contentType"/>
@@ -8500,29 +10930,4 @@
     <ds:schemaRef ds:uri="http://schemas.microsoft.com/internal/obd"/>
   </ds:schemaRefs>
 </ds:datastoreItem>
-</file>
-
-<file path=customXml/itemProps2.xml><?xml version="1.0" encoding="utf-8"?>
-<ds:datastoreItem xmlns:ds="http://schemas.openxmlformats.org/officeDocument/2006/customXml" ds:itemID="{499C5EEE-F1A0-4304-BAD3-4B1A75818CCE}">
-  <ds:schemaRefs>
-    <ds:schemaRef ds:uri="http://schemas.microsoft.com/sharepoint/v3/contenttype/forms"/>
-  </ds:schemaRefs>
-</ds:datastoreItem>
-</file>
-
-<file path=customXml/itemProps3.xml><?xml version="1.0" encoding="utf-8"?>
-<ds:datastoreItem xmlns:ds="http://schemas.openxmlformats.org/officeDocument/2006/customXml" ds:itemID="{F4408F56-9A13-4A87-A165-FA692790BA4D}">
-  <ds:schemaRefs>
-    <ds:schemaRef ds:uri="http://schemas.microsoft.com/office/2006/documentManagement/types"/>
-    <ds:schemaRef ds:uri="http://schemas.microsoft.com/office/infopath/2007/PartnerControls"/>
-    <ds:schemaRef ds:uri="7480d4d1-d0c4-4454-afbf-f8adc94c61a9"/>
-    <ds:schemaRef ds:uri="http://schemas.microsoft.com/office/2006/metadata/properties"/>
-    <ds:schemaRef ds:uri="http://purl.org/dc/terms/"/>
-    <ds:schemaRef ds:uri="http://purl.org/dc/dcmitype/"/>
-    <ds:schemaRef ds:uri="http://purl.org/dc/elements/1.1/"/>
-    <ds:schemaRef ds:uri="http://schemas.openxmlformats.org/package/2006/metadata/core-properties"/>
-    <ds:schemaRef ds:uri="http://www.w3.org/XML/1998/namespace"/>
-    <ds:schemaRef ds:uri="5ee8e921-8df8-4dab-b498-9cbdafab85af"/>
-  </ds:schemaRefs>
-</ds:datastoreItem>
 </file>